--- a/Paper_AD/Figure_1.pptx
+++ b/Paper_AD/Figure_1.pptx
@@ -2,18 +2,18 @@
 <file path=ppt/presentation.xml><?xml version="1.0" encoding="utf-8"?>
 <p:presentation xmlns:a="http://schemas.openxmlformats.org/drawingml/2006/main" xmlns:r="http://schemas.openxmlformats.org/officeDocument/2006/relationships" xmlns:p="http://schemas.openxmlformats.org/presentationml/2006/main" saveSubsetFonts="1">
   <p:sldMasterIdLst>
-    <p:sldMasterId id="2147483648" r:id="rId1"/>
+    <p:sldMasterId id="2147483660" r:id="rId1"/>
   </p:sldMasterIdLst>
   <p:sldIdLst>
     <p:sldId id="256" r:id="rId2"/>
   </p:sldIdLst>
-  <p:sldSz cx="12192000" cy="6858000"/>
+  <p:sldSz cx="6858000" cy="9144000" type="letter"/>
   <p:notesSz cx="6858000" cy="9144000"/>
   <p:defaultTextStyle>
     <a:defPPr>
       <a:defRPr lang="en-US"/>
     </a:defPPr>
-    <a:lvl1pPr marL="0" algn="l" defTabSz="914400" rtl="0" eaLnBrk="1" latinLnBrk="0" hangingPunct="1">
+    <a:lvl1pPr marL="0" algn="l" defTabSz="457200" rtl="0" eaLnBrk="1" latinLnBrk="0" hangingPunct="1">
       <a:defRPr sz="1800" kern="1200">
         <a:solidFill>
           <a:schemeClr val="tx1"/>
@@ -23,7 +23,7 @@
         <a:cs typeface="+mn-cs"/>
       </a:defRPr>
     </a:lvl1pPr>
-    <a:lvl2pPr marL="457200" algn="l" defTabSz="914400" rtl="0" eaLnBrk="1" latinLnBrk="0" hangingPunct="1">
+    <a:lvl2pPr marL="457200" algn="l" defTabSz="457200" rtl="0" eaLnBrk="1" latinLnBrk="0" hangingPunct="1">
       <a:defRPr sz="1800" kern="1200">
         <a:solidFill>
           <a:schemeClr val="tx1"/>
@@ -33,7 +33,7 @@
         <a:cs typeface="+mn-cs"/>
       </a:defRPr>
     </a:lvl2pPr>
-    <a:lvl3pPr marL="914400" algn="l" defTabSz="914400" rtl="0" eaLnBrk="1" latinLnBrk="0" hangingPunct="1">
+    <a:lvl3pPr marL="914400" algn="l" defTabSz="457200" rtl="0" eaLnBrk="1" latinLnBrk="0" hangingPunct="1">
       <a:defRPr sz="1800" kern="1200">
         <a:solidFill>
           <a:schemeClr val="tx1"/>
@@ -43,7 +43,7 @@
         <a:cs typeface="+mn-cs"/>
       </a:defRPr>
     </a:lvl3pPr>
-    <a:lvl4pPr marL="1371600" algn="l" defTabSz="914400" rtl="0" eaLnBrk="1" latinLnBrk="0" hangingPunct="1">
+    <a:lvl4pPr marL="1371600" algn="l" defTabSz="457200" rtl="0" eaLnBrk="1" latinLnBrk="0" hangingPunct="1">
       <a:defRPr sz="1800" kern="1200">
         <a:solidFill>
           <a:schemeClr val="tx1"/>
@@ -53,7 +53,7 @@
         <a:cs typeface="+mn-cs"/>
       </a:defRPr>
     </a:lvl4pPr>
-    <a:lvl5pPr marL="1828800" algn="l" defTabSz="914400" rtl="0" eaLnBrk="1" latinLnBrk="0" hangingPunct="1">
+    <a:lvl5pPr marL="1828800" algn="l" defTabSz="457200" rtl="0" eaLnBrk="1" latinLnBrk="0" hangingPunct="1">
       <a:defRPr sz="1800" kern="1200">
         <a:solidFill>
           <a:schemeClr val="tx1"/>
@@ -63,7 +63,7 @@
         <a:cs typeface="+mn-cs"/>
       </a:defRPr>
     </a:lvl5pPr>
-    <a:lvl6pPr marL="2286000" algn="l" defTabSz="914400" rtl="0" eaLnBrk="1" latinLnBrk="0" hangingPunct="1">
+    <a:lvl6pPr marL="2286000" algn="l" defTabSz="457200" rtl="0" eaLnBrk="1" latinLnBrk="0" hangingPunct="1">
       <a:defRPr sz="1800" kern="1200">
         <a:solidFill>
           <a:schemeClr val="tx1"/>
@@ -73,7 +73,7 @@
         <a:cs typeface="+mn-cs"/>
       </a:defRPr>
     </a:lvl6pPr>
-    <a:lvl7pPr marL="2743200" algn="l" defTabSz="914400" rtl="0" eaLnBrk="1" latinLnBrk="0" hangingPunct="1">
+    <a:lvl7pPr marL="2743200" algn="l" defTabSz="457200" rtl="0" eaLnBrk="1" latinLnBrk="0" hangingPunct="1">
       <a:defRPr sz="1800" kern="1200">
         <a:solidFill>
           <a:schemeClr val="tx1"/>
@@ -83,7 +83,7 @@
         <a:cs typeface="+mn-cs"/>
       </a:defRPr>
     </a:lvl7pPr>
-    <a:lvl8pPr marL="3200400" algn="l" defTabSz="914400" rtl="0" eaLnBrk="1" latinLnBrk="0" hangingPunct="1">
+    <a:lvl8pPr marL="3200400" algn="l" defTabSz="457200" rtl="0" eaLnBrk="1" latinLnBrk="0" hangingPunct="1">
       <a:defRPr sz="1800" kern="1200">
         <a:solidFill>
           <a:schemeClr val="tx1"/>
@@ -93,7 +93,7 @@
         <a:cs typeface="+mn-cs"/>
       </a:defRPr>
     </a:lvl8pPr>
-    <a:lvl9pPr marL="3657600" algn="l" defTabSz="914400" rtl="0" eaLnBrk="1" latinLnBrk="0" hangingPunct="1">
+    <a:lvl9pPr marL="3657600" algn="l" defTabSz="457200" rtl="0" eaLnBrk="1" latinLnBrk="0" hangingPunct="1">
       <a:defRPr sz="1800" kern="1200">
         <a:solidFill>
           <a:schemeClr val="tx1"/>
@@ -126,13 +126,7 @@
       </p:grpSpPr>
       <p:sp>
         <p:nvSpPr>
-          <p:cNvPr id="2" name="Title 1">
-            <a:extLst>
-              <a:ext uri="{FF2B5EF4-FFF2-40B4-BE49-F238E27FC236}">
-                <a16:creationId xmlns:a16="http://schemas.microsoft.com/office/drawing/2014/main" id="{AB6E416E-13FF-2F44-D66F-ED62AC88D3ED}"/>
-              </a:ext>
-            </a:extLst>
-          </p:cNvPr>
+          <p:cNvPr id="2" name="Title 1"/>
           <p:cNvSpPr>
             <a:spLocks noGrp="1"/>
           </p:cNvSpPr>
@@ -142,15 +136,15 @@
         </p:nvSpPr>
         <p:spPr>
           <a:xfrm>
-            <a:off x="1524000" y="1122363"/>
-            <a:ext cx="9144000" cy="2387600"/>
+            <a:off x="514350" y="1496484"/>
+            <a:ext cx="5829300" cy="3183467"/>
           </a:xfrm>
         </p:spPr>
         <p:txBody>
           <a:bodyPr anchor="b"/>
           <a:lstStyle>
             <a:lvl1pPr algn="ctr">
-              <a:defRPr sz="6000"/>
+              <a:defRPr sz="4500"/>
             </a:lvl1pPr>
           </a:lstStyle>
           <a:p>
@@ -158,19 +152,13 @@
               <a:rPr lang="en-US"/>
               <a:t>Click to edit Master title style</a:t>
             </a:r>
-            <a:endParaRPr lang="es-MX"/>
-          </a:p>
-        </p:txBody>
-      </p:sp>
-      <p:sp>
-        <p:nvSpPr>
-          <p:cNvPr id="3" name="Subtitle 2">
-            <a:extLst>
-              <a:ext uri="{FF2B5EF4-FFF2-40B4-BE49-F238E27FC236}">
-                <a16:creationId xmlns:a16="http://schemas.microsoft.com/office/drawing/2014/main" id="{F96E3B7A-19FA-800C-3F5B-13C2A8D1513E}"/>
-              </a:ext>
-            </a:extLst>
-          </p:cNvPr>
+            <a:endParaRPr lang="en-US" dirty="0"/>
+          </a:p>
+        </p:txBody>
+      </p:sp>
+      <p:sp>
+        <p:nvSpPr>
+          <p:cNvPr id="3" name="Subtitle 2"/>
           <p:cNvSpPr>
             <a:spLocks noGrp="1"/>
           </p:cNvSpPr>
@@ -180,8 +168,8 @@
         </p:nvSpPr>
         <p:spPr>
           <a:xfrm>
-            <a:off x="1524000" y="3602038"/>
-            <a:ext cx="9144000" cy="1655762"/>
+            <a:off x="857250" y="4802717"/>
+            <a:ext cx="5143500" cy="2207683"/>
           </a:xfrm>
         </p:spPr>
         <p:txBody>
@@ -189,39 +177,39 @@
           <a:lstStyle>
             <a:lvl1pPr marL="0" indent="0" algn="ctr">
               <a:buNone/>
-              <a:defRPr sz="2400"/>
+              <a:defRPr sz="1800"/>
             </a:lvl1pPr>
-            <a:lvl2pPr marL="457200" indent="0" algn="ctr">
-              <a:buNone/>
-              <a:defRPr sz="2000"/>
+            <a:lvl2pPr marL="342900" indent="0" algn="ctr">
+              <a:buNone/>
+              <a:defRPr sz="1500"/>
             </a:lvl2pPr>
-            <a:lvl3pPr marL="914400" indent="0" algn="ctr">
-              <a:buNone/>
-              <a:defRPr sz="1800"/>
+            <a:lvl3pPr marL="685800" indent="0" algn="ctr">
+              <a:buNone/>
+              <a:defRPr sz="1350"/>
             </a:lvl3pPr>
-            <a:lvl4pPr marL="1371600" indent="0" algn="ctr">
-              <a:buNone/>
-              <a:defRPr sz="1600"/>
+            <a:lvl4pPr marL="1028700" indent="0" algn="ctr">
+              <a:buNone/>
+              <a:defRPr sz="1200"/>
             </a:lvl4pPr>
-            <a:lvl5pPr marL="1828800" indent="0" algn="ctr">
-              <a:buNone/>
-              <a:defRPr sz="1600"/>
+            <a:lvl5pPr marL="1371600" indent="0" algn="ctr">
+              <a:buNone/>
+              <a:defRPr sz="1200"/>
             </a:lvl5pPr>
-            <a:lvl6pPr marL="2286000" indent="0" algn="ctr">
-              <a:buNone/>
-              <a:defRPr sz="1600"/>
+            <a:lvl6pPr marL="1714500" indent="0" algn="ctr">
+              <a:buNone/>
+              <a:defRPr sz="1200"/>
             </a:lvl6pPr>
-            <a:lvl7pPr marL="2743200" indent="0" algn="ctr">
-              <a:buNone/>
-              <a:defRPr sz="1600"/>
+            <a:lvl7pPr marL="2057400" indent="0" algn="ctr">
+              <a:buNone/>
+              <a:defRPr sz="1200"/>
             </a:lvl7pPr>
-            <a:lvl8pPr marL="3200400" indent="0" algn="ctr">
-              <a:buNone/>
-              <a:defRPr sz="1600"/>
+            <a:lvl8pPr marL="2400300" indent="0" algn="ctr">
+              <a:buNone/>
+              <a:defRPr sz="1200"/>
             </a:lvl8pPr>
-            <a:lvl9pPr marL="3657600" indent="0" algn="ctr">
-              <a:buNone/>
-              <a:defRPr sz="1600"/>
+            <a:lvl9pPr marL="2743200" indent="0" algn="ctr">
+              <a:buNone/>
+              <a:defRPr sz="1200"/>
             </a:lvl9pPr>
           </a:lstStyle>
           <a:p>
@@ -229,19 +217,13 @@
               <a:rPr lang="en-US"/>
               <a:t>Click to edit Master subtitle style</a:t>
             </a:r>
-            <a:endParaRPr lang="es-MX"/>
-          </a:p>
-        </p:txBody>
-      </p:sp>
-      <p:sp>
-        <p:nvSpPr>
-          <p:cNvPr id="4" name="Date Placeholder 3">
-            <a:extLst>
-              <a:ext uri="{FF2B5EF4-FFF2-40B4-BE49-F238E27FC236}">
-                <a16:creationId xmlns:a16="http://schemas.microsoft.com/office/drawing/2014/main" id="{FBB95A61-AEFC-83D4-E173-9DEB45C345B1}"/>
-              </a:ext>
-            </a:extLst>
-          </p:cNvPr>
+            <a:endParaRPr lang="en-US" dirty="0"/>
+          </a:p>
+        </p:txBody>
+      </p:sp>
+      <p:sp>
+        <p:nvSpPr>
+          <p:cNvPr id="4" name="Date Placeholder 3"/>
           <p:cNvSpPr>
             <a:spLocks noGrp="1"/>
           </p:cNvSpPr>
@@ -254,9 +236,9 @@
           <a:bodyPr/>
           <a:lstStyle/>
           <a:p>
-            <a:fld id="{6F2012AD-577C-48A2-ADCD-EA4469DAE7D6}" type="datetimeFigureOut">
+            <a:fld id="{C07974E1-E524-4A61-BA7F-0CE933AA818E}" type="datetimeFigureOut">
               <a:rPr lang="es-MX" smtClean="0"/>
-              <a:t>02/12/2024</a:t>
+              <a:t>04/12/2024</a:t>
             </a:fld>
             <a:endParaRPr lang="es-MX"/>
           </a:p>
@@ -264,13 +246,7 @@
       </p:sp>
       <p:sp>
         <p:nvSpPr>
-          <p:cNvPr id="5" name="Footer Placeholder 4">
-            <a:extLst>
-              <a:ext uri="{FF2B5EF4-FFF2-40B4-BE49-F238E27FC236}">
-                <a16:creationId xmlns:a16="http://schemas.microsoft.com/office/drawing/2014/main" id="{BF2CC933-7640-BB9C-8208-C46A517AEEE0}"/>
-              </a:ext>
-            </a:extLst>
-          </p:cNvPr>
+          <p:cNvPr id="5" name="Footer Placeholder 4"/>
           <p:cNvSpPr>
             <a:spLocks noGrp="1"/>
           </p:cNvSpPr>
@@ -289,13 +265,7 @@
       </p:sp>
       <p:sp>
         <p:nvSpPr>
-          <p:cNvPr id="6" name="Slide Number Placeholder 5">
-            <a:extLst>
-              <a:ext uri="{FF2B5EF4-FFF2-40B4-BE49-F238E27FC236}">
-                <a16:creationId xmlns:a16="http://schemas.microsoft.com/office/drawing/2014/main" id="{2A88C50C-E431-1393-91BB-FD291148ACB7}"/>
-              </a:ext>
-            </a:extLst>
-          </p:cNvPr>
+          <p:cNvPr id="6" name="Slide Number Placeholder 5"/>
           <p:cNvSpPr>
             <a:spLocks noGrp="1"/>
           </p:cNvSpPr>
@@ -308,7 +278,7 @@
           <a:bodyPr/>
           <a:lstStyle/>
           <a:p>
-            <a:fld id="{D8099971-C48E-42C5-95DA-248855878A98}" type="slidenum">
+            <a:fld id="{E94512B9-D374-400F-BD21-6F102DEBF00A}" type="slidenum">
               <a:rPr lang="es-MX" smtClean="0"/>
               <a:t>‹#›</a:t>
             </a:fld>
@@ -319,7 +289,7 @@
     </p:spTree>
     <p:extLst>
       <p:ext uri="{BB962C8B-B14F-4D97-AF65-F5344CB8AC3E}">
-        <p14:creationId xmlns:p14="http://schemas.microsoft.com/office/powerpoint/2010/main" val="2482142843"/>
+        <p14:creationId xmlns:p14="http://schemas.microsoft.com/office/powerpoint/2010/main" val="1473551226"/>
       </p:ext>
     </p:extLst>
   </p:cSld>
@@ -348,13 +318,7 @@
       </p:grpSpPr>
       <p:sp>
         <p:nvSpPr>
-          <p:cNvPr id="2" name="Title 1">
-            <a:extLst>
-              <a:ext uri="{FF2B5EF4-FFF2-40B4-BE49-F238E27FC236}">
-                <a16:creationId xmlns:a16="http://schemas.microsoft.com/office/drawing/2014/main" id="{96286464-7617-CF5D-0B4F-221614C6473E}"/>
-              </a:ext>
-            </a:extLst>
-          </p:cNvPr>
+          <p:cNvPr id="2" name="Title 1"/>
           <p:cNvSpPr>
             <a:spLocks noGrp="1"/>
           </p:cNvSpPr>
@@ -371,19 +335,13 @@
               <a:rPr lang="en-US"/>
               <a:t>Click to edit Master title style</a:t>
             </a:r>
-            <a:endParaRPr lang="es-MX"/>
-          </a:p>
-        </p:txBody>
-      </p:sp>
-      <p:sp>
-        <p:nvSpPr>
-          <p:cNvPr id="3" name="Vertical Text Placeholder 2">
-            <a:extLst>
-              <a:ext uri="{FF2B5EF4-FFF2-40B4-BE49-F238E27FC236}">
-                <a16:creationId xmlns:a16="http://schemas.microsoft.com/office/drawing/2014/main" id="{CD32930B-9304-B507-0301-C79BBFF7B326}"/>
-              </a:ext>
-            </a:extLst>
-          </p:cNvPr>
+            <a:endParaRPr lang="en-US" dirty="0"/>
+          </a:p>
+        </p:txBody>
+      </p:sp>
+      <p:sp>
+        <p:nvSpPr>
+          <p:cNvPr id="3" name="Vertical Text Placeholder 2"/>
           <p:cNvSpPr>
             <a:spLocks noGrp="1"/>
           </p:cNvSpPr>
@@ -429,19 +387,13 @@
               <a:rPr lang="en-US"/>
               <a:t>Fifth level</a:t>
             </a:r>
-            <a:endParaRPr lang="es-MX"/>
-          </a:p>
-        </p:txBody>
-      </p:sp>
-      <p:sp>
-        <p:nvSpPr>
-          <p:cNvPr id="4" name="Date Placeholder 3">
-            <a:extLst>
-              <a:ext uri="{FF2B5EF4-FFF2-40B4-BE49-F238E27FC236}">
-                <a16:creationId xmlns:a16="http://schemas.microsoft.com/office/drawing/2014/main" id="{DFE996C9-ACDA-E0F0-30C8-E2B5BB821782}"/>
-              </a:ext>
-            </a:extLst>
-          </p:cNvPr>
+            <a:endParaRPr lang="en-US" dirty="0"/>
+          </a:p>
+        </p:txBody>
+      </p:sp>
+      <p:sp>
+        <p:nvSpPr>
+          <p:cNvPr id="4" name="Date Placeholder 3"/>
           <p:cNvSpPr>
             <a:spLocks noGrp="1"/>
           </p:cNvSpPr>
@@ -454,9 +406,9 @@
           <a:bodyPr/>
           <a:lstStyle/>
           <a:p>
-            <a:fld id="{6F2012AD-577C-48A2-ADCD-EA4469DAE7D6}" type="datetimeFigureOut">
+            <a:fld id="{C07974E1-E524-4A61-BA7F-0CE933AA818E}" type="datetimeFigureOut">
               <a:rPr lang="es-MX" smtClean="0"/>
-              <a:t>02/12/2024</a:t>
+              <a:t>04/12/2024</a:t>
             </a:fld>
             <a:endParaRPr lang="es-MX"/>
           </a:p>
@@ -464,13 +416,7 @@
       </p:sp>
       <p:sp>
         <p:nvSpPr>
-          <p:cNvPr id="5" name="Footer Placeholder 4">
-            <a:extLst>
-              <a:ext uri="{FF2B5EF4-FFF2-40B4-BE49-F238E27FC236}">
-                <a16:creationId xmlns:a16="http://schemas.microsoft.com/office/drawing/2014/main" id="{D5907641-7785-4DC2-E1C7-417B5AC5FF7F}"/>
-              </a:ext>
-            </a:extLst>
-          </p:cNvPr>
+          <p:cNvPr id="5" name="Footer Placeholder 4"/>
           <p:cNvSpPr>
             <a:spLocks noGrp="1"/>
           </p:cNvSpPr>
@@ -489,13 +435,7 @@
       </p:sp>
       <p:sp>
         <p:nvSpPr>
-          <p:cNvPr id="6" name="Slide Number Placeholder 5">
-            <a:extLst>
-              <a:ext uri="{FF2B5EF4-FFF2-40B4-BE49-F238E27FC236}">
-                <a16:creationId xmlns:a16="http://schemas.microsoft.com/office/drawing/2014/main" id="{10FE010A-F642-5D41-3E49-D015E4D6D513}"/>
-              </a:ext>
-            </a:extLst>
-          </p:cNvPr>
+          <p:cNvPr id="6" name="Slide Number Placeholder 5"/>
           <p:cNvSpPr>
             <a:spLocks noGrp="1"/>
           </p:cNvSpPr>
@@ -508,7 +448,7 @@
           <a:bodyPr/>
           <a:lstStyle/>
           <a:p>
-            <a:fld id="{D8099971-C48E-42C5-95DA-248855878A98}" type="slidenum">
+            <a:fld id="{E94512B9-D374-400F-BD21-6F102DEBF00A}" type="slidenum">
               <a:rPr lang="es-MX" smtClean="0"/>
               <a:t>‹#›</a:t>
             </a:fld>
@@ -519,7 +459,7 @@
     </p:spTree>
     <p:extLst>
       <p:ext uri="{BB962C8B-B14F-4D97-AF65-F5344CB8AC3E}">
-        <p14:creationId xmlns:p14="http://schemas.microsoft.com/office/powerpoint/2010/main" val="2952525862"/>
+        <p14:creationId xmlns:p14="http://schemas.microsoft.com/office/powerpoint/2010/main" val="131563072"/>
       </p:ext>
     </p:extLst>
   </p:cSld>
@@ -548,13 +488,7 @@
       </p:grpSpPr>
       <p:sp>
         <p:nvSpPr>
-          <p:cNvPr id="2" name="Vertical Title 1">
-            <a:extLst>
-              <a:ext uri="{FF2B5EF4-FFF2-40B4-BE49-F238E27FC236}">
-                <a16:creationId xmlns:a16="http://schemas.microsoft.com/office/drawing/2014/main" id="{03A49F07-8155-15A6-3D63-ECFD51735CA6}"/>
-              </a:ext>
-            </a:extLst>
-          </p:cNvPr>
+          <p:cNvPr id="2" name="Vertical Title 1"/>
           <p:cNvSpPr>
             <a:spLocks noGrp="1"/>
           </p:cNvSpPr>
@@ -564,8 +498,8 @@
         </p:nvSpPr>
         <p:spPr>
           <a:xfrm>
-            <a:off x="8724900" y="365125"/>
-            <a:ext cx="2628900" cy="5811838"/>
+            <a:off x="4907757" y="486834"/>
+            <a:ext cx="1478756" cy="7749117"/>
           </a:xfrm>
         </p:spPr>
         <p:txBody>
@@ -576,19 +510,13 @@
               <a:rPr lang="en-US"/>
               <a:t>Click to edit Master title style</a:t>
             </a:r>
-            <a:endParaRPr lang="es-MX"/>
-          </a:p>
-        </p:txBody>
-      </p:sp>
-      <p:sp>
-        <p:nvSpPr>
-          <p:cNvPr id="3" name="Vertical Text Placeholder 2">
-            <a:extLst>
-              <a:ext uri="{FF2B5EF4-FFF2-40B4-BE49-F238E27FC236}">
-                <a16:creationId xmlns:a16="http://schemas.microsoft.com/office/drawing/2014/main" id="{3BDB7491-36F9-97A6-6C9F-B98D5A338C66}"/>
-              </a:ext>
-            </a:extLst>
-          </p:cNvPr>
+            <a:endParaRPr lang="en-US" dirty="0"/>
+          </a:p>
+        </p:txBody>
+      </p:sp>
+      <p:sp>
+        <p:nvSpPr>
+          <p:cNvPr id="3" name="Vertical Text Placeholder 2"/>
           <p:cNvSpPr>
             <a:spLocks noGrp="1"/>
           </p:cNvSpPr>
@@ -598,8 +526,8 @@
         </p:nvSpPr>
         <p:spPr>
           <a:xfrm>
-            <a:off x="838200" y="365125"/>
-            <a:ext cx="7734300" cy="5811838"/>
+            <a:off x="471488" y="486834"/>
+            <a:ext cx="4350544" cy="7749117"/>
           </a:xfrm>
         </p:spPr>
         <p:txBody>
@@ -639,19 +567,13 @@
               <a:rPr lang="en-US"/>
               <a:t>Fifth level</a:t>
             </a:r>
-            <a:endParaRPr lang="es-MX"/>
-          </a:p>
-        </p:txBody>
-      </p:sp>
-      <p:sp>
-        <p:nvSpPr>
-          <p:cNvPr id="4" name="Date Placeholder 3">
-            <a:extLst>
-              <a:ext uri="{FF2B5EF4-FFF2-40B4-BE49-F238E27FC236}">
-                <a16:creationId xmlns:a16="http://schemas.microsoft.com/office/drawing/2014/main" id="{18490DB4-ADC1-3E07-F001-287DDE2D0D85}"/>
-              </a:ext>
-            </a:extLst>
-          </p:cNvPr>
+            <a:endParaRPr lang="en-US" dirty="0"/>
+          </a:p>
+        </p:txBody>
+      </p:sp>
+      <p:sp>
+        <p:nvSpPr>
+          <p:cNvPr id="4" name="Date Placeholder 3"/>
           <p:cNvSpPr>
             <a:spLocks noGrp="1"/>
           </p:cNvSpPr>
@@ -664,9 +586,9 @@
           <a:bodyPr/>
           <a:lstStyle/>
           <a:p>
-            <a:fld id="{6F2012AD-577C-48A2-ADCD-EA4469DAE7D6}" type="datetimeFigureOut">
+            <a:fld id="{C07974E1-E524-4A61-BA7F-0CE933AA818E}" type="datetimeFigureOut">
               <a:rPr lang="es-MX" smtClean="0"/>
-              <a:t>02/12/2024</a:t>
+              <a:t>04/12/2024</a:t>
             </a:fld>
             <a:endParaRPr lang="es-MX"/>
           </a:p>
@@ -674,13 +596,7 @@
       </p:sp>
       <p:sp>
         <p:nvSpPr>
-          <p:cNvPr id="5" name="Footer Placeholder 4">
-            <a:extLst>
-              <a:ext uri="{FF2B5EF4-FFF2-40B4-BE49-F238E27FC236}">
-                <a16:creationId xmlns:a16="http://schemas.microsoft.com/office/drawing/2014/main" id="{E775E150-6403-4CFB-AA29-036EA82337B6}"/>
-              </a:ext>
-            </a:extLst>
-          </p:cNvPr>
+          <p:cNvPr id="5" name="Footer Placeholder 4"/>
           <p:cNvSpPr>
             <a:spLocks noGrp="1"/>
           </p:cNvSpPr>
@@ -699,13 +615,7 @@
       </p:sp>
       <p:sp>
         <p:nvSpPr>
-          <p:cNvPr id="6" name="Slide Number Placeholder 5">
-            <a:extLst>
-              <a:ext uri="{FF2B5EF4-FFF2-40B4-BE49-F238E27FC236}">
-                <a16:creationId xmlns:a16="http://schemas.microsoft.com/office/drawing/2014/main" id="{A065141D-EF1E-9EF6-C59E-4DABB300B2A7}"/>
-              </a:ext>
-            </a:extLst>
-          </p:cNvPr>
+          <p:cNvPr id="6" name="Slide Number Placeholder 5"/>
           <p:cNvSpPr>
             <a:spLocks noGrp="1"/>
           </p:cNvSpPr>
@@ -718,7 +628,7 @@
           <a:bodyPr/>
           <a:lstStyle/>
           <a:p>
-            <a:fld id="{D8099971-C48E-42C5-95DA-248855878A98}" type="slidenum">
+            <a:fld id="{E94512B9-D374-400F-BD21-6F102DEBF00A}" type="slidenum">
               <a:rPr lang="es-MX" smtClean="0"/>
               <a:t>‹#›</a:t>
             </a:fld>
@@ -729,7 +639,7 @@
     </p:spTree>
     <p:extLst>
       <p:ext uri="{BB962C8B-B14F-4D97-AF65-F5344CB8AC3E}">
-        <p14:creationId xmlns:p14="http://schemas.microsoft.com/office/powerpoint/2010/main" val="3708047853"/>
+        <p14:creationId xmlns:p14="http://schemas.microsoft.com/office/powerpoint/2010/main" val="3703385808"/>
       </p:ext>
     </p:extLst>
   </p:cSld>
@@ -758,13 +668,7 @@
       </p:grpSpPr>
       <p:sp>
         <p:nvSpPr>
-          <p:cNvPr id="2" name="Title 1">
-            <a:extLst>
-              <a:ext uri="{FF2B5EF4-FFF2-40B4-BE49-F238E27FC236}">
-                <a16:creationId xmlns:a16="http://schemas.microsoft.com/office/drawing/2014/main" id="{FFF05219-8F54-4E5B-C28B-1568B5CE839A}"/>
-              </a:ext>
-            </a:extLst>
-          </p:cNvPr>
+          <p:cNvPr id="2" name="Title 1"/>
           <p:cNvSpPr>
             <a:spLocks noGrp="1"/>
           </p:cNvSpPr>
@@ -781,19 +685,13 @@
               <a:rPr lang="en-US"/>
               <a:t>Click to edit Master title style</a:t>
             </a:r>
-            <a:endParaRPr lang="es-MX"/>
-          </a:p>
-        </p:txBody>
-      </p:sp>
-      <p:sp>
-        <p:nvSpPr>
-          <p:cNvPr id="3" name="Content Placeholder 2">
-            <a:extLst>
-              <a:ext uri="{FF2B5EF4-FFF2-40B4-BE49-F238E27FC236}">
-                <a16:creationId xmlns:a16="http://schemas.microsoft.com/office/drawing/2014/main" id="{D331FEDF-B114-2286-9EEE-85234F6F9969}"/>
-              </a:ext>
-            </a:extLst>
-          </p:cNvPr>
+            <a:endParaRPr lang="en-US" dirty="0"/>
+          </a:p>
+        </p:txBody>
+      </p:sp>
+      <p:sp>
+        <p:nvSpPr>
+          <p:cNvPr id="3" name="Content Placeholder 2"/>
           <p:cNvSpPr>
             <a:spLocks noGrp="1"/>
           </p:cNvSpPr>
@@ -839,19 +737,13 @@
               <a:rPr lang="en-US"/>
               <a:t>Fifth level</a:t>
             </a:r>
-            <a:endParaRPr lang="es-MX"/>
-          </a:p>
-        </p:txBody>
-      </p:sp>
-      <p:sp>
-        <p:nvSpPr>
-          <p:cNvPr id="4" name="Date Placeholder 3">
-            <a:extLst>
-              <a:ext uri="{FF2B5EF4-FFF2-40B4-BE49-F238E27FC236}">
-                <a16:creationId xmlns:a16="http://schemas.microsoft.com/office/drawing/2014/main" id="{7AA6D46E-4766-47BD-962E-F537CDCF3AD8}"/>
-              </a:ext>
-            </a:extLst>
-          </p:cNvPr>
+            <a:endParaRPr lang="en-US" dirty="0"/>
+          </a:p>
+        </p:txBody>
+      </p:sp>
+      <p:sp>
+        <p:nvSpPr>
+          <p:cNvPr id="4" name="Date Placeholder 3"/>
           <p:cNvSpPr>
             <a:spLocks noGrp="1"/>
           </p:cNvSpPr>
@@ -864,9 +756,9 @@
           <a:bodyPr/>
           <a:lstStyle/>
           <a:p>
-            <a:fld id="{6F2012AD-577C-48A2-ADCD-EA4469DAE7D6}" type="datetimeFigureOut">
+            <a:fld id="{C07974E1-E524-4A61-BA7F-0CE933AA818E}" type="datetimeFigureOut">
               <a:rPr lang="es-MX" smtClean="0"/>
-              <a:t>02/12/2024</a:t>
+              <a:t>04/12/2024</a:t>
             </a:fld>
             <a:endParaRPr lang="es-MX"/>
           </a:p>
@@ -874,13 +766,7 @@
       </p:sp>
       <p:sp>
         <p:nvSpPr>
-          <p:cNvPr id="5" name="Footer Placeholder 4">
-            <a:extLst>
-              <a:ext uri="{FF2B5EF4-FFF2-40B4-BE49-F238E27FC236}">
-                <a16:creationId xmlns:a16="http://schemas.microsoft.com/office/drawing/2014/main" id="{FABE79AD-BAA5-A35D-6BEA-44A8B3CD3BA9}"/>
-              </a:ext>
-            </a:extLst>
-          </p:cNvPr>
+          <p:cNvPr id="5" name="Footer Placeholder 4"/>
           <p:cNvSpPr>
             <a:spLocks noGrp="1"/>
           </p:cNvSpPr>
@@ -899,13 +785,7 @@
       </p:sp>
       <p:sp>
         <p:nvSpPr>
-          <p:cNvPr id="6" name="Slide Number Placeholder 5">
-            <a:extLst>
-              <a:ext uri="{FF2B5EF4-FFF2-40B4-BE49-F238E27FC236}">
-                <a16:creationId xmlns:a16="http://schemas.microsoft.com/office/drawing/2014/main" id="{9333CC7D-22BC-6CD9-DBDC-60DD0564140D}"/>
-              </a:ext>
-            </a:extLst>
-          </p:cNvPr>
+          <p:cNvPr id="6" name="Slide Number Placeholder 5"/>
           <p:cNvSpPr>
             <a:spLocks noGrp="1"/>
           </p:cNvSpPr>
@@ -918,7 +798,7 @@
           <a:bodyPr/>
           <a:lstStyle/>
           <a:p>
-            <a:fld id="{D8099971-C48E-42C5-95DA-248855878A98}" type="slidenum">
+            <a:fld id="{E94512B9-D374-400F-BD21-6F102DEBF00A}" type="slidenum">
               <a:rPr lang="es-MX" smtClean="0"/>
               <a:t>‹#›</a:t>
             </a:fld>
@@ -929,7 +809,7 @@
     </p:spTree>
     <p:extLst>
       <p:ext uri="{BB962C8B-B14F-4D97-AF65-F5344CB8AC3E}">
-        <p14:creationId xmlns:p14="http://schemas.microsoft.com/office/powerpoint/2010/main" val="4140132944"/>
+        <p14:creationId xmlns:p14="http://schemas.microsoft.com/office/powerpoint/2010/main" val="1267494208"/>
       </p:ext>
     </p:extLst>
   </p:cSld>
@@ -958,13 +838,7 @@
       </p:grpSpPr>
       <p:sp>
         <p:nvSpPr>
-          <p:cNvPr id="2" name="Title 1">
-            <a:extLst>
-              <a:ext uri="{FF2B5EF4-FFF2-40B4-BE49-F238E27FC236}">
-                <a16:creationId xmlns:a16="http://schemas.microsoft.com/office/drawing/2014/main" id="{826A418E-BBD1-BDDD-8EDF-FEE5683684F7}"/>
-              </a:ext>
-            </a:extLst>
-          </p:cNvPr>
+          <p:cNvPr id="2" name="Title 1"/>
           <p:cNvSpPr>
             <a:spLocks noGrp="1"/>
           </p:cNvSpPr>
@@ -974,15 +848,15 @@
         </p:nvSpPr>
         <p:spPr>
           <a:xfrm>
-            <a:off x="831850" y="1709738"/>
-            <a:ext cx="10515600" cy="2852737"/>
+            <a:off x="467916" y="2279653"/>
+            <a:ext cx="5915025" cy="3803649"/>
           </a:xfrm>
         </p:spPr>
         <p:txBody>
           <a:bodyPr anchor="b"/>
           <a:lstStyle>
             <a:lvl1pPr>
-              <a:defRPr sz="6000"/>
+              <a:defRPr sz="4500"/>
             </a:lvl1pPr>
           </a:lstStyle>
           <a:p>
@@ -990,19 +864,13 @@
               <a:rPr lang="en-US"/>
               <a:t>Click to edit Master title style</a:t>
             </a:r>
-            <a:endParaRPr lang="es-MX"/>
-          </a:p>
-        </p:txBody>
-      </p:sp>
-      <p:sp>
-        <p:nvSpPr>
-          <p:cNvPr id="3" name="Text Placeholder 2">
-            <a:extLst>
-              <a:ext uri="{FF2B5EF4-FFF2-40B4-BE49-F238E27FC236}">
-                <a16:creationId xmlns:a16="http://schemas.microsoft.com/office/drawing/2014/main" id="{007A8925-51CA-DAA9-B387-9692075F7BCA}"/>
-              </a:ext>
-            </a:extLst>
-          </p:cNvPr>
+            <a:endParaRPr lang="en-US" dirty="0"/>
+          </a:p>
+        </p:txBody>
+      </p:sp>
+      <p:sp>
+        <p:nvSpPr>
+          <p:cNvPr id="3" name="Text Placeholder 2"/>
           <p:cNvSpPr>
             <a:spLocks noGrp="1"/>
           </p:cNvSpPr>
@@ -1012,8 +880,8 @@
         </p:nvSpPr>
         <p:spPr>
           <a:xfrm>
-            <a:off x="831850" y="4589463"/>
-            <a:ext cx="10515600" cy="1500187"/>
+            <a:off x="467916" y="6119286"/>
+            <a:ext cx="5915025" cy="2000249"/>
           </a:xfrm>
         </p:spPr>
         <p:txBody>
@@ -1021,7 +889,7 @@
           <a:lstStyle>
             <a:lvl1pPr marL="0" indent="0">
               <a:buNone/>
-              <a:defRPr sz="2400">
+              <a:defRPr sz="1800">
                 <a:solidFill>
                   <a:schemeClr val="tx1">
                     <a:tint val="82000"/>
@@ -1029,9 +897,9 @@
                 </a:solidFill>
               </a:defRPr>
             </a:lvl1pPr>
-            <a:lvl2pPr marL="457200" indent="0">
-              <a:buNone/>
-              <a:defRPr sz="2000">
+            <a:lvl2pPr marL="342900" indent="0">
+              <a:buNone/>
+              <a:defRPr sz="1500">
                 <a:solidFill>
                   <a:schemeClr val="tx1">
                     <a:tint val="82000"/>
@@ -1039,9 +907,9 @@
                 </a:solidFill>
               </a:defRPr>
             </a:lvl2pPr>
-            <a:lvl3pPr marL="914400" indent="0">
-              <a:buNone/>
-              <a:defRPr sz="1800">
+            <a:lvl3pPr marL="685800" indent="0">
+              <a:buNone/>
+              <a:defRPr sz="1350">
                 <a:solidFill>
                   <a:schemeClr val="tx1">
                     <a:tint val="82000"/>
@@ -1049,9 +917,9 @@
                 </a:solidFill>
               </a:defRPr>
             </a:lvl3pPr>
-            <a:lvl4pPr marL="1371600" indent="0">
-              <a:buNone/>
-              <a:defRPr sz="1600">
+            <a:lvl4pPr marL="1028700" indent="0">
+              <a:buNone/>
+              <a:defRPr sz="1200">
                 <a:solidFill>
                   <a:schemeClr val="tx1">
                     <a:tint val="82000"/>
@@ -1059,9 +927,9 @@
                 </a:solidFill>
               </a:defRPr>
             </a:lvl4pPr>
-            <a:lvl5pPr marL="1828800" indent="0">
-              <a:buNone/>
-              <a:defRPr sz="1600">
+            <a:lvl5pPr marL="1371600" indent="0">
+              <a:buNone/>
+              <a:defRPr sz="1200">
                 <a:solidFill>
                   <a:schemeClr val="tx1">
                     <a:tint val="82000"/>
@@ -1069,9 +937,9 @@
                 </a:solidFill>
               </a:defRPr>
             </a:lvl5pPr>
-            <a:lvl6pPr marL="2286000" indent="0">
-              <a:buNone/>
-              <a:defRPr sz="1600">
+            <a:lvl6pPr marL="1714500" indent="0">
+              <a:buNone/>
+              <a:defRPr sz="1200">
                 <a:solidFill>
                   <a:schemeClr val="tx1">
                     <a:tint val="82000"/>
@@ -1079,9 +947,9 @@
                 </a:solidFill>
               </a:defRPr>
             </a:lvl6pPr>
-            <a:lvl7pPr marL="2743200" indent="0">
-              <a:buNone/>
-              <a:defRPr sz="1600">
+            <a:lvl7pPr marL="2057400" indent="0">
+              <a:buNone/>
+              <a:defRPr sz="1200">
                 <a:solidFill>
                   <a:schemeClr val="tx1">
                     <a:tint val="82000"/>
@@ -1089,9 +957,9 @@
                 </a:solidFill>
               </a:defRPr>
             </a:lvl7pPr>
-            <a:lvl8pPr marL="3200400" indent="0">
-              <a:buNone/>
-              <a:defRPr sz="1600">
+            <a:lvl8pPr marL="2400300" indent="0">
+              <a:buNone/>
+              <a:defRPr sz="1200">
                 <a:solidFill>
                   <a:schemeClr val="tx1">
                     <a:tint val="82000"/>
@@ -1099,9 +967,9 @@
                 </a:solidFill>
               </a:defRPr>
             </a:lvl8pPr>
-            <a:lvl9pPr marL="3657600" indent="0">
-              <a:buNone/>
-              <a:defRPr sz="1600">
+            <a:lvl9pPr marL="2743200" indent="0">
+              <a:buNone/>
+              <a:defRPr sz="1200">
                 <a:solidFill>
                   <a:schemeClr val="tx1">
                     <a:tint val="82000"/>
@@ -1121,13 +989,7 @@
       </p:sp>
       <p:sp>
         <p:nvSpPr>
-          <p:cNvPr id="4" name="Date Placeholder 3">
-            <a:extLst>
-              <a:ext uri="{FF2B5EF4-FFF2-40B4-BE49-F238E27FC236}">
-                <a16:creationId xmlns:a16="http://schemas.microsoft.com/office/drawing/2014/main" id="{1F004470-7F3E-351B-2558-FD725A9D6333}"/>
-              </a:ext>
-            </a:extLst>
-          </p:cNvPr>
+          <p:cNvPr id="4" name="Date Placeholder 3"/>
           <p:cNvSpPr>
             <a:spLocks noGrp="1"/>
           </p:cNvSpPr>
@@ -1140,9 +1002,9 @@
           <a:bodyPr/>
           <a:lstStyle/>
           <a:p>
-            <a:fld id="{6F2012AD-577C-48A2-ADCD-EA4469DAE7D6}" type="datetimeFigureOut">
+            <a:fld id="{C07974E1-E524-4A61-BA7F-0CE933AA818E}" type="datetimeFigureOut">
               <a:rPr lang="es-MX" smtClean="0"/>
-              <a:t>02/12/2024</a:t>
+              <a:t>04/12/2024</a:t>
             </a:fld>
             <a:endParaRPr lang="es-MX"/>
           </a:p>
@@ -1150,13 +1012,7 @@
       </p:sp>
       <p:sp>
         <p:nvSpPr>
-          <p:cNvPr id="5" name="Footer Placeholder 4">
-            <a:extLst>
-              <a:ext uri="{FF2B5EF4-FFF2-40B4-BE49-F238E27FC236}">
-                <a16:creationId xmlns:a16="http://schemas.microsoft.com/office/drawing/2014/main" id="{21DD754F-92F4-3997-0C54-29EE686B13B1}"/>
-              </a:ext>
-            </a:extLst>
-          </p:cNvPr>
+          <p:cNvPr id="5" name="Footer Placeholder 4"/>
           <p:cNvSpPr>
             <a:spLocks noGrp="1"/>
           </p:cNvSpPr>
@@ -1175,13 +1031,7 @@
       </p:sp>
       <p:sp>
         <p:nvSpPr>
-          <p:cNvPr id="6" name="Slide Number Placeholder 5">
-            <a:extLst>
-              <a:ext uri="{FF2B5EF4-FFF2-40B4-BE49-F238E27FC236}">
-                <a16:creationId xmlns:a16="http://schemas.microsoft.com/office/drawing/2014/main" id="{B448B776-A8A6-DCAA-2619-91951FB71EA6}"/>
-              </a:ext>
-            </a:extLst>
-          </p:cNvPr>
+          <p:cNvPr id="6" name="Slide Number Placeholder 5"/>
           <p:cNvSpPr>
             <a:spLocks noGrp="1"/>
           </p:cNvSpPr>
@@ -1194,7 +1044,7 @@
           <a:bodyPr/>
           <a:lstStyle/>
           <a:p>
-            <a:fld id="{D8099971-C48E-42C5-95DA-248855878A98}" type="slidenum">
+            <a:fld id="{E94512B9-D374-400F-BD21-6F102DEBF00A}" type="slidenum">
               <a:rPr lang="es-MX" smtClean="0"/>
               <a:t>‹#›</a:t>
             </a:fld>
@@ -1205,7 +1055,7 @@
     </p:spTree>
     <p:extLst>
       <p:ext uri="{BB962C8B-B14F-4D97-AF65-F5344CB8AC3E}">
-        <p14:creationId xmlns:p14="http://schemas.microsoft.com/office/powerpoint/2010/main" val="3702086107"/>
+        <p14:creationId xmlns:p14="http://schemas.microsoft.com/office/powerpoint/2010/main" val="3005723361"/>
       </p:ext>
     </p:extLst>
   </p:cSld>
@@ -1234,13 +1084,7 @@
       </p:grpSpPr>
       <p:sp>
         <p:nvSpPr>
-          <p:cNvPr id="2" name="Title 1">
-            <a:extLst>
-              <a:ext uri="{FF2B5EF4-FFF2-40B4-BE49-F238E27FC236}">
-                <a16:creationId xmlns:a16="http://schemas.microsoft.com/office/drawing/2014/main" id="{8CDCAD3B-629C-1A5F-116D-06841FDFEDFC}"/>
-              </a:ext>
-            </a:extLst>
-          </p:cNvPr>
+          <p:cNvPr id="2" name="Title 1"/>
           <p:cNvSpPr>
             <a:spLocks noGrp="1"/>
           </p:cNvSpPr>
@@ -1257,19 +1101,13 @@
               <a:rPr lang="en-US"/>
               <a:t>Click to edit Master title style</a:t>
             </a:r>
-            <a:endParaRPr lang="es-MX"/>
-          </a:p>
-        </p:txBody>
-      </p:sp>
-      <p:sp>
-        <p:nvSpPr>
-          <p:cNvPr id="3" name="Content Placeholder 2">
-            <a:extLst>
-              <a:ext uri="{FF2B5EF4-FFF2-40B4-BE49-F238E27FC236}">
-                <a16:creationId xmlns:a16="http://schemas.microsoft.com/office/drawing/2014/main" id="{5CA9DDF1-69ED-C4E3-76FB-687F385B20F0}"/>
-              </a:ext>
-            </a:extLst>
-          </p:cNvPr>
+            <a:endParaRPr lang="en-US" dirty="0"/>
+          </a:p>
+        </p:txBody>
+      </p:sp>
+      <p:sp>
+        <p:nvSpPr>
+          <p:cNvPr id="3" name="Content Placeholder 2"/>
           <p:cNvSpPr>
             <a:spLocks noGrp="1"/>
           </p:cNvSpPr>
@@ -1279,8 +1117,8 @@
         </p:nvSpPr>
         <p:spPr>
           <a:xfrm>
-            <a:off x="838200" y="1825625"/>
-            <a:ext cx="5181600" cy="4351338"/>
+            <a:off x="471488" y="2434167"/>
+            <a:ext cx="2914650" cy="5801784"/>
           </a:xfrm>
         </p:spPr>
         <p:txBody>
@@ -1320,19 +1158,13 @@
               <a:rPr lang="en-US"/>
               <a:t>Fifth level</a:t>
             </a:r>
-            <a:endParaRPr lang="es-MX"/>
-          </a:p>
-        </p:txBody>
-      </p:sp>
-      <p:sp>
-        <p:nvSpPr>
-          <p:cNvPr id="4" name="Content Placeholder 3">
-            <a:extLst>
-              <a:ext uri="{FF2B5EF4-FFF2-40B4-BE49-F238E27FC236}">
-                <a16:creationId xmlns:a16="http://schemas.microsoft.com/office/drawing/2014/main" id="{A494E5CE-FDBD-E365-096C-B5481C7C666E}"/>
-              </a:ext>
-            </a:extLst>
-          </p:cNvPr>
+            <a:endParaRPr lang="en-US" dirty="0"/>
+          </a:p>
+        </p:txBody>
+      </p:sp>
+      <p:sp>
+        <p:nvSpPr>
+          <p:cNvPr id="4" name="Content Placeholder 3"/>
           <p:cNvSpPr>
             <a:spLocks noGrp="1"/>
           </p:cNvSpPr>
@@ -1342,8 +1174,8 @@
         </p:nvSpPr>
         <p:spPr>
           <a:xfrm>
-            <a:off x="6172200" y="1825625"/>
-            <a:ext cx="5181600" cy="4351338"/>
+            <a:off x="3471863" y="2434167"/>
+            <a:ext cx="2914650" cy="5801784"/>
           </a:xfrm>
         </p:spPr>
         <p:txBody>
@@ -1383,19 +1215,13 @@
               <a:rPr lang="en-US"/>
               <a:t>Fifth level</a:t>
             </a:r>
-            <a:endParaRPr lang="es-MX"/>
-          </a:p>
-        </p:txBody>
-      </p:sp>
-      <p:sp>
-        <p:nvSpPr>
-          <p:cNvPr id="5" name="Date Placeholder 4">
-            <a:extLst>
-              <a:ext uri="{FF2B5EF4-FFF2-40B4-BE49-F238E27FC236}">
-                <a16:creationId xmlns:a16="http://schemas.microsoft.com/office/drawing/2014/main" id="{AACDC6CF-B0F6-2601-82B2-E465A49E44AD}"/>
-              </a:ext>
-            </a:extLst>
-          </p:cNvPr>
+            <a:endParaRPr lang="en-US" dirty="0"/>
+          </a:p>
+        </p:txBody>
+      </p:sp>
+      <p:sp>
+        <p:nvSpPr>
+          <p:cNvPr id="5" name="Date Placeholder 4"/>
           <p:cNvSpPr>
             <a:spLocks noGrp="1"/>
           </p:cNvSpPr>
@@ -1408,9 +1234,9 @@
           <a:bodyPr/>
           <a:lstStyle/>
           <a:p>
-            <a:fld id="{6F2012AD-577C-48A2-ADCD-EA4469DAE7D6}" type="datetimeFigureOut">
+            <a:fld id="{C07974E1-E524-4A61-BA7F-0CE933AA818E}" type="datetimeFigureOut">
               <a:rPr lang="es-MX" smtClean="0"/>
-              <a:t>02/12/2024</a:t>
+              <a:t>04/12/2024</a:t>
             </a:fld>
             <a:endParaRPr lang="es-MX"/>
           </a:p>
@@ -1418,13 +1244,7 @@
       </p:sp>
       <p:sp>
         <p:nvSpPr>
-          <p:cNvPr id="6" name="Footer Placeholder 5">
-            <a:extLst>
-              <a:ext uri="{FF2B5EF4-FFF2-40B4-BE49-F238E27FC236}">
-                <a16:creationId xmlns:a16="http://schemas.microsoft.com/office/drawing/2014/main" id="{11197B0A-478A-C066-973F-7A646EC1E9D8}"/>
-              </a:ext>
-            </a:extLst>
-          </p:cNvPr>
+          <p:cNvPr id="6" name="Footer Placeholder 5"/>
           <p:cNvSpPr>
             <a:spLocks noGrp="1"/>
           </p:cNvSpPr>
@@ -1443,13 +1263,7 @@
       </p:sp>
       <p:sp>
         <p:nvSpPr>
-          <p:cNvPr id="7" name="Slide Number Placeholder 6">
-            <a:extLst>
-              <a:ext uri="{FF2B5EF4-FFF2-40B4-BE49-F238E27FC236}">
-                <a16:creationId xmlns:a16="http://schemas.microsoft.com/office/drawing/2014/main" id="{391F7275-4D4A-1E61-550D-6136BB624D0D}"/>
-              </a:ext>
-            </a:extLst>
-          </p:cNvPr>
+          <p:cNvPr id="7" name="Slide Number Placeholder 6"/>
           <p:cNvSpPr>
             <a:spLocks noGrp="1"/>
           </p:cNvSpPr>
@@ -1462,7 +1276,7 @@
           <a:bodyPr/>
           <a:lstStyle/>
           <a:p>
-            <a:fld id="{D8099971-C48E-42C5-95DA-248855878A98}" type="slidenum">
+            <a:fld id="{E94512B9-D374-400F-BD21-6F102DEBF00A}" type="slidenum">
               <a:rPr lang="es-MX" smtClean="0"/>
               <a:t>‹#›</a:t>
             </a:fld>
@@ -1473,7 +1287,7 @@
     </p:spTree>
     <p:extLst>
       <p:ext uri="{BB962C8B-B14F-4D97-AF65-F5344CB8AC3E}">
-        <p14:creationId xmlns:p14="http://schemas.microsoft.com/office/powerpoint/2010/main" val="322384733"/>
+        <p14:creationId xmlns:p14="http://schemas.microsoft.com/office/powerpoint/2010/main" val="2223350454"/>
       </p:ext>
     </p:extLst>
   </p:cSld>
@@ -1502,13 +1316,7 @@
       </p:grpSpPr>
       <p:sp>
         <p:nvSpPr>
-          <p:cNvPr id="2" name="Title 1">
-            <a:extLst>
-              <a:ext uri="{FF2B5EF4-FFF2-40B4-BE49-F238E27FC236}">
-                <a16:creationId xmlns:a16="http://schemas.microsoft.com/office/drawing/2014/main" id="{3149EABB-D212-D4C1-9B64-7645D0F3D1D3}"/>
-              </a:ext>
-            </a:extLst>
-          </p:cNvPr>
+          <p:cNvPr id="2" name="Title 1"/>
           <p:cNvSpPr>
             <a:spLocks noGrp="1"/>
           </p:cNvSpPr>
@@ -1518,8 +1326,8 @@
         </p:nvSpPr>
         <p:spPr>
           <a:xfrm>
-            <a:off x="839788" y="365125"/>
-            <a:ext cx="10515600" cy="1325563"/>
+            <a:off x="472381" y="486836"/>
+            <a:ext cx="5915025" cy="1767417"/>
           </a:xfrm>
         </p:spPr>
         <p:txBody>
@@ -1530,19 +1338,13 @@
               <a:rPr lang="en-US"/>
               <a:t>Click to edit Master title style</a:t>
             </a:r>
-            <a:endParaRPr lang="es-MX"/>
-          </a:p>
-        </p:txBody>
-      </p:sp>
-      <p:sp>
-        <p:nvSpPr>
-          <p:cNvPr id="3" name="Text Placeholder 2">
-            <a:extLst>
-              <a:ext uri="{FF2B5EF4-FFF2-40B4-BE49-F238E27FC236}">
-                <a16:creationId xmlns:a16="http://schemas.microsoft.com/office/drawing/2014/main" id="{47CB2DDA-71CE-04C7-4ACA-51B4823233A4}"/>
-              </a:ext>
-            </a:extLst>
-          </p:cNvPr>
+            <a:endParaRPr lang="en-US" dirty="0"/>
+          </a:p>
+        </p:txBody>
+      </p:sp>
+      <p:sp>
+        <p:nvSpPr>
+          <p:cNvPr id="3" name="Text Placeholder 2"/>
           <p:cNvSpPr>
             <a:spLocks noGrp="1"/>
           </p:cNvSpPr>
@@ -1552,8 +1354,8 @@
         </p:nvSpPr>
         <p:spPr>
           <a:xfrm>
-            <a:off x="839788" y="1681163"/>
-            <a:ext cx="5157787" cy="823912"/>
+            <a:off x="472381" y="2241551"/>
+            <a:ext cx="2901255" cy="1098549"/>
           </a:xfrm>
         </p:spPr>
         <p:txBody>
@@ -1561,39 +1363,39 @@
           <a:lstStyle>
             <a:lvl1pPr marL="0" indent="0">
               <a:buNone/>
-              <a:defRPr sz="2400" b="1"/>
+              <a:defRPr sz="1800" b="1"/>
             </a:lvl1pPr>
-            <a:lvl2pPr marL="457200" indent="0">
-              <a:buNone/>
-              <a:defRPr sz="2000" b="1"/>
+            <a:lvl2pPr marL="342900" indent="0">
+              <a:buNone/>
+              <a:defRPr sz="1500" b="1"/>
             </a:lvl2pPr>
-            <a:lvl3pPr marL="914400" indent="0">
-              <a:buNone/>
-              <a:defRPr sz="1800" b="1"/>
+            <a:lvl3pPr marL="685800" indent="0">
+              <a:buNone/>
+              <a:defRPr sz="1350" b="1"/>
             </a:lvl3pPr>
-            <a:lvl4pPr marL="1371600" indent="0">
-              <a:buNone/>
-              <a:defRPr sz="1600" b="1"/>
+            <a:lvl4pPr marL="1028700" indent="0">
+              <a:buNone/>
+              <a:defRPr sz="1200" b="1"/>
             </a:lvl4pPr>
-            <a:lvl5pPr marL="1828800" indent="0">
-              <a:buNone/>
-              <a:defRPr sz="1600" b="1"/>
+            <a:lvl5pPr marL="1371600" indent="0">
+              <a:buNone/>
+              <a:defRPr sz="1200" b="1"/>
             </a:lvl5pPr>
-            <a:lvl6pPr marL="2286000" indent="0">
-              <a:buNone/>
-              <a:defRPr sz="1600" b="1"/>
+            <a:lvl6pPr marL="1714500" indent="0">
+              <a:buNone/>
+              <a:defRPr sz="1200" b="1"/>
             </a:lvl6pPr>
-            <a:lvl7pPr marL="2743200" indent="0">
-              <a:buNone/>
-              <a:defRPr sz="1600" b="1"/>
+            <a:lvl7pPr marL="2057400" indent="0">
+              <a:buNone/>
+              <a:defRPr sz="1200" b="1"/>
             </a:lvl7pPr>
-            <a:lvl8pPr marL="3200400" indent="0">
-              <a:buNone/>
-              <a:defRPr sz="1600" b="1"/>
+            <a:lvl8pPr marL="2400300" indent="0">
+              <a:buNone/>
+              <a:defRPr sz="1200" b="1"/>
             </a:lvl8pPr>
-            <a:lvl9pPr marL="3657600" indent="0">
-              <a:buNone/>
-              <a:defRPr sz="1600" b="1"/>
+            <a:lvl9pPr marL="2743200" indent="0">
+              <a:buNone/>
+              <a:defRPr sz="1200" b="1"/>
             </a:lvl9pPr>
           </a:lstStyle>
           <a:p>
@@ -1607,13 +1409,7 @@
       </p:sp>
       <p:sp>
         <p:nvSpPr>
-          <p:cNvPr id="4" name="Content Placeholder 3">
-            <a:extLst>
-              <a:ext uri="{FF2B5EF4-FFF2-40B4-BE49-F238E27FC236}">
-                <a16:creationId xmlns:a16="http://schemas.microsoft.com/office/drawing/2014/main" id="{CC52D758-CF84-63A4-7962-713A0C87D4A1}"/>
-              </a:ext>
-            </a:extLst>
-          </p:cNvPr>
+          <p:cNvPr id="4" name="Content Placeholder 3"/>
           <p:cNvSpPr>
             <a:spLocks noGrp="1"/>
           </p:cNvSpPr>
@@ -1623,8 +1419,8 @@
         </p:nvSpPr>
         <p:spPr>
           <a:xfrm>
-            <a:off x="839788" y="2505075"/>
-            <a:ext cx="5157787" cy="3684588"/>
+            <a:off x="472381" y="3340100"/>
+            <a:ext cx="2901255" cy="4912784"/>
           </a:xfrm>
         </p:spPr>
         <p:txBody>
@@ -1664,19 +1460,13 @@
               <a:rPr lang="en-US"/>
               <a:t>Fifth level</a:t>
             </a:r>
-            <a:endParaRPr lang="es-MX"/>
-          </a:p>
-        </p:txBody>
-      </p:sp>
-      <p:sp>
-        <p:nvSpPr>
-          <p:cNvPr id="5" name="Text Placeholder 4">
-            <a:extLst>
-              <a:ext uri="{FF2B5EF4-FFF2-40B4-BE49-F238E27FC236}">
-                <a16:creationId xmlns:a16="http://schemas.microsoft.com/office/drawing/2014/main" id="{372BC3AC-B576-93AD-4E92-492F2FF4773B}"/>
-              </a:ext>
-            </a:extLst>
-          </p:cNvPr>
+            <a:endParaRPr lang="en-US" dirty="0"/>
+          </a:p>
+        </p:txBody>
+      </p:sp>
+      <p:sp>
+        <p:nvSpPr>
+          <p:cNvPr id="5" name="Text Placeholder 4"/>
           <p:cNvSpPr>
             <a:spLocks noGrp="1"/>
           </p:cNvSpPr>
@@ -1686,8 +1476,8 @@
         </p:nvSpPr>
         <p:spPr>
           <a:xfrm>
-            <a:off x="6172200" y="1681163"/>
-            <a:ext cx="5183188" cy="823912"/>
+            <a:off x="3471863" y="2241551"/>
+            <a:ext cx="2915543" cy="1098549"/>
           </a:xfrm>
         </p:spPr>
         <p:txBody>
@@ -1695,39 +1485,39 @@
           <a:lstStyle>
             <a:lvl1pPr marL="0" indent="0">
               <a:buNone/>
-              <a:defRPr sz="2400" b="1"/>
+              <a:defRPr sz="1800" b="1"/>
             </a:lvl1pPr>
-            <a:lvl2pPr marL="457200" indent="0">
-              <a:buNone/>
-              <a:defRPr sz="2000" b="1"/>
+            <a:lvl2pPr marL="342900" indent="0">
+              <a:buNone/>
+              <a:defRPr sz="1500" b="1"/>
             </a:lvl2pPr>
-            <a:lvl3pPr marL="914400" indent="0">
-              <a:buNone/>
-              <a:defRPr sz="1800" b="1"/>
+            <a:lvl3pPr marL="685800" indent="0">
+              <a:buNone/>
+              <a:defRPr sz="1350" b="1"/>
             </a:lvl3pPr>
-            <a:lvl4pPr marL="1371600" indent="0">
-              <a:buNone/>
-              <a:defRPr sz="1600" b="1"/>
+            <a:lvl4pPr marL="1028700" indent="0">
+              <a:buNone/>
+              <a:defRPr sz="1200" b="1"/>
             </a:lvl4pPr>
-            <a:lvl5pPr marL="1828800" indent="0">
-              <a:buNone/>
-              <a:defRPr sz="1600" b="1"/>
+            <a:lvl5pPr marL="1371600" indent="0">
+              <a:buNone/>
+              <a:defRPr sz="1200" b="1"/>
             </a:lvl5pPr>
-            <a:lvl6pPr marL="2286000" indent="0">
-              <a:buNone/>
-              <a:defRPr sz="1600" b="1"/>
+            <a:lvl6pPr marL="1714500" indent="0">
+              <a:buNone/>
+              <a:defRPr sz="1200" b="1"/>
             </a:lvl6pPr>
-            <a:lvl7pPr marL="2743200" indent="0">
-              <a:buNone/>
-              <a:defRPr sz="1600" b="1"/>
+            <a:lvl7pPr marL="2057400" indent="0">
+              <a:buNone/>
+              <a:defRPr sz="1200" b="1"/>
             </a:lvl7pPr>
-            <a:lvl8pPr marL="3200400" indent="0">
-              <a:buNone/>
-              <a:defRPr sz="1600" b="1"/>
+            <a:lvl8pPr marL="2400300" indent="0">
+              <a:buNone/>
+              <a:defRPr sz="1200" b="1"/>
             </a:lvl8pPr>
-            <a:lvl9pPr marL="3657600" indent="0">
-              <a:buNone/>
-              <a:defRPr sz="1600" b="1"/>
+            <a:lvl9pPr marL="2743200" indent="0">
+              <a:buNone/>
+              <a:defRPr sz="1200" b="1"/>
             </a:lvl9pPr>
           </a:lstStyle>
           <a:p>
@@ -1741,13 +1531,7 @@
       </p:sp>
       <p:sp>
         <p:nvSpPr>
-          <p:cNvPr id="6" name="Content Placeholder 5">
-            <a:extLst>
-              <a:ext uri="{FF2B5EF4-FFF2-40B4-BE49-F238E27FC236}">
-                <a16:creationId xmlns:a16="http://schemas.microsoft.com/office/drawing/2014/main" id="{4367AD9F-DB93-C855-B4A2-E89F7735FB12}"/>
-              </a:ext>
-            </a:extLst>
-          </p:cNvPr>
+          <p:cNvPr id="6" name="Content Placeholder 5"/>
           <p:cNvSpPr>
             <a:spLocks noGrp="1"/>
           </p:cNvSpPr>
@@ -1757,8 +1541,8 @@
         </p:nvSpPr>
         <p:spPr>
           <a:xfrm>
-            <a:off x="6172200" y="2505075"/>
-            <a:ext cx="5183188" cy="3684588"/>
+            <a:off x="3471863" y="3340100"/>
+            <a:ext cx="2915543" cy="4912784"/>
           </a:xfrm>
         </p:spPr>
         <p:txBody>
@@ -1798,19 +1582,13 @@
               <a:rPr lang="en-US"/>
               <a:t>Fifth level</a:t>
             </a:r>
-            <a:endParaRPr lang="es-MX"/>
-          </a:p>
-        </p:txBody>
-      </p:sp>
-      <p:sp>
-        <p:nvSpPr>
-          <p:cNvPr id="7" name="Date Placeholder 6">
-            <a:extLst>
-              <a:ext uri="{FF2B5EF4-FFF2-40B4-BE49-F238E27FC236}">
-                <a16:creationId xmlns:a16="http://schemas.microsoft.com/office/drawing/2014/main" id="{861F74AA-7B6A-60B4-1C70-B35656B4F3DF}"/>
-              </a:ext>
-            </a:extLst>
-          </p:cNvPr>
+            <a:endParaRPr lang="en-US" dirty="0"/>
+          </a:p>
+        </p:txBody>
+      </p:sp>
+      <p:sp>
+        <p:nvSpPr>
+          <p:cNvPr id="7" name="Date Placeholder 6"/>
           <p:cNvSpPr>
             <a:spLocks noGrp="1"/>
           </p:cNvSpPr>
@@ -1823,9 +1601,9 @@
           <a:bodyPr/>
           <a:lstStyle/>
           <a:p>
-            <a:fld id="{6F2012AD-577C-48A2-ADCD-EA4469DAE7D6}" type="datetimeFigureOut">
+            <a:fld id="{C07974E1-E524-4A61-BA7F-0CE933AA818E}" type="datetimeFigureOut">
               <a:rPr lang="es-MX" smtClean="0"/>
-              <a:t>02/12/2024</a:t>
+              <a:t>04/12/2024</a:t>
             </a:fld>
             <a:endParaRPr lang="es-MX"/>
           </a:p>
@@ -1833,13 +1611,7 @@
       </p:sp>
       <p:sp>
         <p:nvSpPr>
-          <p:cNvPr id="8" name="Footer Placeholder 7">
-            <a:extLst>
-              <a:ext uri="{FF2B5EF4-FFF2-40B4-BE49-F238E27FC236}">
-                <a16:creationId xmlns:a16="http://schemas.microsoft.com/office/drawing/2014/main" id="{D9D35B3A-91C8-243E-3220-B6581367B1F0}"/>
-              </a:ext>
-            </a:extLst>
-          </p:cNvPr>
+          <p:cNvPr id="8" name="Footer Placeholder 7"/>
           <p:cNvSpPr>
             <a:spLocks noGrp="1"/>
           </p:cNvSpPr>
@@ -1858,13 +1630,7 @@
       </p:sp>
       <p:sp>
         <p:nvSpPr>
-          <p:cNvPr id="9" name="Slide Number Placeholder 8">
-            <a:extLst>
-              <a:ext uri="{FF2B5EF4-FFF2-40B4-BE49-F238E27FC236}">
-                <a16:creationId xmlns:a16="http://schemas.microsoft.com/office/drawing/2014/main" id="{ACA4BAE7-2D01-7393-D030-AC0678040FDF}"/>
-              </a:ext>
-            </a:extLst>
-          </p:cNvPr>
+          <p:cNvPr id="9" name="Slide Number Placeholder 8"/>
           <p:cNvSpPr>
             <a:spLocks noGrp="1"/>
           </p:cNvSpPr>
@@ -1877,7 +1643,7 @@
           <a:bodyPr/>
           <a:lstStyle/>
           <a:p>
-            <a:fld id="{D8099971-C48E-42C5-95DA-248855878A98}" type="slidenum">
+            <a:fld id="{E94512B9-D374-400F-BD21-6F102DEBF00A}" type="slidenum">
               <a:rPr lang="es-MX" smtClean="0"/>
               <a:t>‹#›</a:t>
             </a:fld>
@@ -1888,7 +1654,7 @@
     </p:spTree>
     <p:extLst>
       <p:ext uri="{BB962C8B-B14F-4D97-AF65-F5344CB8AC3E}">
-        <p14:creationId xmlns:p14="http://schemas.microsoft.com/office/powerpoint/2010/main" val="2094233736"/>
+        <p14:creationId xmlns:p14="http://schemas.microsoft.com/office/powerpoint/2010/main" val="2542877771"/>
       </p:ext>
     </p:extLst>
   </p:cSld>
@@ -1917,13 +1683,7 @@
       </p:grpSpPr>
       <p:sp>
         <p:nvSpPr>
-          <p:cNvPr id="2" name="Title 1">
-            <a:extLst>
-              <a:ext uri="{FF2B5EF4-FFF2-40B4-BE49-F238E27FC236}">
-                <a16:creationId xmlns:a16="http://schemas.microsoft.com/office/drawing/2014/main" id="{D1B7DB73-B19E-0976-ABAF-9945502A14C3}"/>
-              </a:ext>
-            </a:extLst>
-          </p:cNvPr>
+          <p:cNvPr id="2" name="Title 1"/>
           <p:cNvSpPr>
             <a:spLocks noGrp="1"/>
           </p:cNvSpPr>
@@ -1940,19 +1700,13 @@
               <a:rPr lang="en-US"/>
               <a:t>Click to edit Master title style</a:t>
             </a:r>
-            <a:endParaRPr lang="es-MX"/>
-          </a:p>
-        </p:txBody>
-      </p:sp>
-      <p:sp>
-        <p:nvSpPr>
-          <p:cNvPr id="3" name="Date Placeholder 2">
-            <a:extLst>
-              <a:ext uri="{FF2B5EF4-FFF2-40B4-BE49-F238E27FC236}">
-                <a16:creationId xmlns:a16="http://schemas.microsoft.com/office/drawing/2014/main" id="{032E9557-7544-A8BD-0850-90CBCEFA54CB}"/>
-              </a:ext>
-            </a:extLst>
-          </p:cNvPr>
+            <a:endParaRPr lang="en-US" dirty="0"/>
+          </a:p>
+        </p:txBody>
+      </p:sp>
+      <p:sp>
+        <p:nvSpPr>
+          <p:cNvPr id="3" name="Date Placeholder 2"/>
           <p:cNvSpPr>
             <a:spLocks noGrp="1"/>
           </p:cNvSpPr>
@@ -1965,9 +1719,9 @@
           <a:bodyPr/>
           <a:lstStyle/>
           <a:p>
-            <a:fld id="{6F2012AD-577C-48A2-ADCD-EA4469DAE7D6}" type="datetimeFigureOut">
+            <a:fld id="{C07974E1-E524-4A61-BA7F-0CE933AA818E}" type="datetimeFigureOut">
               <a:rPr lang="es-MX" smtClean="0"/>
-              <a:t>02/12/2024</a:t>
+              <a:t>04/12/2024</a:t>
             </a:fld>
             <a:endParaRPr lang="es-MX"/>
           </a:p>
@@ -1975,13 +1729,7 @@
       </p:sp>
       <p:sp>
         <p:nvSpPr>
-          <p:cNvPr id="4" name="Footer Placeholder 3">
-            <a:extLst>
-              <a:ext uri="{FF2B5EF4-FFF2-40B4-BE49-F238E27FC236}">
-                <a16:creationId xmlns:a16="http://schemas.microsoft.com/office/drawing/2014/main" id="{8DE778A7-63EE-E732-7B9A-EFA3F06A867A}"/>
-              </a:ext>
-            </a:extLst>
-          </p:cNvPr>
+          <p:cNvPr id="4" name="Footer Placeholder 3"/>
           <p:cNvSpPr>
             <a:spLocks noGrp="1"/>
           </p:cNvSpPr>
@@ -2000,13 +1748,7 @@
       </p:sp>
       <p:sp>
         <p:nvSpPr>
-          <p:cNvPr id="5" name="Slide Number Placeholder 4">
-            <a:extLst>
-              <a:ext uri="{FF2B5EF4-FFF2-40B4-BE49-F238E27FC236}">
-                <a16:creationId xmlns:a16="http://schemas.microsoft.com/office/drawing/2014/main" id="{BBB61F02-D768-B671-2933-78C6D1CE3102}"/>
-              </a:ext>
-            </a:extLst>
-          </p:cNvPr>
+          <p:cNvPr id="5" name="Slide Number Placeholder 4"/>
           <p:cNvSpPr>
             <a:spLocks noGrp="1"/>
           </p:cNvSpPr>
@@ -2019,7 +1761,7 @@
           <a:bodyPr/>
           <a:lstStyle/>
           <a:p>
-            <a:fld id="{D8099971-C48E-42C5-95DA-248855878A98}" type="slidenum">
+            <a:fld id="{E94512B9-D374-400F-BD21-6F102DEBF00A}" type="slidenum">
               <a:rPr lang="es-MX" smtClean="0"/>
               <a:t>‹#›</a:t>
             </a:fld>
@@ -2030,7 +1772,7 @@
     </p:spTree>
     <p:extLst>
       <p:ext uri="{BB962C8B-B14F-4D97-AF65-F5344CB8AC3E}">
-        <p14:creationId xmlns:p14="http://schemas.microsoft.com/office/powerpoint/2010/main" val="3475205246"/>
+        <p14:creationId xmlns:p14="http://schemas.microsoft.com/office/powerpoint/2010/main" val="2819491258"/>
       </p:ext>
     </p:extLst>
   </p:cSld>
@@ -2059,13 +1801,7 @@
       </p:grpSpPr>
       <p:sp>
         <p:nvSpPr>
-          <p:cNvPr id="2" name="Date Placeholder 1">
-            <a:extLst>
-              <a:ext uri="{FF2B5EF4-FFF2-40B4-BE49-F238E27FC236}">
-                <a16:creationId xmlns:a16="http://schemas.microsoft.com/office/drawing/2014/main" id="{492A36A3-F000-27A1-7888-CF8AF6DF441A}"/>
-              </a:ext>
-            </a:extLst>
-          </p:cNvPr>
+          <p:cNvPr id="2" name="Date Placeholder 1"/>
           <p:cNvSpPr>
             <a:spLocks noGrp="1"/>
           </p:cNvSpPr>
@@ -2078,9 +1814,9 @@
           <a:bodyPr/>
           <a:lstStyle/>
           <a:p>
-            <a:fld id="{6F2012AD-577C-48A2-ADCD-EA4469DAE7D6}" type="datetimeFigureOut">
+            <a:fld id="{C07974E1-E524-4A61-BA7F-0CE933AA818E}" type="datetimeFigureOut">
               <a:rPr lang="es-MX" smtClean="0"/>
-              <a:t>02/12/2024</a:t>
+              <a:t>04/12/2024</a:t>
             </a:fld>
             <a:endParaRPr lang="es-MX"/>
           </a:p>
@@ -2088,13 +1824,7 @@
       </p:sp>
       <p:sp>
         <p:nvSpPr>
-          <p:cNvPr id="3" name="Footer Placeholder 2">
-            <a:extLst>
-              <a:ext uri="{FF2B5EF4-FFF2-40B4-BE49-F238E27FC236}">
-                <a16:creationId xmlns:a16="http://schemas.microsoft.com/office/drawing/2014/main" id="{94A1BA64-028F-4ED6-E8EE-F3BF15996396}"/>
-              </a:ext>
-            </a:extLst>
-          </p:cNvPr>
+          <p:cNvPr id="3" name="Footer Placeholder 2"/>
           <p:cNvSpPr>
             <a:spLocks noGrp="1"/>
           </p:cNvSpPr>
@@ -2113,13 +1843,7 @@
       </p:sp>
       <p:sp>
         <p:nvSpPr>
-          <p:cNvPr id="4" name="Slide Number Placeholder 3">
-            <a:extLst>
-              <a:ext uri="{FF2B5EF4-FFF2-40B4-BE49-F238E27FC236}">
-                <a16:creationId xmlns:a16="http://schemas.microsoft.com/office/drawing/2014/main" id="{A0E32357-58FB-6D75-9FC7-7E71C6EC36AF}"/>
-              </a:ext>
-            </a:extLst>
-          </p:cNvPr>
+          <p:cNvPr id="4" name="Slide Number Placeholder 3"/>
           <p:cNvSpPr>
             <a:spLocks noGrp="1"/>
           </p:cNvSpPr>
@@ -2132,7 +1856,7 @@
           <a:bodyPr/>
           <a:lstStyle/>
           <a:p>
-            <a:fld id="{D8099971-C48E-42C5-95DA-248855878A98}" type="slidenum">
+            <a:fld id="{E94512B9-D374-400F-BD21-6F102DEBF00A}" type="slidenum">
               <a:rPr lang="es-MX" smtClean="0"/>
               <a:t>‹#›</a:t>
             </a:fld>
@@ -2143,7 +1867,7 @@
     </p:spTree>
     <p:extLst>
       <p:ext uri="{BB962C8B-B14F-4D97-AF65-F5344CB8AC3E}">
-        <p14:creationId xmlns:p14="http://schemas.microsoft.com/office/powerpoint/2010/main" val="1557432014"/>
+        <p14:creationId xmlns:p14="http://schemas.microsoft.com/office/powerpoint/2010/main" val="673811317"/>
       </p:ext>
     </p:extLst>
   </p:cSld>
@@ -2172,13 +1896,7 @@
       </p:grpSpPr>
       <p:sp>
         <p:nvSpPr>
-          <p:cNvPr id="2" name="Title 1">
-            <a:extLst>
-              <a:ext uri="{FF2B5EF4-FFF2-40B4-BE49-F238E27FC236}">
-                <a16:creationId xmlns:a16="http://schemas.microsoft.com/office/drawing/2014/main" id="{3F2254C9-C827-0C73-ADFE-BEEB68F6F563}"/>
-              </a:ext>
-            </a:extLst>
-          </p:cNvPr>
+          <p:cNvPr id="2" name="Title 1"/>
           <p:cNvSpPr>
             <a:spLocks noGrp="1"/>
           </p:cNvSpPr>
@@ -2188,15 +1906,15 @@
         </p:nvSpPr>
         <p:spPr>
           <a:xfrm>
-            <a:off x="839788" y="457200"/>
-            <a:ext cx="3932237" cy="1600200"/>
+            <a:off x="472381" y="609600"/>
+            <a:ext cx="2211884" cy="2133600"/>
           </a:xfrm>
         </p:spPr>
         <p:txBody>
           <a:bodyPr anchor="b"/>
           <a:lstStyle>
             <a:lvl1pPr>
-              <a:defRPr sz="3200"/>
+              <a:defRPr sz="2400"/>
             </a:lvl1pPr>
           </a:lstStyle>
           <a:p>
@@ -2204,19 +1922,13 @@
               <a:rPr lang="en-US"/>
               <a:t>Click to edit Master title style</a:t>
             </a:r>
-            <a:endParaRPr lang="es-MX"/>
-          </a:p>
-        </p:txBody>
-      </p:sp>
-      <p:sp>
-        <p:nvSpPr>
-          <p:cNvPr id="3" name="Content Placeholder 2">
-            <a:extLst>
-              <a:ext uri="{FF2B5EF4-FFF2-40B4-BE49-F238E27FC236}">
-                <a16:creationId xmlns:a16="http://schemas.microsoft.com/office/drawing/2014/main" id="{13A19EDD-E6D6-1327-B4EE-D9A1C1EA436E}"/>
-              </a:ext>
-            </a:extLst>
-          </p:cNvPr>
+            <a:endParaRPr lang="en-US" dirty="0"/>
+          </a:p>
+        </p:txBody>
+      </p:sp>
+      <p:sp>
+        <p:nvSpPr>
+          <p:cNvPr id="3" name="Content Placeholder 2"/>
           <p:cNvSpPr>
             <a:spLocks noGrp="1"/>
           </p:cNvSpPr>
@@ -2226,39 +1938,39 @@
         </p:nvSpPr>
         <p:spPr>
           <a:xfrm>
-            <a:off x="5183188" y="987425"/>
-            <a:ext cx="6172200" cy="4873625"/>
+            <a:off x="2915543" y="1316569"/>
+            <a:ext cx="3471863" cy="6498167"/>
           </a:xfrm>
         </p:spPr>
         <p:txBody>
           <a:bodyPr/>
           <a:lstStyle>
             <a:lvl1pPr>
-              <a:defRPr sz="3200"/>
+              <a:defRPr sz="2400"/>
             </a:lvl1pPr>
             <a:lvl2pPr>
-              <a:defRPr sz="2800"/>
+              <a:defRPr sz="2100"/>
             </a:lvl2pPr>
             <a:lvl3pPr>
-              <a:defRPr sz="2400"/>
+              <a:defRPr sz="1800"/>
             </a:lvl3pPr>
             <a:lvl4pPr>
-              <a:defRPr sz="2000"/>
+              <a:defRPr sz="1500"/>
             </a:lvl4pPr>
             <a:lvl5pPr>
-              <a:defRPr sz="2000"/>
+              <a:defRPr sz="1500"/>
             </a:lvl5pPr>
             <a:lvl6pPr>
-              <a:defRPr sz="2000"/>
+              <a:defRPr sz="1500"/>
             </a:lvl6pPr>
             <a:lvl7pPr>
-              <a:defRPr sz="2000"/>
+              <a:defRPr sz="1500"/>
             </a:lvl7pPr>
             <a:lvl8pPr>
-              <a:defRPr sz="2000"/>
+              <a:defRPr sz="1500"/>
             </a:lvl8pPr>
             <a:lvl9pPr>
-              <a:defRPr sz="2000"/>
+              <a:defRPr sz="1500"/>
             </a:lvl9pPr>
           </a:lstStyle>
           <a:p>
@@ -2295,19 +2007,13 @@
               <a:rPr lang="en-US"/>
               <a:t>Fifth level</a:t>
             </a:r>
-            <a:endParaRPr lang="es-MX"/>
-          </a:p>
-        </p:txBody>
-      </p:sp>
-      <p:sp>
-        <p:nvSpPr>
-          <p:cNvPr id="4" name="Text Placeholder 3">
-            <a:extLst>
-              <a:ext uri="{FF2B5EF4-FFF2-40B4-BE49-F238E27FC236}">
-                <a16:creationId xmlns:a16="http://schemas.microsoft.com/office/drawing/2014/main" id="{4E75093A-9FD2-9F59-27FC-C959A3C1D4F4}"/>
-              </a:ext>
-            </a:extLst>
-          </p:cNvPr>
+            <a:endParaRPr lang="en-US" dirty="0"/>
+          </a:p>
+        </p:txBody>
+      </p:sp>
+      <p:sp>
+        <p:nvSpPr>
+          <p:cNvPr id="4" name="Text Placeholder 3"/>
           <p:cNvSpPr>
             <a:spLocks noGrp="1"/>
           </p:cNvSpPr>
@@ -2317,8 +2023,8 @@
         </p:nvSpPr>
         <p:spPr>
           <a:xfrm>
-            <a:off x="839788" y="2057400"/>
-            <a:ext cx="3932237" cy="3811588"/>
+            <a:off x="472381" y="2743200"/>
+            <a:ext cx="2211884" cy="5082117"/>
           </a:xfrm>
         </p:spPr>
         <p:txBody>
@@ -2326,39 +2032,39 @@
           <a:lstStyle>
             <a:lvl1pPr marL="0" indent="0">
               <a:buNone/>
-              <a:defRPr sz="1600"/>
+              <a:defRPr sz="1200"/>
             </a:lvl1pPr>
-            <a:lvl2pPr marL="457200" indent="0">
-              <a:buNone/>
-              <a:defRPr sz="1400"/>
+            <a:lvl2pPr marL="342900" indent="0">
+              <a:buNone/>
+              <a:defRPr sz="1050"/>
             </a:lvl2pPr>
-            <a:lvl3pPr marL="914400" indent="0">
-              <a:buNone/>
-              <a:defRPr sz="1200"/>
+            <a:lvl3pPr marL="685800" indent="0">
+              <a:buNone/>
+              <a:defRPr sz="900"/>
             </a:lvl3pPr>
-            <a:lvl4pPr marL="1371600" indent="0">
-              <a:buNone/>
-              <a:defRPr sz="1000"/>
+            <a:lvl4pPr marL="1028700" indent="0">
+              <a:buNone/>
+              <a:defRPr sz="750"/>
             </a:lvl4pPr>
-            <a:lvl5pPr marL="1828800" indent="0">
-              <a:buNone/>
-              <a:defRPr sz="1000"/>
+            <a:lvl5pPr marL="1371600" indent="0">
+              <a:buNone/>
+              <a:defRPr sz="750"/>
             </a:lvl5pPr>
-            <a:lvl6pPr marL="2286000" indent="0">
-              <a:buNone/>
-              <a:defRPr sz="1000"/>
+            <a:lvl6pPr marL="1714500" indent="0">
+              <a:buNone/>
+              <a:defRPr sz="750"/>
             </a:lvl6pPr>
-            <a:lvl7pPr marL="2743200" indent="0">
-              <a:buNone/>
-              <a:defRPr sz="1000"/>
+            <a:lvl7pPr marL="2057400" indent="0">
+              <a:buNone/>
+              <a:defRPr sz="750"/>
             </a:lvl7pPr>
-            <a:lvl8pPr marL="3200400" indent="0">
-              <a:buNone/>
-              <a:defRPr sz="1000"/>
+            <a:lvl8pPr marL="2400300" indent="0">
+              <a:buNone/>
+              <a:defRPr sz="750"/>
             </a:lvl8pPr>
-            <a:lvl9pPr marL="3657600" indent="0">
-              <a:buNone/>
-              <a:defRPr sz="1000"/>
+            <a:lvl9pPr marL="2743200" indent="0">
+              <a:buNone/>
+              <a:defRPr sz="750"/>
             </a:lvl9pPr>
           </a:lstStyle>
           <a:p>
@@ -2372,13 +2078,7 @@
       </p:sp>
       <p:sp>
         <p:nvSpPr>
-          <p:cNvPr id="5" name="Date Placeholder 4">
-            <a:extLst>
-              <a:ext uri="{FF2B5EF4-FFF2-40B4-BE49-F238E27FC236}">
-                <a16:creationId xmlns:a16="http://schemas.microsoft.com/office/drawing/2014/main" id="{69199E37-4328-50FA-F062-B48A87273615}"/>
-              </a:ext>
-            </a:extLst>
-          </p:cNvPr>
+          <p:cNvPr id="5" name="Date Placeholder 4"/>
           <p:cNvSpPr>
             <a:spLocks noGrp="1"/>
           </p:cNvSpPr>
@@ -2391,9 +2091,9 @@
           <a:bodyPr/>
           <a:lstStyle/>
           <a:p>
-            <a:fld id="{6F2012AD-577C-48A2-ADCD-EA4469DAE7D6}" type="datetimeFigureOut">
+            <a:fld id="{C07974E1-E524-4A61-BA7F-0CE933AA818E}" type="datetimeFigureOut">
               <a:rPr lang="es-MX" smtClean="0"/>
-              <a:t>02/12/2024</a:t>
+              <a:t>04/12/2024</a:t>
             </a:fld>
             <a:endParaRPr lang="es-MX"/>
           </a:p>
@@ -2401,13 +2101,7 @@
       </p:sp>
       <p:sp>
         <p:nvSpPr>
-          <p:cNvPr id="6" name="Footer Placeholder 5">
-            <a:extLst>
-              <a:ext uri="{FF2B5EF4-FFF2-40B4-BE49-F238E27FC236}">
-                <a16:creationId xmlns:a16="http://schemas.microsoft.com/office/drawing/2014/main" id="{DD4C9878-FB09-28F2-E399-E2A98EDB748D}"/>
-              </a:ext>
-            </a:extLst>
-          </p:cNvPr>
+          <p:cNvPr id="6" name="Footer Placeholder 5"/>
           <p:cNvSpPr>
             <a:spLocks noGrp="1"/>
           </p:cNvSpPr>
@@ -2426,13 +2120,7 @@
       </p:sp>
       <p:sp>
         <p:nvSpPr>
-          <p:cNvPr id="7" name="Slide Number Placeholder 6">
-            <a:extLst>
-              <a:ext uri="{FF2B5EF4-FFF2-40B4-BE49-F238E27FC236}">
-                <a16:creationId xmlns:a16="http://schemas.microsoft.com/office/drawing/2014/main" id="{101482A9-F408-AD95-FE43-49CC1D1F60B3}"/>
-              </a:ext>
-            </a:extLst>
-          </p:cNvPr>
+          <p:cNvPr id="7" name="Slide Number Placeholder 6"/>
           <p:cNvSpPr>
             <a:spLocks noGrp="1"/>
           </p:cNvSpPr>
@@ -2445,7 +2133,7 @@
           <a:bodyPr/>
           <a:lstStyle/>
           <a:p>
-            <a:fld id="{D8099971-C48E-42C5-95DA-248855878A98}" type="slidenum">
+            <a:fld id="{E94512B9-D374-400F-BD21-6F102DEBF00A}" type="slidenum">
               <a:rPr lang="es-MX" smtClean="0"/>
               <a:t>‹#›</a:t>
             </a:fld>
@@ -2456,7 +2144,7 @@
     </p:spTree>
     <p:extLst>
       <p:ext uri="{BB962C8B-B14F-4D97-AF65-F5344CB8AC3E}">
-        <p14:creationId xmlns:p14="http://schemas.microsoft.com/office/powerpoint/2010/main" val="3722295798"/>
+        <p14:creationId xmlns:p14="http://schemas.microsoft.com/office/powerpoint/2010/main" val="349152503"/>
       </p:ext>
     </p:extLst>
   </p:cSld>
@@ -2485,13 +2173,7 @@
       </p:grpSpPr>
       <p:sp>
         <p:nvSpPr>
-          <p:cNvPr id="2" name="Title 1">
-            <a:extLst>
-              <a:ext uri="{FF2B5EF4-FFF2-40B4-BE49-F238E27FC236}">
-                <a16:creationId xmlns:a16="http://schemas.microsoft.com/office/drawing/2014/main" id="{90927985-9EA8-C7C1-22E6-1A0B435D4B61}"/>
-              </a:ext>
-            </a:extLst>
-          </p:cNvPr>
+          <p:cNvPr id="2" name="Title 1"/>
           <p:cNvSpPr>
             <a:spLocks noGrp="1"/>
           </p:cNvSpPr>
@@ -2501,15 +2183,15 @@
         </p:nvSpPr>
         <p:spPr>
           <a:xfrm>
-            <a:off x="839788" y="457200"/>
-            <a:ext cx="3932237" cy="1600200"/>
+            <a:off x="472381" y="609600"/>
+            <a:ext cx="2211884" cy="2133600"/>
           </a:xfrm>
         </p:spPr>
         <p:txBody>
           <a:bodyPr anchor="b"/>
           <a:lstStyle>
             <a:lvl1pPr>
-              <a:defRPr sz="3200"/>
+              <a:defRPr sz="2400"/>
             </a:lvl1pPr>
           </a:lstStyle>
           <a:p>
@@ -2517,21 +2199,15 @@
               <a:rPr lang="en-US"/>
               <a:t>Click to edit Master title style</a:t>
             </a:r>
-            <a:endParaRPr lang="es-MX"/>
-          </a:p>
-        </p:txBody>
-      </p:sp>
-      <p:sp>
-        <p:nvSpPr>
-          <p:cNvPr id="3" name="Picture Placeholder 2">
-            <a:extLst>
-              <a:ext uri="{FF2B5EF4-FFF2-40B4-BE49-F238E27FC236}">
-                <a16:creationId xmlns:a16="http://schemas.microsoft.com/office/drawing/2014/main" id="{04729B36-AEF0-79FB-AE73-C9759C1331D8}"/>
-              </a:ext>
-            </a:extLst>
-          </p:cNvPr>
-          <p:cNvSpPr>
-            <a:spLocks noGrp="1"/>
+            <a:endParaRPr lang="en-US" dirty="0"/>
+          </a:p>
+        </p:txBody>
+      </p:sp>
+      <p:sp>
+        <p:nvSpPr>
+          <p:cNvPr id="3" name="Picture Placeholder 2"/>
+          <p:cNvSpPr>
+            <a:spLocks noGrp="1" noChangeAspect="1"/>
           </p:cNvSpPr>
           <p:nvPr>
             <p:ph type="pic" idx="1"/>
@@ -2539,64 +2215,62 @@
         </p:nvSpPr>
         <p:spPr>
           <a:xfrm>
-            <a:off x="5183188" y="987425"/>
-            <a:ext cx="6172200" cy="4873625"/>
-          </a:xfrm>
-        </p:spPr>
-        <p:txBody>
-          <a:bodyPr/>
+            <a:off x="2915543" y="1316569"/>
+            <a:ext cx="3471863" cy="6498167"/>
+          </a:xfrm>
+        </p:spPr>
+        <p:txBody>
+          <a:bodyPr anchor="t"/>
           <a:lstStyle>
             <a:lvl1pPr marL="0" indent="0">
               <a:buNone/>
-              <a:defRPr sz="3200"/>
+              <a:defRPr sz="2400"/>
             </a:lvl1pPr>
-            <a:lvl2pPr marL="457200" indent="0">
-              <a:buNone/>
-              <a:defRPr sz="2800"/>
+            <a:lvl2pPr marL="342900" indent="0">
+              <a:buNone/>
+              <a:defRPr sz="2100"/>
             </a:lvl2pPr>
-            <a:lvl3pPr marL="914400" indent="0">
-              <a:buNone/>
-              <a:defRPr sz="2400"/>
+            <a:lvl3pPr marL="685800" indent="0">
+              <a:buNone/>
+              <a:defRPr sz="1800"/>
             </a:lvl3pPr>
-            <a:lvl4pPr marL="1371600" indent="0">
-              <a:buNone/>
-              <a:defRPr sz="2000"/>
+            <a:lvl4pPr marL="1028700" indent="0">
+              <a:buNone/>
+              <a:defRPr sz="1500"/>
             </a:lvl4pPr>
-            <a:lvl5pPr marL="1828800" indent="0">
-              <a:buNone/>
-              <a:defRPr sz="2000"/>
+            <a:lvl5pPr marL="1371600" indent="0">
+              <a:buNone/>
+              <a:defRPr sz="1500"/>
             </a:lvl5pPr>
-            <a:lvl6pPr marL="2286000" indent="0">
-              <a:buNone/>
-              <a:defRPr sz="2000"/>
+            <a:lvl6pPr marL="1714500" indent="0">
+              <a:buNone/>
+              <a:defRPr sz="1500"/>
             </a:lvl6pPr>
-            <a:lvl7pPr marL="2743200" indent="0">
-              <a:buNone/>
-              <a:defRPr sz="2000"/>
+            <a:lvl7pPr marL="2057400" indent="0">
+              <a:buNone/>
+              <a:defRPr sz="1500"/>
             </a:lvl7pPr>
-            <a:lvl8pPr marL="3200400" indent="0">
-              <a:buNone/>
-              <a:defRPr sz="2000"/>
+            <a:lvl8pPr marL="2400300" indent="0">
+              <a:buNone/>
+              <a:defRPr sz="1500"/>
             </a:lvl8pPr>
-            <a:lvl9pPr marL="3657600" indent="0">
-              <a:buNone/>
-              <a:defRPr sz="2000"/>
+            <a:lvl9pPr marL="2743200" indent="0">
+              <a:buNone/>
+              <a:defRPr sz="1500"/>
             </a:lvl9pPr>
           </a:lstStyle>
           <a:p>
-            <a:endParaRPr lang="es-MX"/>
-          </a:p>
-        </p:txBody>
-      </p:sp>
-      <p:sp>
-        <p:nvSpPr>
-          <p:cNvPr id="4" name="Text Placeholder 3">
-            <a:extLst>
-              <a:ext uri="{FF2B5EF4-FFF2-40B4-BE49-F238E27FC236}">
-                <a16:creationId xmlns:a16="http://schemas.microsoft.com/office/drawing/2014/main" id="{A9582C01-F0D3-A147-C147-8354BEE3E331}"/>
-              </a:ext>
-            </a:extLst>
-          </p:cNvPr>
+            <a:r>
+              <a:rPr lang="en-US"/>
+              <a:t>Click icon to add picture</a:t>
+            </a:r>
+            <a:endParaRPr lang="en-US" dirty="0"/>
+          </a:p>
+        </p:txBody>
+      </p:sp>
+      <p:sp>
+        <p:nvSpPr>
+          <p:cNvPr id="4" name="Text Placeholder 3"/>
           <p:cNvSpPr>
             <a:spLocks noGrp="1"/>
           </p:cNvSpPr>
@@ -2606,8 +2280,8 @@
         </p:nvSpPr>
         <p:spPr>
           <a:xfrm>
-            <a:off x="839788" y="2057400"/>
-            <a:ext cx="3932237" cy="3811588"/>
+            <a:off x="472381" y="2743200"/>
+            <a:ext cx="2211884" cy="5082117"/>
           </a:xfrm>
         </p:spPr>
         <p:txBody>
@@ -2615,39 +2289,39 @@
           <a:lstStyle>
             <a:lvl1pPr marL="0" indent="0">
               <a:buNone/>
-              <a:defRPr sz="1600"/>
+              <a:defRPr sz="1200"/>
             </a:lvl1pPr>
-            <a:lvl2pPr marL="457200" indent="0">
-              <a:buNone/>
-              <a:defRPr sz="1400"/>
+            <a:lvl2pPr marL="342900" indent="0">
+              <a:buNone/>
+              <a:defRPr sz="1050"/>
             </a:lvl2pPr>
-            <a:lvl3pPr marL="914400" indent="0">
-              <a:buNone/>
-              <a:defRPr sz="1200"/>
+            <a:lvl3pPr marL="685800" indent="0">
+              <a:buNone/>
+              <a:defRPr sz="900"/>
             </a:lvl3pPr>
-            <a:lvl4pPr marL="1371600" indent="0">
-              <a:buNone/>
-              <a:defRPr sz="1000"/>
+            <a:lvl4pPr marL="1028700" indent="0">
+              <a:buNone/>
+              <a:defRPr sz="750"/>
             </a:lvl4pPr>
-            <a:lvl5pPr marL="1828800" indent="0">
-              <a:buNone/>
-              <a:defRPr sz="1000"/>
+            <a:lvl5pPr marL="1371600" indent="0">
+              <a:buNone/>
+              <a:defRPr sz="750"/>
             </a:lvl5pPr>
-            <a:lvl6pPr marL="2286000" indent="0">
-              <a:buNone/>
-              <a:defRPr sz="1000"/>
+            <a:lvl6pPr marL="1714500" indent="0">
+              <a:buNone/>
+              <a:defRPr sz="750"/>
             </a:lvl6pPr>
-            <a:lvl7pPr marL="2743200" indent="0">
-              <a:buNone/>
-              <a:defRPr sz="1000"/>
+            <a:lvl7pPr marL="2057400" indent="0">
+              <a:buNone/>
+              <a:defRPr sz="750"/>
             </a:lvl7pPr>
-            <a:lvl8pPr marL="3200400" indent="0">
-              <a:buNone/>
-              <a:defRPr sz="1000"/>
+            <a:lvl8pPr marL="2400300" indent="0">
+              <a:buNone/>
+              <a:defRPr sz="750"/>
             </a:lvl8pPr>
-            <a:lvl9pPr marL="3657600" indent="0">
-              <a:buNone/>
-              <a:defRPr sz="1000"/>
+            <a:lvl9pPr marL="2743200" indent="0">
+              <a:buNone/>
+              <a:defRPr sz="750"/>
             </a:lvl9pPr>
           </a:lstStyle>
           <a:p>
@@ -2661,13 +2335,7 @@
       </p:sp>
       <p:sp>
         <p:nvSpPr>
-          <p:cNvPr id="5" name="Date Placeholder 4">
-            <a:extLst>
-              <a:ext uri="{FF2B5EF4-FFF2-40B4-BE49-F238E27FC236}">
-                <a16:creationId xmlns:a16="http://schemas.microsoft.com/office/drawing/2014/main" id="{2C82AC22-FC00-8959-0F20-321617552A99}"/>
-              </a:ext>
-            </a:extLst>
-          </p:cNvPr>
+          <p:cNvPr id="5" name="Date Placeholder 4"/>
           <p:cNvSpPr>
             <a:spLocks noGrp="1"/>
           </p:cNvSpPr>
@@ -2680,9 +2348,9 @@
           <a:bodyPr/>
           <a:lstStyle/>
           <a:p>
-            <a:fld id="{6F2012AD-577C-48A2-ADCD-EA4469DAE7D6}" type="datetimeFigureOut">
+            <a:fld id="{C07974E1-E524-4A61-BA7F-0CE933AA818E}" type="datetimeFigureOut">
               <a:rPr lang="es-MX" smtClean="0"/>
-              <a:t>02/12/2024</a:t>
+              <a:t>04/12/2024</a:t>
             </a:fld>
             <a:endParaRPr lang="es-MX"/>
           </a:p>
@@ -2690,13 +2358,7 @@
       </p:sp>
       <p:sp>
         <p:nvSpPr>
-          <p:cNvPr id="6" name="Footer Placeholder 5">
-            <a:extLst>
-              <a:ext uri="{FF2B5EF4-FFF2-40B4-BE49-F238E27FC236}">
-                <a16:creationId xmlns:a16="http://schemas.microsoft.com/office/drawing/2014/main" id="{B800C199-7D10-25EE-BEE3-B0D216F559DF}"/>
-              </a:ext>
-            </a:extLst>
-          </p:cNvPr>
+          <p:cNvPr id="6" name="Footer Placeholder 5"/>
           <p:cNvSpPr>
             <a:spLocks noGrp="1"/>
           </p:cNvSpPr>
@@ -2715,13 +2377,7 @@
       </p:sp>
       <p:sp>
         <p:nvSpPr>
-          <p:cNvPr id="7" name="Slide Number Placeholder 6">
-            <a:extLst>
-              <a:ext uri="{FF2B5EF4-FFF2-40B4-BE49-F238E27FC236}">
-                <a16:creationId xmlns:a16="http://schemas.microsoft.com/office/drawing/2014/main" id="{C9A118E2-51CD-08DA-9A08-12064F3B8621}"/>
-              </a:ext>
-            </a:extLst>
-          </p:cNvPr>
+          <p:cNvPr id="7" name="Slide Number Placeholder 6"/>
           <p:cNvSpPr>
             <a:spLocks noGrp="1"/>
           </p:cNvSpPr>
@@ -2734,7 +2390,7 @@
           <a:bodyPr/>
           <a:lstStyle/>
           <a:p>
-            <a:fld id="{D8099971-C48E-42C5-95DA-248855878A98}" type="slidenum">
+            <a:fld id="{E94512B9-D374-400F-BD21-6F102DEBF00A}" type="slidenum">
               <a:rPr lang="es-MX" smtClean="0"/>
               <a:t>‹#›</a:t>
             </a:fld>
@@ -2745,7 +2401,7 @@
     </p:spTree>
     <p:extLst>
       <p:ext uri="{BB962C8B-B14F-4D97-AF65-F5344CB8AC3E}">
-        <p14:creationId xmlns:p14="http://schemas.microsoft.com/office/powerpoint/2010/main" val="4041168662"/>
+        <p14:creationId xmlns:p14="http://schemas.microsoft.com/office/powerpoint/2010/main" val="1158031812"/>
       </p:ext>
     </p:extLst>
   </p:cSld>
@@ -2779,13 +2435,7 @@
       </p:grpSpPr>
       <p:sp>
         <p:nvSpPr>
-          <p:cNvPr id="2" name="Title Placeholder 1">
-            <a:extLst>
-              <a:ext uri="{FF2B5EF4-FFF2-40B4-BE49-F238E27FC236}">
-                <a16:creationId xmlns:a16="http://schemas.microsoft.com/office/drawing/2014/main" id="{992799B1-91E3-1C5F-2DC9-DAB77B69B84E}"/>
-              </a:ext>
-            </a:extLst>
-          </p:cNvPr>
+          <p:cNvPr id="2" name="Title Placeholder 1"/>
           <p:cNvSpPr>
             <a:spLocks noGrp="1"/>
           </p:cNvSpPr>
@@ -2795,8 +2445,8 @@
         </p:nvSpPr>
         <p:spPr>
           <a:xfrm>
-            <a:off x="838200" y="365125"/>
-            <a:ext cx="10515600" cy="1325563"/>
+            <a:off x="471488" y="486836"/>
+            <a:ext cx="5915025" cy="1767417"/>
           </a:xfrm>
           <a:prstGeom prst="rect">
             <a:avLst/>
@@ -2812,19 +2462,13 @@
               <a:rPr lang="en-US"/>
               <a:t>Click to edit Master title style</a:t>
             </a:r>
-            <a:endParaRPr lang="es-MX"/>
-          </a:p>
-        </p:txBody>
-      </p:sp>
-      <p:sp>
-        <p:nvSpPr>
-          <p:cNvPr id="3" name="Text Placeholder 2">
-            <a:extLst>
-              <a:ext uri="{FF2B5EF4-FFF2-40B4-BE49-F238E27FC236}">
-                <a16:creationId xmlns:a16="http://schemas.microsoft.com/office/drawing/2014/main" id="{09324E4A-D458-9CC8-6AF2-C7E1E4A1A32B}"/>
-              </a:ext>
-            </a:extLst>
-          </p:cNvPr>
+            <a:endParaRPr lang="en-US" dirty="0"/>
+          </a:p>
+        </p:txBody>
+      </p:sp>
+      <p:sp>
+        <p:nvSpPr>
+          <p:cNvPr id="3" name="Text Placeholder 2"/>
           <p:cNvSpPr>
             <a:spLocks noGrp="1"/>
           </p:cNvSpPr>
@@ -2834,8 +2478,8 @@
         </p:nvSpPr>
         <p:spPr>
           <a:xfrm>
-            <a:off x="838200" y="1825625"/>
-            <a:ext cx="10515600" cy="4351338"/>
+            <a:off x="471488" y="2434167"/>
+            <a:ext cx="5915025" cy="5801784"/>
           </a:xfrm>
           <a:prstGeom prst="rect">
             <a:avLst/>
@@ -2880,19 +2524,13 @@
               <a:rPr lang="en-US"/>
               <a:t>Fifth level</a:t>
             </a:r>
-            <a:endParaRPr lang="es-MX"/>
-          </a:p>
-        </p:txBody>
-      </p:sp>
-      <p:sp>
-        <p:nvSpPr>
-          <p:cNvPr id="4" name="Date Placeholder 3">
-            <a:extLst>
-              <a:ext uri="{FF2B5EF4-FFF2-40B4-BE49-F238E27FC236}">
-                <a16:creationId xmlns:a16="http://schemas.microsoft.com/office/drawing/2014/main" id="{E1298147-5CBA-8D31-E0AC-2D4B6A244048}"/>
-              </a:ext>
-            </a:extLst>
-          </p:cNvPr>
+            <a:endParaRPr lang="en-US" dirty="0"/>
+          </a:p>
+        </p:txBody>
+      </p:sp>
+      <p:sp>
+        <p:nvSpPr>
+          <p:cNvPr id="4" name="Date Placeholder 3"/>
           <p:cNvSpPr>
             <a:spLocks noGrp="1"/>
           </p:cNvSpPr>
@@ -2902,8 +2540,8 @@
         </p:nvSpPr>
         <p:spPr>
           <a:xfrm>
-            <a:off x="838200" y="6356350"/>
-            <a:ext cx="2743200" cy="365125"/>
+            <a:off x="471488" y="8475136"/>
+            <a:ext cx="1543050" cy="486833"/>
           </a:xfrm>
           <a:prstGeom prst="rect">
             <a:avLst/>
@@ -2913,7 +2551,7 @@
           <a:bodyPr vert="horz" lIns="91440" tIns="45720" rIns="91440" bIns="45720" rtlCol="0" anchor="ctr"/>
           <a:lstStyle>
             <a:lvl1pPr algn="l">
-              <a:defRPr sz="1200">
+              <a:defRPr sz="900">
                 <a:solidFill>
                   <a:schemeClr val="tx1">
                     <a:tint val="82000"/>
@@ -2923,9 +2561,9 @@
             </a:lvl1pPr>
           </a:lstStyle>
           <a:p>
-            <a:fld id="{6F2012AD-577C-48A2-ADCD-EA4469DAE7D6}" type="datetimeFigureOut">
+            <a:fld id="{C07974E1-E524-4A61-BA7F-0CE933AA818E}" type="datetimeFigureOut">
               <a:rPr lang="es-MX" smtClean="0"/>
-              <a:t>02/12/2024</a:t>
+              <a:t>04/12/2024</a:t>
             </a:fld>
             <a:endParaRPr lang="es-MX"/>
           </a:p>
@@ -2933,13 +2571,7 @@
       </p:sp>
       <p:sp>
         <p:nvSpPr>
-          <p:cNvPr id="5" name="Footer Placeholder 4">
-            <a:extLst>
-              <a:ext uri="{FF2B5EF4-FFF2-40B4-BE49-F238E27FC236}">
-                <a16:creationId xmlns:a16="http://schemas.microsoft.com/office/drawing/2014/main" id="{8E7CF409-D716-FCB7-675B-4ADE7DFF5720}"/>
-              </a:ext>
-            </a:extLst>
-          </p:cNvPr>
+          <p:cNvPr id="5" name="Footer Placeholder 4"/>
           <p:cNvSpPr>
             <a:spLocks noGrp="1"/>
           </p:cNvSpPr>
@@ -2949,8 +2581,8 @@
         </p:nvSpPr>
         <p:spPr>
           <a:xfrm>
-            <a:off x="4038600" y="6356350"/>
-            <a:ext cx="4114800" cy="365125"/>
+            <a:off x="2271713" y="8475136"/>
+            <a:ext cx="2314575" cy="486833"/>
           </a:xfrm>
           <a:prstGeom prst="rect">
             <a:avLst/>
@@ -2960,7 +2592,7 @@
           <a:bodyPr vert="horz" lIns="91440" tIns="45720" rIns="91440" bIns="45720" rtlCol="0" anchor="ctr"/>
           <a:lstStyle>
             <a:lvl1pPr algn="ctr">
-              <a:defRPr sz="1200">
+              <a:defRPr sz="900">
                 <a:solidFill>
                   <a:schemeClr val="tx1">
                     <a:tint val="82000"/>
@@ -2976,13 +2608,7 @@
       </p:sp>
       <p:sp>
         <p:nvSpPr>
-          <p:cNvPr id="6" name="Slide Number Placeholder 5">
-            <a:extLst>
-              <a:ext uri="{FF2B5EF4-FFF2-40B4-BE49-F238E27FC236}">
-                <a16:creationId xmlns:a16="http://schemas.microsoft.com/office/drawing/2014/main" id="{53FCF9A5-4AD4-8354-33E9-96C089BAE587}"/>
-              </a:ext>
-            </a:extLst>
-          </p:cNvPr>
+          <p:cNvPr id="6" name="Slide Number Placeholder 5"/>
           <p:cNvSpPr>
             <a:spLocks noGrp="1"/>
           </p:cNvSpPr>
@@ -2992,8 +2618,8 @@
         </p:nvSpPr>
         <p:spPr>
           <a:xfrm>
-            <a:off x="8610600" y="6356350"/>
-            <a:ext cx="2743200" cy="365125"/>
+            <a:off x="4843463" y="8475136"/>
+            <a:ext cx="1543050" cy="486833"/>
           </a:xfrm>
           <a:prstGeom prst="rect">
             <a:avLst/>
@@ -3003,7 +2629,7 @@
           <a:bodyPr vert="horz" lIns="91440" tIns="45720" rIns="91440" bIns="45720" rtlCol="0" anchor="ctr"/>
           <a:lstStyle>
             <a:lvl1pPr algn="r">
-              <a:defRPr sz="1200">
+              <a:defRPr sz="900">
                 <a:solidFill>
                   <a:schemeClr val="tx1">
                     <a:tint val="82000"/>
@@ -3013,7 +2639,7 @@
             </a:lvl1pPr>
           </a:lstStyle>
           <a:p>
-            <a:fld id="{D8099971-C48E-42C5-95DA-248855878A98}" type="slidenum">
+            <a:fld id="{E94512B9-D374-400F-BD21-6F102DEBF00A}" type="slidenum">
               <a:rPr lang="es-MX" smtClean="0"/>
               <a:t>‹#›</a:t>
             </a:fld>
@@ -3024,27 +2650,27 @@
     </p:spTree>
     <p:extLst>
       <p:ext uri="{BB962C8B-B14F-4D97-AF65-F5344CB8AC3E}">
-        <p14:creationId xmlns:p14="http://schemas.microsoft.com/office/powerpoint/2010/main" val="4170876010"/>
+        <p14:creationId xmlns:p14="http://schemas.microsoft.com/office/powerpoint/2010/main" val="1152328244"/>
       </p:ext>
     </p:extLst>
   </p:cSld>
   <p:clrMap bg1="lt1" tx1="dk1" bg2="lt2" tx2="dk2" accent1="accent1" accent2="accent2" accent3="accent3" accent4="accent4" accent5="accent5" accent6="accent6" hlink="hlink" folHlink="folHlink"/>
   <p:sldLayoutIdLst>
-    <p:sldLayoutId id="2147483649" r:id="rId1"/>
-    <p:sldLayoutId id="2147483650" r:id="rId2"/>
-    <p:sldLayoutId id="2147483651" r:id="rId3"/>
-    <p:sldLayoutId id="2147483652" r:id="rId4"/>
-    <p:sldLayoutId id="2147483653" r:id="rId5"/>
-    <p:sldLayoutId id="2147483654" r:id="rId6"/>
-    <p:sldLayoutId id="2147483655" r:id="rId7"/>
-    <p:sldLayoutId id="2147483656" r:id="rId8"/>
-    <p:sldLayoutId id="2147483657" r:id="rId9"/>
-    <p:sldLayoutId id="2147483658" r:id="rId10"/>
-    <p:sldLayoutId id="2147483659" r:id="rId11"/>
+    <p:sldLayoutId id="2147483661" r:id="rId1"/>
+    <p:sldLayoutId id="2147483662" r:id="rId2"/>
+    <p:sldLayoutId id="2147483663" r:id="rId3"/>
+    <p:sldLayoutId id="2147483664" r:id="rId4"/>
+    <p:sldLayoutId id="2147483665" r:id="rId5"/>
+    <p:sldLayoutId id="2147483666" r:id="rId6"/>
+    <p:sldLayoutId id="2147483667" r:id="rId7"/>
+    <p:sldLayoutId id="2147483668" r:id="rId8"/>
+    <p:sldLayoutId id="2147483669" r:id="rId9"/>
+    <p:sldLayoutId id="2147483670" r:id="rId10"/>
+    <p:sldLayoutId id="2147483671" r:id="rId11"/>
   </p:sldLayoutIdLst>
   <p:txStyles>
     <p:titleStyle>
-      <a:lvl1pPr algn="l" defTabSz="914400" rtl="0" eaLnBrk="1" latinLnBrk="0" hangingPunct="1">
+      <a:lvl1pPr algn="l" defTabSz="685800" rtl="0" eaLnBrk="1" latinLnBrk="0" hangingPunct="1">
         <a:lnSpc>
           <a:spcPct val="90000"/>
         </a:lnSpc>
@@ -3052,7 +2678,7 @@
           <a:spcPct val="0"/>
         </a:spcBef>
         <a:buNone/>
-        <a:defRPr sz="4400" kern="1200">
+        <a:defRPr sz="3300" kern="1200">
           <a:solidFill>
             <a:schemeClr val="tx1"/>
           </a:solidFill>
@@ -3063,16 +2689,16 @@
       </a:lvl1pPr>
     </p:titleStyle>
     <p:bodyStyle>
-      <a:lvl1pPr marL="228600" indent="-228600" algn="l" defTabSz="914400" rtl="0" eaLnBrk="1" latinLnBrk="0" hangingPunct="1">
+      <a:lvl1pPr marL="171450" indent="-171450" algn="l" defTabSz="685800" rtl="0" eaLnBrk="1" latinLnBrk="0" hangingPunct="1">
         <a:lnSpc>
           <a:spcPct val="90000"/>
         </a:lnSpc>
         <a:spcBef>
-          <a:spcPts val="1000"/>
+          <a:spcPts val="750"/>
         </a:spcBef>
         <a:buFont typeface="Arial" panose="020B0604020202020204" pitchFamily="34" charset="0"/>
         <a:buChar char="•"/>
-        <a:defRPr sz="2800" kern="1200">
+        <a:defRPr sz="2100" kern="1200">
           <a:solidFill>
             <a:schemeClr val="tx1"/>
           </a:solidFill>
@@ -3081,48 +2707,12 @@
           <a:cs typeface="+mn-cs"/>
         </a:defRPr>
       </a:lvl1pPr>
-      <a:lvl2pPr marL="685800" indent="-228600" algn="l" defTabSz="914400" rtl="0" eaLnBrk="1" latinLnBrk="0" hangingPunct="1">
+      <a:lvl2pPr marL="514350" indent="-171450" algn="l" defTabSz="685800" rtl="0" eaLnBrk="1" latinLnBrk="0" hangingPunct="1">
         <a:lnSpc>
           <a:spcPct val="90000"/>
         </a:lnSpc>
         <a:spcBef>
-          <a:spcPts val="500"/>
-        </a:spcBef>
-        <a:buFont typeface="Arial" panose="020B0604020202020204" pitchFamily="34" charset="0"/>
-        <a:buChar char="•"/>
-        <a:defRPr sz="2400" kern="1200">
-          <a:solidFill>
-            <a:schemeClr val="tx1"/>
-          </a:solidFill>
-          <a:latin typeface="+mn-lt"/>
-          <a:ea typeface="+mn-ea"/>
-          <a:cs typeface="+mn-cs"/>
-        </a:defRPr>
-      </a:lvl2pPr>
-      <a:lvl3pPr marL="1143000" indent="-228600" algn="l" defTabSz="914400" rtl="0" eaLnBrk="1" latinLnBrk="0" hangingPunct="1">
-        <a:lnSpc>
-          <a:spcPct val="90000"/>
-        </a:lnSpc>
-        <a:spcBef>
-          <a:spcPts val="500"/>
-        </a:spcBef>
-        <a:buFont typeface="Arial" panose="020B0604020202020204" pitchFamily="34" charset="0"/>
-        <a:buChar char="•"/>
-        <a:defRPr sz="2000" kern="1200">
-          <a:solidFill>
-            <a:schemeClr val="tx1"/>
-          </a:solidFill>
-          <a:latin typeface="+mn-lt"/>
-          <a:ea typeface="+mn-ea"/>
-          <a:cs typeface="+mn-cs"/>
-        </a:defRPr>
-      </a:lvl3pPr>
-      <a:lvl4pPr marL="1600200" indent="-228600" algn="l" defTabSz="914400" rtl="0" eaLnBrk="1" latinLnBrk="0" hangingPunct="1">
-        <a:lnSpc>
-          <a:spcPct val="90000"/>
-        </a:lnSpc>
-        <a:spcBef>
-          <a:spcPts val="500"/>
+          <a:spcPts val="375"/>
         </a:spcBef>
         <a:buFont typeface="Arial" panose="020B0604020202020204" pitchFamily="34" charset="0"/>
         <a:buChar char="•"/>
@@ -3134,17 +2724,53 @@
           <a:ea typeface="+mn-ea"/>
           <a:cs typeface="+mn-cs"/>
         </a:defRPr>
-      </a:lvl4pPr>
-      <a:lvl5pPr marL="2057400" indent="-228600" algn="l" defTabSz="914400" rtl="0" eaLnBrk="1" latinLnBrk="0" hangingPunct="1">
+      </a:lvl2pPr>
+      <a:lvl3pPr marL="857250" indent="-171450" algn="l" defTabSz="685800" rtl="0" eaLnBrk="1" latinLnBrk="0" hangingPunct="1">
         <a:lnSpc>
           <a:spcPct val="90000"/>
         </a:lnSpc>
         <a:spcBef>
-          <a:spcPts val="500"/>
+          <a:spcPts val="375"/>
         </a:spcBef>
         <a:buFont typeface="Arial" panose="020B0604020202020204" pitchFamily="34" charset="0"/>
         <a:buChar char="•"/>
-        <a:defRPr sz="1800" kern="1200">
+        <a:defRPr sz="1500" kern="1200">
+          <a:solidFill>
+            <a:schemeClr val="tx1"/>
+          </a:solidFill>
+          <a:latin typeface="+mn-lt"/>
+          <a:ea typeface="+mn-ea"/>
+          <a:cs typeface="+mn-cs"/>
+        </a:defRPr>
+      </a:lvl3pPr>
+      <a:lvl4pPr marL="1200150" indent="-171450" algn="l" defTabSz="685800" rtl="0" eaLnBrk="1" latinLnBrk="0" hangingPunct="1">
+        <a:lnSpc>
+          <a:spcPct val="90000"/>
+        </a:lnSpc>
+        <a:spcBef>
+          <a:spcPts val="375"/>
+        </a:spcBef>
+        <a:buFont typeface="Arial" panose="020B0604020202020204" pitchFamily="34" charset="0"/>
+        <a:buChar char="•"/>
+        <a:defRPr sz="1350" kern="1200">
+          <a:solidFill>
+            <a:schemeClr val="tx1"/>
+          </a:solidFill>
+          <a:latin typeface="+mn-lt"/>
+          <a:ea typeface="+mn-ea"/>
+          <a:cs typeface="+mn-cs"/>
+        </a:defRPr>
+      </a:lvl4pPr>
+      <a:lvl5pPr marL="1543050" indent="-171450" algn="l" defTabSz="685800" rtl="0" eaLnBrk="1" latinLnBrk="0" hangingPunct="1">
+        <a:lnSpc>
+          <a:spcPct val="90000"/>
+        </a:lnSpc>
+        <a:spcBef>
+          <a:spcPts val="375"/>
+        </a:spcBef>
+        <a:buFont typeface="Arial" panose="020B0604020202020204" pitchFamily="34" charset="0"/>
+        <a:buChar char="•"/>
+        <a:defRPr sz="1350" kern="1200">
           <a:solidFill>
             <a:schemeClr val="tx1"/>
           </a:solidFill>
@@ -3153,16 +2779,16 @@
           <a:cs typeface="+mn-cs"/>
         </a:defRPr>
       </a:lvl5pPr>
-      <a:lvl6pPr marL="2514600" indent="-228600" algn="l" defTabSz="914400" rtl="0" eaLnBrk="1" latinLnBrk="0" hangingPunct="1">
+      <a:lvl6pPr marL="1885950" indent="-171450" algn="l" defTabSz="685800" rtl="0" eaLnBrk="1" latinLnBrk="0" hangingPunct="1">
         <a:lnSpc>
           <a:spcPct val="90000"/>
         </a:lnSpc>
         <a:spcBef>
-          <a:spcPts val="500"/>
+          <a:spcPts val="375"/>
         </a:spcBef>
         <a:buFont typeface="Arial" panose="020B0604020202020204" pitchFamily="34" charset="0"/>
         <a:buChar char="•"/>
-        <a:defRPr sz="1800" kern="1200">
+        <a:defRPr sz="1350" kern="1200">
           <a:solidFill>
             <a:schemeClr val="tx1"/>
           </a:solidFill>
@@ -3171,16 +2797,16 @@
           <a:cs typeface="+mn-cs"/>
         </a:defRPr>
       </a:lvl6pPr>
-      <a:lvl7pPr marL="2971800" indent="-228600" algn="l" defTabSz="914400" rtl="0" eaLnBrk="1" latinLnBrk="0" hangingPunct="1">
+      <a:lvl7pPr marL="2228850" indent="-171450" algn="l" defTabSz="685800" rtl="0" eaLnBrk="1" latinLnBrk="0" hangingPunct="1">
         <a:lnSpc>
           <a:spcPct val="90000"/>
         </a:lnSpc>
         <a:spcBef>
-          <a:spcPts val="500"/>
+          <a:spcPts val="375"/>
         </a:spcBef>
         <a:buFont typeface="Arial" panose="020B0604020202020204" pitchFamily="34" charset="0"/>
         <a:buChar char="•"/>
-        <a:defRPr sz="1800" kern="1200">
+        <a:defRPr sz="1350" kern="1200">
           <a:solidFill>
             <a:schemeClr val="tx1"/>
           </a:solidFill>
@@ -3189,16 +2815,16 @@
           <a:cs typeface="+mn-cs"/>
         </a:defRPr>
       </a:lvl7pPr>
-      <a:lvl8pPr marL="3429000" indent="-228600" algn="l" defTabSz="914400" rtl="0" eaLnBrk="1" latinLnBrk="0" hangingPunct="1">
+      <a:lvl8pPr marL="2571750" indent="-171450" algn="l" defTabSz="685800" rtl="0" eaLnBrk="1" latinLnBrk="0" hangingPunct="1">
         <a:lnSpc>
           <a:spcPct val="90000"/>
         </a:lnSpc>
         <a:spcBef>
-          <a:spcPts val="500"/>
+          <a:spcPts val="375"/>
         </a:spcBef>
         <a:buFont typeface="Arial" panose="020B0604020202020204" pitchFamily="34" charset="0"/>
         <a:buChar char="•"/>
-        <a:defRPr sz="1800" kern="1200">
+        <a:defRPr sz="1350" kern="1200">
           <a:solidFill>
             <a:schemeClr val="tx1"/>
           </a:solidFill>
@@ -3207,16 +2833,16 @@
           <a:cs typeface="+mn-cs"/>
         </a:defRPr>
       </a:lvl8pPr>
-      <a:lvl9pPr marL="3886200" indent="-228600" algn="l" defTabSz="914400" rtl="0" eaLnBrk="1" latinLnBrk="0" hangingPunct="1">
+      <a:lvl9pPr marL="2914650" indent="-171450" algn="l" defTabSz="685800" rtl="0" eaLnBrk="1" latinLnBrk="0" hangingPunct="1">
         <a:lnSpc>
           <a:spcPct val="90000"/>
         </a:lnSpc>
         <a:spcBef>
-          <a:spcPts val="500"/>
+          <a:spcPts val="375"/>
         </a:spcBef>
         <a:buFont typeface="Arial" panose="020B0604020202020204" pitchFamily="34" charset="0"/>
         <a:buChar char="•"/>
-        <a:defRPr sz="1800" kern="1200">
+        <a:defRPr sz="1350" kern="1200">
           <a:solidFill>
             <a:schemeClr val="tx1"/>
           </a:solidFill>
@@ -3230,8 +2856,8 @@
       <a:defPPr>
         <a:defRPr lang="en-US"/>
       </a:defPPr>
-      <a:lvl1pPr marL="0" algn="l" defTabSz="914400" rtl="0" eaLnBrk="1" latinLnBrk="0" hangingPunct="1">
-        <a:defRPr sz="1800" kern="1200">
+      <a:lvl1pPr marL="0" algn="l" defTabSz="685800" rtl="0" eaLnBrk="1" latinLnBrk="0" hangingPunct="1">
+        <a:defRPr sz="1350" kern="1200">
           <a:solidFill>
             <a:schemeClr val="tx1"/>
           </a:solidFill>
@@ -3240,8 +2866,8 @@
           <a:cs typeface="+mn-cs"/>
         </a:defRPr>
       </a:lvl1pPr>
-      <a:lvl2pPr marL="457200" algn="l" defTabSz="914400" rtl="0" eaLnBrk="1" latinLnBrk="0" hangingPunct="1">
-        <a:defRPr sz="1800" kern="1200">
+      <a:lvl2pPr marL="342900" algn="l" defTabSz="685800" rtl="0" eaLnBrk="1" latinLnBrk="0" hangingPunct="1">
+        <a:defRPr sz="1350" kern="1200">
           <a:solidFill>
             <a:schemeClr val="tx1"/>
           </a:solidFill>
@@ -3250,8 +2876,8 @@
           <a:cs typeface="+mn-cs"/>
         </a:defRPr>
       </a:lvl2pPr>
-      <a:lvl3pPr marL="914400" algn="l" defTabSz="914400" rtl="0" eaLnBrk="1" latinLnBrk="0" hangingPunct="1">
-        <a:defRPr sz="1800" kern="1200">
+      <a:lvl3pPr marL="685800" algn="l" defTabSz="685800" rtl="0" eaLnBrk="1" latinLnBrk="0" hangingPunct="1">
+        <a:defRPr sz="1350" kern="1200">
           <a:solidFill>
             <a:schemeClr val="tx1"/>
           </a:solidFill>
@@ -3260,8 +2886,8 @@
           <a:cs typeface="+mn-cs"/>
         </a:defRPr>
       </a:lvl3pPr>
-      <a:lvl4pPr marL="1371600" algn="l" defTabSz="914400" rtl="0" eaLnBrk="1" latinLnBrk="0" hangingPunct="1">
-        <a:defRPr sz="1800" kern="1200">
+      <a:lvl4pPr marL="1028700" algn="l" defTabSz="685800" rtl="0" eaLnBrk="1" latinLnBrk="0" hangingPunct="1">
+        <a:defRPr sz="1350" kern="1200">
           <a:solidFill>
             <a:schemeClr val="tx1"/>
           </a:solidFill>
@@ -3270,8 +2896,8 @@
           <a:cs typeface="+mn-cs"/>
         </a:defRPr>
       </a:lvl4pPr>
-      <a:lvl5pPr marL="1828800" algn="l" defTabSz="914400" rtl="0" eaLnBrk="1" latinLnBrk="0" hangingPunct="1">
-        <a:defRPr sz="1800" kern="1200">
+      <a:lvl5pPr marL="1371600" algn="l" defTabSz="685800" rtl="0" eaLnBrk="1" latinLnBrk="0" hangingPunct="1">
+        <a:defRPr sz="1350" kern="1200">
           <a:solidFill>
             <a:schemeClr val="tx1"/>
           </a:solidFill>
@@ -3280,8 +2906,8 @@
           <a:cs typeface="+mn-cs"/>
         </a:defRPr>
       </a:lvl5pPr>
-      <a:lvl6pPr marL="2286000" algn="l" defTabSz="914400" rtl="0" eaLnBrk="1" latinLnBrk="0" hangingPunct="1">
-        <a:defRPr sz="1800" kern="1200">
+      <a:lvl6pPr marL="1714500" algn="l" defTabSz="685800" rtl="0" eaLnBrk="1" latinLnBrk="0" hangingPunct="1">
+        <a:defRPr sz="1350" kern="1200">
           <a:solidFill>
             <a:schemeClr val="tx1"/>
           </a:solidFill>
@@ -3290,8 +2916,8 @@
           <a:cs typeface="+mn-cs"/>
         </a:defRPr>
       </a:lvl6pPr>
-      <a:lvl7pPr marL="2743200" algn="l" defTabSz="914400" rtl="0" eaLnBrk="1" latinLnBrk="0" hangingPunct="1">
-        <a:defRPr sz="1800" kern="1200">
+      <a:lvl7pPr marL="2057400" algn="l" defTabSz="685800" rtl="0" eaLnBrk="1" latinLnBrk="0" hangingPunct="1">
+        <a:defRPr sz="1350" kern="1200">
           <a:solidFill>
             <a:schemeClr val="tx1"/>
           </a:solidFill>
@@ -3300,8 +2926,8 @@
           <a:cs typeface="+mn-cs"/>
         </a:defRPr>
       </a:lvl7pPr>
-      <a:lvl8pPr marL="3200400" algn="l" defTabSz="914400" rtl="0" eaLnBrk="1" latinLnBrk="0" hangingPunct="1">
-        <a:defRPr sz="1800" kern="1200">
+      <a:lvl8pPr marL="2400300" algn="l" defTabSz="685800" rtl="0" eaLnBrk="1" latinLnBrk="0" hangingPunct="1">
+        <a:defRPr sz="1350" kern="1200">
           <a:solidFill>
             <a:schemeClr val="tx1"/>
           </a:solidFill>
@@ -3310,8 +2936,8 @@
           <a:cs typeface="+mn-cs"/>
         </a:defRPr>
       </a:lvl8pPr>
-      <a:lvl9pPr marL="3657600" algn="l" defTabSz="914400" rtl="0" eaLnBrk="1" latinLnBrk="0" hangingPunct="1">
-        <a:defRPr sz="1800" kern="1200">
+      <a:lvl9pPr marL="2743200" algn="l" defTabSz="685800" rtl="0" eaLnBrk="1" latinLnBrk="0" hangingPunct="1">
+        <a:defRPr sz="1350" kern="1200">
           <a:solidFill>
             <a:schemeClr val="tx1"/>
           </a:solidFill>
@@ -3342,1039 +2968,1225 @@
           <a:chExt cx="0" cy="0"/>
         </a:xfrm>
       </p:grpSpPr>
-      <p:grpSp>
-        <p:nvGrpSpPr>
-          <p:cNvPr id="1050" name="Group 1049">
+      <p:sp>
+        <p:nvSpPr>
+          <p:cNvPr id="4" name="TextBox 3">
             <a:extLst>
               <a:ext uri="{FF2B5EF4-FFF2-40B4-BE49-F238E27FC236}">
-                <a16:creationId xmlns:a16="http://schemas.microsoft.com/office/drawing/2014/main" id="{7A84F954-381F-5592-BB2F-6F00857B0005}"/>
+                <a16:creationId xmlns:a16="http://schemas.microsoft.com/office/drawing/2014/main" id="{64F65395-8AD5-9D9B-D736-7DCA696E0BF3}"/>
               </a:ext>
             </a:extLst>
           </p:cNvPr>
-          <p:cNvGrpSpPr/>
+          <p:cNvSpPr txBox="1"/>
           <p:nvPr/>
-        </p:nvGrpSpPr>
-        <p:grpSpPr>
+        </p:nvSpPr>
+        <p:spPr>
           <a:xfrm>
-            <a:off x="162364" y="428922"/>
-            <a:ext cx="11988951" cy="6110747"/>
-            <a:chOff x="162364" y="428922"/>
-            <a:chExt cx="11988951" cy="6110747"/>
-          </a:xfrm>
-        </p:grpSpPr>
-        <p:pic>
-          <p:nvPicPr>
-            <p:cNvPr id="1026" name="Picture 2">
-              <a:extLst>
-                <a:ext uri="{FF2B5EF4-FFF2-40B4-BE49-F238E27FC236}">
-                  <a16:creationId xmlns:a16="http://schemas.microsoft.com/office/drawing/2014/main" id="{6594C1BE-D8E2-71D3-7142-AAE3EF316515}"/>
-                </a:ext>
-              </a:extLst>
-            </p:cNvPr>
-            <p:cNvPicPr>
-              <a:picLocks noChangeAspect="1" noChangeArrowheads="1"/>
-            </p:cNvPicPr>
-            <p:nvPr/>
-          </p:nvPicPr>
-          <p:blipFill>
-            <a:blip r:embed="rId2">
-              <a:extLst>
-                <a:ext uri="{28A0092B-C50C-407E-A947-70E740481C1C}">
-                  <a14:useLocalDpi xmlns:a14="http://schemas.microsoft.com/office/drawing/2010/main" val="0"/>
-                </a:ext>
-              </a:extLst>
-            </a:blip>
-            <a:srcRect/>
-            <a:stretch>
-              <a:fillRect/>
-            </a:stretch>
-          </p:blipFill>
-          <p:spPr bwMode="auto">
-            <a:xfrm>
-              <a:off x="162364" y="4162229"/>
-              <a:ext cx="3169920" cy="2377440"/>
-            </a:xfrm>
-            <a:prstGeom prst="rect">
-              <a:avLst/>
-            </a:prstGeom>
-            <a:noFill/>
+            <a:off x="364254" y="1051077"/>
+            <a:ext cx="1134670" cy="461665"/>
+          </a:xfrm>
+          <a:prstGeom prst="rect">
+            <a:avLst/>
+          </a:prstGeom>
+        </p:spPr>
+        <p:style>
+          <a:lnRef idx="2">
+            <a:schemeClr val="dk1"/>
+          </a:lnRef>
+          <a:fillRef idx="1">
+            <a:schemeClr val="lt1"/>
+          </a:fillRef>
+          <a:effectRef idx="0">
+            <a:schemeClr val="dk1"/>
+          </a:effectRef>
+          <a:fontRef idx="minor">
+            <a:schemeClr val="dk1"/>
+          </a:fontRef>
+        </p:style>
+        <p:txBody>
+          <a:bodyPr wrap="none" rtlCol="0">
+            <a:spAutoFit/>
+          </a:bodyPr>
+          <a:lstStyle/>
+          <a:p>
+            <a:pPr algn="ctr"/>
+            <a:r>
+              <a:rPr lang="es-MX" sz="1200" dirty="0"/>
+              <a:t>1737</a:t>
+            </a:r>
+          </a:p>
+          <a:p>
+            <a:pPr algn="ctr"/>
+            <a:r>
+              <a:rPr lang="es-MX" sz="1200" dirty="0"/>
+              <a:t>ADNI subjects</a:t>
+            </a:r>
+          </a:p>
+        </p:txBody>
+      </p:sp>
+      <p:sp>
+        <p:nvSpPr>
+          <p:cNvPr id="5" name="TextBox 4">
             <a:extLst>
-              <a:ext uri="{909E8E84-426E-40DD-AFC4-6F175D3DCCD1}">
-                <a14:hiddenFill xmlns:a14="http://schemas.microsoft.com/office/drawing/2010/main">
-                  <a:solidFill>
-                    <a:srgbClr val="FFFFFF"/>
-                  </a:solidFill>
-                </a14:hiddenFill>
+              <a:ext uri="{FF2B5EF4-FFF2-40B4-BE49-F238E27FC236}">
+                <a16:creationId xmlns:a16="http://schemas.microsoft.com/office/drawing/2014/main" id="{463530C5-63D8-732A-221E-F4E4D7249219}"/>
               </a:ext>
             </a:extLst>
-          </p:spPr>
-        </p:pic>
-        <p:pic>
-          <p:nvPicPr>
-            <p:cNvPr id="1028" name="Picture 4">
-              <a:extLst>
-                <a:ext uri="{FF2B5EF4-FFF2-40B4-BE49-F238E27FC236}">
-                  <a16:creationId xmlns:a16="http://schemas.microsoft.com/office/drawing/2014/main" id="{04A8605E-678E-4904-6077-B7023D8747DB}"/>
-                </a:ext>
-              </a:extLst>
-            </p:cNvPr>
-            <p:cNvPicPr>
-              <a:picLocks noChangeAspect="1" noChangeArrowheads="1"/>
-            </p:cNvPicPr>
-            <p:nvPr/>
-          </p:nvPicPr>
-          <p:blipFill>
-            <a:blip r:embed="rId3">
-              <a:extLst>
-                <a:ext uri="{28A0092B-C50C-407E-A947-70E740481C1C}">
-                  <a14:useLocalDpi xmlns:a14="http://schemas.microsoft.com/office/drawing/2010/main" val="0"/>
-                </a:ext>
-              </a:extLst>
-            </a:blip>
-            <a:srcRect/>
-            <a:stretch>
-              <a:fillRect/>
-            </a:stretch>
-          </p:blipFill>
-          <p:spPr bwMode="auto">
-            <a:xfrm>
-              <a:off x="8981395" y="4162229"/>
-              <a:ext cx="3169920" cy="2377440"/>
-            </a:xfrm>
-            <a:prstGeom prst="rect">
-              <a:avLst/>
-            </a:prstGeom>
-            <a:noFill/>
+          </p:cNvPr>
+          <p:cNvSpPr txBox="1"/>
+          <p:nvPr/>
+        </p:nvSpPr>
+        <p:spPr>
+          <a:xfrm>
+            <a:off x="364253" y="2205559"/>
+            <a:ext cx="1134670" cy="461665"/>
+          </a:xfrm>
+          <a:prstGeom prst="rect">
+            <a:avLst/>
+          </a:prstGeom>
+        </p:spPr>
+        <p:style>
+          <a:lnRef idx="2">
+            <a:schemeClr val="dk1"/>
+          </a:lnRef>
+          <a:fillRef idx="1">
+            <a:schemeClr val="lt1"/>
+          </a:fillRef>
+          <a:effectRef idx="0">
+            <a:schemeClr val="dk1"/>
+          </a:effectRef>
+          <a:fontRef idx="minor">
+            <a:schemeClr val="dk1"/>
+          </a:fontRef>
+        </p:style>
+        <p:txBody>
+          <a:bodyPr wrap="none" rtlCol="0">
+            <a:spAutoFit/>
+          </a:bodyPr>
+          <a:lstStyle/>
+          <a:p>
+            <a:pPr algn="ctr"/>
+            <a:r>
+              <a:rPr lang="es-MX" sz="1200" dirty="0"/>
+              <a:t>1115</a:t>
+            </a:r>
+          </a:p>
+          <a:p>
+            <a:pPr algn="ctr"/>
+            <a:r>
+              <a:rPr lang="es-MX" sz="1200" dirty="0"/>
+              <a:t>ADNI subjects</a:t>
+            </a:r>
+          </a:p>
+        </p:txBody>
+      </p:sp>
+      <p:sp>
+        <p:nvSpPr>
+          <p:cNvPr id="6" name="TextBox 5">
             <a:extLst>
-              <a:ext uri="{909E8E84-426E-40DD-AFC4-6F175D3DCCD1}">
-                <a14:hiddenFill xmlns:a14="http://schemas.microsoft.com/office/drawing/2010/main">
-                  <a:solidFill>
-                    <a:srgbClr val="FFFFFF"/>
-                  </a:solidFill>
-                </a14:hiddenFill>
+              <a:ext uri="{FF2B5EF4-FFF2-40B4-BE49-F238E27FC236}">
+                <a16:creationId xmlns:a16="http://schemas.microsoft.com/office/drawing/2014/main" id="{ECB65D90-58BF-8221-273C-58F3DFA44C10}"/>
               </a:ext>
             </a:extLst>
-          </p:spPr>
-        </p:pic>
-        <p:pic>
-          <p:nvPicPr>
-            <p:cNvPr id="1030" name="Picture 6">
-              <a:extLst>
-                <a:ext uri="{FF2B5EF4-FFF2-40B4-BE49-F238E27FC236}">
-                  <a16:creationId xmlns:a16="http://schemas.microsoft.com/office/drawing/2014/main" id="{ECFBB900-26B1-D2F0-9ED0-F9ED0968BF3D}"/>
-                </a:ext>
-              </a:extLst>
-            </p:cNvPr>
-            <p:cNvPicPr>
-              <a:picLocks noChangeAspect="1" noChangeArrowheads="1"/>
-            </p:cNvPicPr>
-            <p:nvPr/>
-          </p:nvPicPr>
-          <p:blipFill>
-            <a:blip r:embed="rId4">
-              <a:extLst>
-                <a:ext uri="{28A0092B-C50C-407E-A947-70E740481C1C}">
-                  <a14:useLocalDpi xmlns:a14="http://schemas.microsoft.com/office/drawing/2010/main" val="0"/>
-                </a:ext>
-              </a:extLst>
-            </a:blip>
-            <a:srcRect/>
-            <a:stretch>
-              <a:fillRect/>
-            </a:stretch>
-          </p:blipFill>
-          <p:spPr bwMode="auto">
-            <a:xfrm>
-              <a:off x="3045170" y="428922"/>
-              <a:ext cx="3169920" cy="2377440"/>
-            </a:xfrm>
-            <a:prstGeom prst="rect">
-              <a:avLst/>
-            </a:prstGeom>
-            <a:noFill/>
+          </p:cNvPr>
+          <p:cNvSpPr txBox="1"/>
+          <p:nvPr/>
+        </p:nvSpPr>
+        <p:spPr>
+          <a:xfrm>
+            <a:off x="403527" y="3360041"/>
+            <a:ext cx="1056123" cy="461665"/>
+          </a:xfrm>
+          <a:prstGeom prst="rect">
+            <a:avLst/>
+          </a:prstGeom>
+        </p:spPr>
+        <p:style>
+          <a:lnRef idx="2">
+            <a:schemeClr val="dk1"/>
+          </a:lnRef>
+          <a:fillRef idx="1">
+            <a:schemeClr val="lt1"/>
+          </a:fillRef>
+          <a:effectRef idx="0">
+            <a:schemeClr val="dk1"/>
+          </a:effectRef>
+          <a:fontRef idx="minor">
+            <a:schemeClr val="dk1"/>
+          </a:fontRef>
+        </p:style>
+        <p:txBody>
+          <a:bodyPr wrap="none" rtlCol="0">
+            <a:spAutoFit/>
+          </a:bodyPr>
+          <a:lstStyle/>
+          <a:p>
+            <a:pPr algn="ctr"/>
+            <a:r>
+              <a:rPr lang="es-MX" sz="1200" dirty="0"/>
+              <a:t>564</a:t>
+            </a:r>
+          </a:p>
+          <a:p>
+            <a:pPr algn="ctr"/>
+            <a:r>
+              <a:rPr lang="es-MX" sz="1200" dirty="0"/>
+              <a:t>MCI subjects</a:t>
+            </a:r>
+          </a:p>
+        </p:txBody>
+      </p:sp>
+      <p:sp>
+        <p:nvSpPr>
+          <p:cNvPr id="7" name="TextBox 6">
             <a:extLst>
-              <a:ext uri="{909E8E84-426E-40DD-AFC4-6F175D3DCCD1}">
-                <a14:hiddenFill xmlns:a14="http://schemas.microsoft.com/office/drawing/2010/main">
-                  <a:solidFill>
-                    <a:srgbClr val="FFFFFF"/>
-                  </a:solidFill>
-                </a14:hiddenFill>
+              <a:ext uri="{FF2B5EF4-FFF2-40B4-BE49-F238E27FC236}">
+                <a16:creationId xmlns:a16="http://schemas.microsoft.com/office/drawing/2014/main" id="{57BAF1EA-6F41-6BFC-C011-A844CD7A01B4}"/>
               </a:ext>
             </a:extLst>
-          </p:spPr>
-        </p:pic>
-        <p:pic>
-          <p:nvPicPr>
-            <p:cNvPr id="1032" name="Picture 8">
-              <a:extLst>
-                <a:ext uri="{FF2B5EF4-FFF2-40B4-BE49-F238E27FC236}">
-                  <a16:creationId xmlns:a16="http://schemas.microsoft.com/office/drawing/2014/main" id="{4C1D9932-0A2B-DE42-A479-F4A989EF245C}"/>
-                </a:ext>
-              </a:extLst>
-            </p:cNvPr>
-            <p:cNvPicPr>
-              <a:picLocks noChangeAspect="1" noChangeArrowheads="1"/>
-            </p:cNvPicPr>
-            <p:nvPr/>
-          </p:nvPicPr>
-          <p:blipFill>
-            <a:blip r:embed="rId5">
-              <a:extLst>
-                <a:ext uri="{28A0092B-C50C-407E-A947-70E740481C1C}">
-                  <a14:useLocalDpi xmlns:a14="http://schemas.microsoft.com/office/drawing/2010/main" val="0"/>
-                </a:ext>
-              </a:extLst>
-            </a:blip>
-            <a:srcRect/>
-            <a:stretch>
-              <a:fillRect/>
-            </a:stretch>
-          </p:blipFill>
-          <p:spPr bwMode="auto">
-            <a:xfrm>
-              <a:off x="5911336" y="428922"/>
-              <a:ext cx="3169920" cy="2377440"/>
-            </a:xfrm>
-            <a:prstGeom prst="rect">
-              <a:avLst/>
-            </a:prstGeom>
-            <a:noFill/>
+          </p:cNvPr>
+          <p:cNvSpPr txBox="1"/>
+          <p:nvPr/>
+        </p:nvSpPr>
+        <p:spPr>
+          <a:xfrm>
+            <a:off x="1980298" y="1570227"/>
+            <a:ext cx="1128066" cy="646331"/>
+          </a:xfrm>
+          <a:prstGeom prst="rect">
+            <a:avLst/>
+          </a:prstGeom>
+        </p:spPr>
+        <p:style>
+          <a:lnRef idx="2">
+            <a:schemeClr val="dk1"/>
+          </a:lnRef>
+          <a:fillRef idx="1">
+            <a:schemeClr val="lt1"/>
+          </a:fillRef>
+          <a:effectRef idx="0">
+            <a:schemeClr val="dk1"/>
+          </a:effectRef>
+          <a:fontRef idx="minor">
+            <a:schemeClr val="dk1"/>
+          </a:fontRef>
+        </p:style>
+        <p:txBody>
+          <a:bodyPr wrap="none" rtlCol="0">
+            <a:spAutoFit/>
+          </a:bodyPr>
+          <a:lstStyle/>
+          <a:p>
+            <a:pPr algn="ctr"/>
+            <a:r>
+              <a:rPr lang="en-US" sz="1200" dirty="0"/>
+              <a:t>622</a:t>
+            </a:r>
+          </a:p>
+          <a:p>
+            <a:pPr algn="ctr"/>
+            <a:r>
+              <a:rPr lang="en-US" sz="1200" dirty="0"/>
+              <a:t>Not complete </a:t>
+            </a:r>
+          </a:p>
+          <a:p>
+            <a:pPr algn="ctr"/>
+            <a:r>
+              <a:rPr lang="en-US" sz="1200" dirty="0"/>
+              <a:t>observations</a:t>
+            </a:r>
+          </a:p>
+        </p:txBody>
+      </p:sp>
+      <p:sp>
+        <p:nvSpPr>
+          <p:cNvPr id="8" name="TextBox 7">
             <a:extLst>
-              <a:ext uri="{909E8E84-426E-40DD-AFC4-6F175D3DCCD1}">
-                <a14:hiddenFill xmlns:a14="http://schemas.microsoft.com/office/drawing/2010/main">
-                  <a:solidFill>
-                    <a:srgbClr val="FFFFFF"/>
-                  </a:solidFill>
-                </a14:hiddenFill>
+              <a:ext uri="{FF2B5EF4-FFF2-40B4-BE49-F238E27FC236}">
+                <a16:creationId xmlns:a16="http://schemas.microsoft.com/office/drawing/2014/main" id="{F1554452-F879-66F6-C5E6-03B724DB5B99}"/>
               </a:ext>
             </a:extLst>
-          </p:spPr>
-        </p:pic>
-        <p:sp>
-          <p:nvSpPr>
-            <p:cNvPr id="4" name="TextBox 3">
-              <a:extLst>
-                <a:ext uri="{FF2B5EF4-FFF2-40B4-BE49-F238E27FC236}">
-                  <a16:creationId xmlns:a16="http://schemas.microsoft.com/office/drawing/2014/main" id="{47262DA1-7CE5-0758-4611-73CFEAF4777B}"/>
-                </a:ext>
-              </a:extLst>
-            </p:cNvPr>
-            <p:cNvSpPr txBox="1"/>
-            <p:nvPr/>
-          </p:nvSpPr>
-          <p:spPr>
-            <a:xfrm>
-              <a:off x="546513" y="590371"/>
-              <a:ext cx="2401619" cy="2031325"/>
-            </a:xfrm>
-            <a:prstGeom prst="rect">
-              <a:avLst/>
-            </a:prstGeom>
-          </p:spPr>
-          <p:style>
-            <a:lnRef idx="2">
-              <a:schemeClr val="dk1"/>
-            </a:lnRef>
-            <a:fillRef idx="1">
-              <a:schemeClr val="lt1"/>
-            </a:fillRef>
-            <a:effectRef idx="0">
-              <a:schemeClr val="dk1"/>
-            </a:effectRef>
-            <a:fontRef idx="minor">
-              <a:schemeClr val="dk1"/>
-            </a:fontRef>
-          </p:style>
-          <p:txBody>
-            <a:bodyPr wrap="none" rtlCol="0">
-              <a:spAutoFit/>
-            </a:bodyPr>
-            <a:lstStyle/>
-            <a:p>
-              <a:pPr algn="ctr"/>
-              <a:r>
-                <a:rPr lang="en-US" dirty="0"/>
-                <a:t>ADNI</a:t>
-              </a:r>
-            </a:p>
-            <a:p>
-              <a:r>
-                <a:rPr lang="en-US" dirty="0"/>
-                <a:t>MCI Included: 	564</a:t>
-              </a:r>
-            </a:p>
-            <a:p>
-              <a:pPr algn="just"/>
-              <a:r>
-                <a:rPr lang="en-US" dirty="0"/>
-                <a:t>-Converted:    	191</a:t>
-              </a:r>
-            </a:p>
-            <a:p>
-              <a:r>
-                <a:rPr lang="en-US" dirty="0"/>
-                <a:t>-No-Converted: 	373</a:t>
-              </a:r>
-            </a:p>
-            <a:p>
-              <a:endParaRPr lang="en-US" dirty="0"/>
-            </a:p>
-            <a:p>
-              <a:r>
-                <a:rPr lang="en-US" dirty="0"/>
-                <a:t>#Features: 330</a:t>
-              </a:r>
-            </a:p>
-            <a:p>
-              <a:endParaRPr lang="en-US" dirty="0"/>
-            </a:p>
-          </p:txBody>
-        </p:sp>
-        <p:sp>
-          <p:nvSpPr>
-            <p:cNvPr id="12" name="TextBox 11">
-              <a:extLst>
-                <a:ext uri="{FF2B5EF4-FFF2-40B4-BE49-F238E27FC236}">
-                  <a16:creationId xmlns:a16="http://schemas.microsoft.com/office/drawing/2014/main" id="{0AE13337-C36F-E13E-899F-85F96A984889}"/>
-                </a:ext>
-              </a:extLst>
-            </p:cNvPr>
-            <p:cNvSpPr txBox="1"/>
-            <p:nvPr/>
-          </p:nvSpPr>
-          <p:spPr>
-            <a:xfrm>
-              <a:off x="3350189" y="3478870"/>
-              <a:ext cx="2573140" cy="2031325"/>
-            </a:xfrm>
-            <a:prstGeom prst="rect">
-              <a:avLst/>
-            </a:prstGeom>
-          </p:spPr>
-          <p:style>
-            <a:lnRef idx="2">
-              <a:schemeClr val="dk1"/>
-            </a:lnRef>
-            <a:fillRef idx="1">
-              <a:schemeClr val="lt1"/>
-            </a:fillRef>
-            <a:effectRef idx="0">
-              <a:schemeClr val="dk1"/>
-            </a:effectRef>
-            <a:fontRef idx="minor">
-              <a:schemeClr val="dk1"/>
-            </a:fontRef>
-          </p:style>
-          <p:txBody>
-            <a:bodyPr wrap="none" rtlCol="0">
-              <a:spAutoFit/>
-            </a:bodyPr>
-            <a:lstStyle/>
-            <a:p>
-              <a:r>
-                <a:rPr lang="en-US" dirty="0"/>
-                <a:t>ML Method Comparison</a:t>
-              </a:r>
-            </a:p>
-            <a:p>
-              <a:pPr marL="400050" indent="-400050">
-                <a:buFont typeface="+mj-lt"/>
-                <a:buAutoNum type="romanUcPeriod"/>
-              </a:pPr>
-              <a:r>
-                <a:rPr lang="en-US" dirty="0"/>
-                <a:t>LASSO</a:t>
-              </a:r>
-            </a:p>
-            <a:p>
-              <a:pPr marL="400050" indent="-400050">
-                <a:buFont typeface="+mj-lt"/>
-                <a:buAutoNum type="romanUcPeriod"/>
-              </a:pPr>
-              <a:r>
-                <a:rPr lang="en-US" dirty="0" err="1"/>
-                <a:t>BSWiMS</a:t>
-              </a:r>
-              <a:endParaRPr lang="en-US" dirty="0"/>
-            </a:p>
-            <a:p>
-              <a:pPr marL="400050" indent="-400050">
-                <a:buFont typeface="+mj-lt"/>
-                <a:buAutoNum type="romanUcPeriod"/>
-              </a:pPr>
-              <a:r>
-                <a:rPr lang="en-US" dirty="0"/>
-                <a:t>BESS: BIC</a:t>
-              </a:r>
-            </a:p>
-            <a:p>
-              <a:pPr marL="400050" indent="-400050">
-                <a:buFont typeface="+mj-lt"/>
-                <a:buAutoNum type="romanUcPeriod"/>
-              </a:pPr>
-              <a:r>
-                <a:rPr lang="en-US" dirty="0"/>
-                <a:t>BESS: EBIC</a:t>
-              </a:r>
-            </a:p>
-            <a:p>
-              <a:pPr marL="400050" indent="-400050">
-                <a:buFont typeface="+mj-lt"/>
-                <a:buAutoNum type="romanUcPeriod"/>
-              </a:pPr>
-              <a:r>
-                <a:rPr lang="en-US" dirty="0"/>
-                <a:t>BESS: GS</a:t>
-              </a:r>
-            </a:p>
-            <a:p>
-              <a:pPr marL="400050" indent="-400050">
-                <a:buFont typeface="+mj-lt"/>
-                <a:buAutoNum type="romanUcPeriod"/>
-              </a:pPr>
-              <a:r>
-                <a:rPr lang="en-US" dirty="0"/>
-                <a:t>RIDGE</a:t>
-              </a:r>
-            </a:p>
-          </p:txBody>
-        </p:sp>
-        <p:cxnSp>
-          <p:nvCxnSpPr>
-            <p:cNvPr id="14" name="Straight Arrow Connector 13">
-              <a:extLst>
-                <a:ext uri="{FF2B5EF4-FFF2-40B4-BE49-F238E27FC236}">
-                  <a16:creationId xmlns:a16="http://schemas.microsoft.com/office/drawing/2014/main" id="{6DA59832-77CF-0304-5C8D-F871F2872D22}"/>
-                </a:ext>
-              </a:extLst>
-            </p:cNvPr>
-            <p:cNvCxnSpPr>
-              <a:stCxn id="12" idx="0"/>
-              <a:endCxn id="1030" idx="2"/>
-            </p:cNvCxnSpPr>
-            <p:nvPr/>
-          </p:nvCxnSpPr>
-          <p:spPr>
-            <a:xfrm flipH="1" flipV="1">
-              <a:off x="4630130" y="2806362"/>
-              <a:ext cx="6629" cy="672508"/>
-            </a:xfrm>
-            <a:prstGeom prst="straightConnector1">
-              <a:avLst/>
-            </a:prstGeom>
-            <a:ln>
-              <a:tailEnd type="triangle"/>
-            </a:ln>
-          </p:spPr>
-          <p:style>
-            <a:lnRef idx="2">
-              <a:schemeClr val="dk1"/>
-            </a:lnRef>
-            <a:fillRef idx="0">
-              <a:schemeClr val="dk1"/>
-            </a:fillRef>
-            <a:effectRef idx="1">
-              <a:schemeClr val="dk1"/>
-            </a:effectRef>
-            <a:fontRef idx="minor">
-              <a:schemeClr val="tx1"/>
-            </a:fontRef>
-          </p:style>
-        </p:cxnSp>
-        <p:sp>
-          <p:nvSpPr>
-            <p:cNvPr id="17" name="TextBox 16">
-              <a:extLst>
-                <a:ext uri="{FF2B5EF4-FFF2-40B4-BE49-F238E27FC236}">
-                  <a16:creationId xmlns:a16="http://schemas.microsoft.com/office/drawing/2014/main" id="{B8D4C8AC-549D-5BDE-AC59-9AED2DD10A36}"/>
-                </a:ext>
-              </a:extLst>
-            </p:cNvPr>
-            <p:cNvSpPr txBox="1"/>
-            <p:nvPr/>
-          </p:nvSpPr>
-          <p:spPr>
-            <a:xfrm>
-              <a:off x="6353713" y="3478870"/>
-              <a:ext cx="2284921" cy="1754326"/>
-            </a:xfrm>
-            <a:prstGeom prst="rect">
-              <a:avLst/>
-            </a:prstGeom>
-          </p:spPr>
-          <p:style>
-            <a:lnRef idx="2">
-              <a:schemeClr val="dk1"/>
-            </a:lnRef>
-            <a:fillRef idx="1">
-              <a:schemeClr val="lt1"/>
-            </a:fillRef>
-            <a:effectRef idx="0">
-              <a:schemeClr val="dk1"/>
-            </a:effectRef>
-            <a:fontRef idx="minor">
-              <a:schemeClr val="dk1"/>
-            </a:fontRef>
-          </p:style>
-          <p:txBody>
-            <a:bodyPr wrap="none" rtlCol="0">
-              <a:spAutoFit/>
-            </a:bodyPr>
-            <a:lstStyle/>
-            <a:p>
-              <a:r>
-                <a:rPr lang="en-US" dirty="0"/>
-                <a:t>Data Source Analysis</a:t>
-              </a:r>
-            </a:p>
-            <a:p>
-              <a:pPr marL="400050" indent="-400050">
-                <a:buFont typeface="+mj-lt"/>
-                <a:buAutoNum type="romanUcPeriod"/>
-              </a:pPr>
-              <a:r>
-                <a:rPr lang="en-US" dirty="0"/>
-                <a:t>CSF+APOE4</a:t>
-              </a:r>
-            </a:p>
-            <a:p>
-              <a:pPr marL="400050" indent="-400050">
-                <a:buFont typeface="+mj-lt"/>
-                <a:buAutoNum type="romanUcPeriod"/>
-              </a:pPr>
-              <a:r>
-                <a:rPr lang="en-US" dirty="0"/>
-                <a:t>Cognitive</a:t>
-              </a:r>
-            </a:p>
-            <a:p>
-              <a:pPr marL="400050" indent="-400050">
-                <a:buFont typeface="+mj-lt"/>
-                <a:buAutoNum type="romanUcPeriod"/>
-              </a:pPr>
-              <a:r>
-                <a:rPr lang="en-US" dirty="0"/>
-                <a:t>MRI+APOE4</a:t>
-              </a:r>
-            </a:p>
-            <a:p>
-              <a:pPr marL="400050" indent="-400050">
-                <a:buFont typeface="+mj-lt"/>
-                <a:buAutoNum type="romanUcPeriod"/>
-              </a:pPr>
-              <a:r>
-                <a:rPr lang="en-US" dirty="0"/>
-                <a:t>Cognitive + MRI</a:t>
-              </a:r>
-            </a:p>
-            <a:p>
-              <a:pPr marL="400050" indent="-400050">
-                <a:buFont typeface="+mj-lt"/>
-                <a:buAutoNum type="romanUcPeriod"/>
-              </a:pPr>
-              <a:r>
-                <a:rPr lang="en-US" dirty="0"/>
-                <a:t>All Sources</a:t>
-              </a:r>
-            </a:p>
-          </p:txBody>
-        </p:sp>
-        <p:sp>
-          <p:nvSpPr>
-            <p:cNvPr id="21" name="TextBox 20">
-              <a:extLst>
-                <a:ext uri="{FF2B5EF4-FFF2-40B4-BE49-F238E27FC236}">
-                  <a16:creationId xmlns:a16="http://schemas.microsoft.com/office/drawing/2014/main" id="{F4126AAF-DA43-77D0-C088-486688C47044}"/>
-                </a:ext>
-              </a:extLst>
-            </p:cNvPr>
-            <p:cNvSpPr txBox="1"/>
-            <p:nvPr/>
-          </p:nvSpPr>
-          <p:spPr>
-            <a:xfrm>
-              <a:off x="9059425" y="3478870"/>
-              <a:ext cx="3001399" cy="369332"/>
-            </a:xfrm>
-            <a:prstGeom prst="rect">
-              <a:avLst/>
-            </a:prstGeom>
-          </p:spPr>
-          <p:style>
-            <a:lnRef idx="2">
-              <a:schemeClr val="dk1"/>
-            </a:lnRef>
-            <a:fillRef idx="1">
-              <a:schemeClr val="lt1"/>
-            </a:fillRef>
-            <a:effectRef idx="0">
-              <a:schemeClr val="dk1"/>
-            </a:effectRef>
-            <a:fontRef idx="minor">
-              <a:schemeClr val="dk1"/>
-            </a:fontRef>
-          </p:style>
-          <p:txBody>
-            <a:bodyPr wrap="none" rtlCol="0">
-              <a:spAutoFit/>
-            </a:bodyPr>
-            <a:lstStyle/>
-            <a:p>
-              <a:r>
-                <a:rPr lang="en-US" dirty="0"/>
-                <a:t>Model/Biomarker Evaluation</a:t>
-              </a:r>
-            </a:p>
-          </p:txBody>
-        </p:sp>
-        <p:cxnSp>
-          <p:nvCxnSpPr>
-            <p:cNvPr id="23" name="Straight Arrow Connector 22">
-              <a:extLst>
-                <a:ext uri="{FF2B5EF4-FFF2-40B4-BE49-F238E27FC236}">
-                  <a16:creationId xmlns:a16="http://schemas.microsoft.com/office/drawing/2014/main" id="{272DADC4-A4A8-2665-6218-ADC1E867E4C7}"/>
-                </a:ext>
-              </a:extLst>
-            </p:cNvPr>
-            <p:cNvCxnSpPr>
-              <a:cxnSpLocks/>
-              <a:stCxn id="21" idx="2"/>
-              <a:endCxn id="1028" idx="0"/>
-            </p:cNvCxnSpPr>
-            <p:nvPr/>
-          </p:nvCxnSpPr>
-          <p:spPr>
-            <a:xfrm>
-              <a:off x="10560125" y="3848202"/>
-              <a:ext cx="6230" cy="314027"/>
-            </a:xfrm>
-            <a:prstGeom prst="straightConnector1">
-              <a:avLst/>
-            </a:prstGeom>
-            <a:ln>
-              <a:tailEnd type="triangle"/>
-            </a:ln>
-          </p:spPr>
-          <p:style>
-            <a:lnRef idx="2">
-              <a:schemeClr val="dk1"/>
-            </a:lnRef>
-            <a:fillRef idx="0">
-              <a:schemeClr val="dk1"/>
-            </a:fillRef>
-            <a:effectRef idx="1">
-              <a:schemeClr val="dk1"/>
-            </a:effectRef>
-            <a:fontRef idx="minor">
-              <a:schemeClr val="tx1"/>
-            </a:fontRef>
-          </p:style>
-        </p:cxnSp>
-        <p:cxnSp>
-          <p:nvCxnSpPr>
-            <p:cNvPr id="26" name="Straight Arrow Connector 25">
-              <a:extLst>
-                <a:ext uri="{FF2B5EF4-FFF2-40B4-BE49-F238E27FC236}">
-                  <a16:creationId xmlns:a16="http://schemas.microsoft.com/office/drawing/2014/main" id="{82222FCF-8B75-7B3B-BEE0-6B367FE3192D}"/>
-                </a:ext>
-              </a:extLst>
-            </p:cNvPr>
-            <p:cNvCxnSpPr>
-              <a:cxnSpLocks/>
-              <a:stCxn id="17" idx="0"/>
-              <a:endCxn id="1032" idx="2"/>
-            </p:cNvCxnSpPr>
-            <p:nvPr/>
-          </p:nvCxnSpPr>
-          <p:spPr>
-            <a:xfrm flipV="1">
-              <a:off x="7496174" y="2806362"/>
-              <a:ext cx="122" cy="672508"/>
-            </a:xfrm>
-            <a:prstGeom prst="straightConnector1">
-              <a:avLst/>
-            </a:prstGeom>
-            <a:ln>
-              <a:tailEnd type="triangle"/>
-            </a:ln>
-          </p:spPr>
-          <p:style>
-            <a:lnRef idx="2">
-              <a:schemeClr val="dk1"/>
-            </a:lnRef>
-            <a:fillRef idx="0">
-              <a:schemeClr val="dk1"/>
-            </a:fillRef>
-            <a:effectRef idx="1">
-              <a:schemeClr val="dk1"/>
-            </a:effectRef>
-            <a:fontRef idx="minor">
-              <a:schemeClr val="tx1"/>
-            </a:fontRef>
-          </p:style>
-        </p:cxnSp>
-        <p:sp>
-          <p:nvSpPr>
-            <p:cNvPr id="29" name="Arrow: Right 28">
-              <a:extLst>
-                <a:ext uri="{FF2B5EF4-FFF2-40B4-BE49-F238E27FC236}">
-                  <a16:creationId xmlns:a16="http://schemas.microsoft.com/office/drawing/2014/main" id="{FFA684ED-2044-92D3-3ABD-5F723763D4D0}"/>
-                </a:ext>
-              </a:extLst>
-            </p:cNvPr>
-            <p:cNvSpPr/>
-            <p:nvPr/>
-          </p:nvSpPr>
-          <p:spPr>
-            <a:xfrm>
-              <a:off x="5992665" y="3553599"/>
-              <a:ext cx="266889" cy="257582"/>
-            </a:xfrm>
-            <a:prstGeom prst="rightArrow">
-              <a:avLst/>
-            </a:prstGeom>
-          </p:spPr>
-          <p:style>
-            <a:lnRef idx="2">
-              <a:schemeClr val="dk1"/>
-            </a:lnRef>
-            <a:fillRef idx="1">
-              <a:schemeClr val="lt1"/>
-            </a:fillRef>
-            <a:effectRef idx="0">
-              <a:schemeClr val="dk1"/>
-            </a:effectRef>
-            <a:fontRef idx="minor">
-              <a:schemeClr val="dk1"/>
-            </a:fontRef>
-          </p:style>
-          <p:txBody>
-            <a:bodyPr rtlCol="0" anchor="ctr"/>
-            <a:lstStyle/>
-            <a:p>
-              <a:pPr algn="ctr"/>
-              <a:endParaRPr lang="es-MX"/>
-            </a:p>
-          </p:txBody>
-        </p:sp>
-        <p:sp>
-          <p:nvSpPr>
-            <p:cNvPr id="30" name="Arrow: Right 29">
-              <a:extLst>
-                <a:ext uri="{FF2B5EF4-FFF2-40B4-BE49-F238E27FC236}">
-                  <a16:creationId xmlns:a16="http://schemas.microsoft.com/office/drawing/2014/main" id="{9CDB40A8-0278-F67C-B6A7-F64908FFF1A5}"/>
-                </a:ext>
-              </a:extLst>
-            </p:cNvPr>
-            <p:cNvSpPr/>
-            <p:nvPr/>
-          </p:nvSpPr>
-          <p:spPr>
-            <a:xfrm>
-              <a:off x="8736400" y="3553599"/>
-              <a:ext cx="257194" cy="257583"/>
-            </a:xfrm>
-            <a:prstGeom prst="rightArrow">
-              <a:avLst/>
-            </a:prstGeom>
-          </p:spPr>
-          <p:style>
-            <a:lnRef idx="2">
-              <a:schemeClr val="dk1"/>
-            </a:lnRef>
-            <a:fillRef idx="1">
-              <a:schemeClr val="lt1"/>
-            </a:fillRef>
-            <a:effectRef idx="0">
-              <a:schemeClr val="dk1"/>
-            </a:effectRef>
-            <a:fontRef idx="minor">
-              <a:schemeClr val="dk1"/>
-            </a:fontRef>
-          </p:style>
-          <p:txBody>
-            <a:bodyPr rtlCol="0" anchor="ctr"/>
-            <a:lstStyle/>
-            <a:p>
-              <a:pPr algn="ctr"/>
-              <a:endParaRPr lang="es-MX"/>
-            </a:p>
-          </p:txBody>
-        </p:sp>
-        <p:sp>
-          <p:nvSpPr>
-            <p:cNvPr id="1024" name="TextBox 1023">
-              <a:extLst>
-                <a:ext uri="{FF2B5EF4-FFF2-40B4-BE49-F238E27FC236}">
-                  <a16:creationId xmlns:a16="http://schemas.microsoft.com/office/drawing/2014/main" id="{2C876B4E-1EBF-E2E0-E07E-B50CFEBAF273}"/>
-                </a:ext>
-              </a:extLst>
-            </p:cNvPr>
-            <p:cNvSpPr txBox="1"/>
-            <p:nvPr/>
-          </p:nvSpPr>
-          <p:spPr>
-            <a:xfrm>
-              <a:off x="953228" y="3534745"/>
-              <a:ext cx="1602811" cy="369332"/>
-            </a:xfrm>
-            <a:prstGeom prst="rect">
-              <a:avLst/>
-            </a:prstGeom>
-          </p:spPr>
-          <p:style>
-            <a:lnRef idx="2">
-              <a:schemeClr val="dk1"/>
-            </a:lnRef>
-            <a:fillRef idx="1">
-              <a:schemeClr val="lt1"/>
-            </a:fillRef>
-            <a:effectRef idx="0">
-              <a:schemeClr val="dk1"/>
-            </a:effectRef>
-            <a:fontRef idx="minor">
-              <a:schemeClr val="dk1"/>
-            </a:fontRef>
-          </p:style>
-          <p:txBody>
-            <a:bodyPr wrap="none" rtlCol="0">
-              <a:spAutoFit/>
-            </a:bodyPr>
-            <a:lstStyle/>
-            <a:p>
-              <a:r>
-                <a:rPr lang="en-US" dirty="0"/>
-                <a:t>Preprocessing</a:t>
-              </a:r>
-            </a:p>
-          </p:txBody>
-        </p:sp>
-        <p:sp>
-          <p:nvSpPr>
-            <p:cNvPr id="1029" name="Arrow: Right 1028">
-              <a:extLst>
-                <a:ext uri="{FF2B5EF4-FFF2-40B4-BE49-F238E27FC236}">
-                  <a16:creationId xmlns:a16="http://schemas.microsoft.com/office/drawing/2014/main" id="{ADAB42EC-312E-5E6B-B743-B92EC33445D9}"/>
-                </a:ext>
-              </a:extLst>
-            </p:cNvPr>
-            <p:cNvSpPr/>
-            <p:nvPr/>
-          </p:nvSpPr>
-          <p:spPr>
-            <a:xfrm>
-              <a:off x="2829072" y="3553599"/>
-              <a:ext cx="266889" cy="257582"/>
-            </a:xfrm>
-            <a:prstGeom prst="rightArrow">
-              <a:avLst/>
-            </a:prstGeom>
-          </p:spPr>
-          <p:style>
-            <a:lnRef idx="2">
-              <a:schemeClr val="dk1"/>
-            </a:lnRef>
-            <a:fillRef idx="1">
-              <a:schemeClr val="lt1"/>
-            </a:fillRef>
-            <a:effectRef idx="0">
-              <a:schemeClr val="dk1"/>
-            </a:effectRef>
-            <a:fontRef idx="minor">
-              <a:schemeClr val="dk1"/>
-            </a:fontRef>
-          </p:style>
-          <p:txBody>
-            <a:bodyPr rtlCol="0" anchor="ctr"/>
-            <a:lstStyle/>
-            <a:p>
-              <a:pPr algn="ctr"/>
-              <a:endParaRPr lang="es-MX"/>
-            </a:p>
-          </p:txBody>
-        </p:sp>
-        <p:sp>
-          <p:nvSpPr>
-            <p:cNvPr id="1035" name="Arrow: Right 1034">
-              <a:extLst>
-                <a:ext uri="{FF2B5EF4-FFF2-40B4-BE49-F238E27FC236}">
-                  <a16:creationId xmlns:a16="http://schemas.microsoft.com/office/drawing/2014/main" id="{EAC45465-F5F9-8CA1-C11C-2CC638B64C14}"/>
-                </a:ext>
-              </a:extLst>
-            </p:cNvPr>
-            <p:cNvSpPr/>
-            <p:nvPr/>
-          </p:nvSpPr>
-          <p:spPr>
-            <a:xfrm rot="5400000">
-              <a:off x="1508809" y="2916086"/>
-              <a:ext cx="477029" cy="257582"/>
-            </a:xfrm>
-            <a:prstGeom prst="rightArrow">
-              <a:avLst/>
-            </a:prstGeom>
-          </p:spPr>
-          <p:style>
-            <a:lnRef idx="2">
-              <a:schemeClr val="dk1"/>
-            </a:lnRef>
-            <a:fillRef idx="1">
-              <a:schemeClr val="lt1"/>
-            </a:fillRef>
-            <a:effectRef idx="0">
-              <a:schemeClr val="dk1"/>
-            </a:effectRef>
-            <a:fontRef idx="minor">
-              <a:schemeClr val="dk1"/>
-            </a:fontRef>
-          </p:style>
-          <p:txBody>
-            <a:bodyPr rtlCol="0" anchor="ctr"/>
-            <a:lstStyle/>
-            <a:p>
-              <a:pPr algn="ctr"/>
-              <a:endParaRPr lang="es-MX"/>
-            </a:p>
-          </p:txBody>
-        </p:sp>
-        <p:cxnSp>
-          <p:nvCxnSpPr>
-            <p:cNvPr id="1036" name="Straight Arrow Connector 1035">
-              <a:extLst>
-                <a:ext uri="{FF2B5EF4-FFF2-40B4-BE49-F238E27FC236}">
-                  <a16:creationId xmlns:a16="http://schemas.microsoft.com/office/drawing/2014/main" id="{55750E42-25EB-0784-A64E-CD8D9F15F2A2}"/>
-                </a:ext>
-              </a:extLst>
-            </p:cNvPr>
-            <p:cNvCxnSpPr>
-              <a:cxnSpLocks/>
-              <a:stCxn id="1024" idx="2"/>
-              <a:endCxn id="1026" idx="0"/>
-            </p:cNvCxnSpPr>
-            <p:nvPr/>
-          </p:nvCxnSpPr>
-          <p:spPr>
-            <a:xfrm flipH="1">
-              <a:off x="1747324" y="3904077"/>
-              <a:ext cx="7310" cy="258152"/>
-            </a:xfrm>
-            <a:prstGeom prst="straightConnector1">
-              <a:avLst/>
-            </a:prstGeom>
-            <a:ln>
-              <a:tailEnd type="triangle"/>
-            </a:ln>
-          </p:spPr>
-          <p:style>
-            <a:lnRef idx="2">
-              <a:schemeClr val="dk1"/>
-            </a:lnRef>
-            <a:fillRef idx="0">
-              <a:schemeClr val="dk1"/>
-            </a:fillRef>
-            <a:effectRef idx="1">
-              <a:schemeClr val="dk1"/>
-            </a:effectRef>
-            <a:fontRef idx="minor">
-              <a:schemeClr val="tx1"/>
-            </a:fontRef>
-          </p:style>
-        </p:cxnSp>
-        <p:pic>
-          <p:nvPicPr>
-            <p:cNvPr id="1040" name="Picture 10">
-              <a:extLst>
-                <a:ext uri="{FF2B5EF4-FFF2-40B4-BE49-F238E27FC236}">
-                  <a16:creationId xmlns:a16="http://schemas.microsoft.com/office/drawing/2014/main" id="{E6BD1AEB-0632-AB38-A0BA-B93CF89E9DE4}"/>
-                </a:ext>
-              </a:extLst>
-            </p:cNvPr>
-            <p:cNvPicPr>
-              <a:picLocks noChangeAspect="1" noChangeArrowheads="1"/>
-            </p:cNvPicPr>
-            <p:nvPr/>
-          </p:nvPicPr>
-          <p:blipFill>
-            <a:blip r:embed="rId6">
-              <a:extLst>
-                <a:ext uri="{28A0092B-C50C-407E-A947-70E740481C1C}">
-                  <a14:useLocalDpi xmlns:a14="http://schemas.microsoft.com/office/drawing/2010/main" val="0"/>
-                </a:ext>
-              </a:extLst>
-            </a:blip>
-            <a:srcRect/>
-            <a:stretch>
-              <a:fillRect/>
-            </a:stretch>
-          </p:blipFill>
-          <p:spPr bwMode="auto">
-            <a:xfrm>
-              <a:off x="9028530" y="428922"/>
-              <a:ext cx="3048000" cy="2286000"/>
-            </a:xfrm>
-            <a:prstGeom prst="rect">
-              <a:avLst/>
-            </a:prstGeom>
-            <a:noFill/>
+          </p:cNvPr>
+          <p:cNvSpPr txBox="1"/>
+          <p:nvPr/>
+        </p:nvSpPr>
+        <p:spPr>
+          <a:xfrm>
+            <a:off x="2162971" y="2815006"/>
+            <a:ext cx="797013" cy="461665"/>
+          </a:xfrm>
+          <a:prstGeom prst="rect">
+            <a:avLst/>
+          </a:prstGeom>
+        </p:spPr>
+        <p:style>
+          <a:lnRef idx="2">
+            <a:schemeClr val="dk1"/>
+          </a:lnRef>
+          <a:fillRef idx="1">
+            <a:schemeClr val="lt1"/>
+          </a:fillRef>
+          <a:effectRef idx="0">
+            <a:schemeClr val="dk1"/>
+          </a:effectRef>
+          <a:fontRef idx="minor">
+            <a:schemeClr val="dk1"/>
+          </a:fontRef>
+        </p:style>
+        <p:txBody>
+          <a:bodyPr wrap="none" rtlCol="0">
+            <a:spAutoFit/>
+          </a:bodyPr>
+          <a:lstStyle/>
+          <a:p>
+            <a:pPr algn="ctr"/>
+            <a:r>
+              <a:rPr lang="en-US" sz="1200" dirty="0"/>
+              <a:t>551</a:t>
+            </a:r>
+          </a:p>
+          <a:p>
+            <a:pPr algn="ctr"/>
+            <a:r>
+              <a:rPr lang="en-US" sz="1200" dirty="0"/>
+              <a:t>NC or AD</a:t>
+            </a:r>
+          </a:p>
+        </p:txBody>
+      </p:sp>
+      <p:cxnSp>
+        <p:nvCxnSpPr>
+          <p:cNvPr id="10" name="Straight Arrow Connector 9">
             <a:extLst>
-              <a:ext uri="{909E8E84-426E-40DD-AFC4-6F175D3DCCD1}">
-                <a14:hiddenFill xmlns:a14="http://schemas.microsoft.com/office/drawing/2010/main">
-                  <a:solidFill>
-                    <a:srgbClr val="FFFFFF"/>
-                  </a:solidFill>
-                </a14:hiddenFill>
+              <a:ext uri="{FF2B5EF4-FFF2-40B4-BE49-F238E27FC236}">
+                <a16:creationId xmlns:a16="http://schemas.microsoft.com/office/drawing/2014/main" id="{C92DF03C-F4B3-1268-5CEA-148751B4202C}"/>
               </a:ext>
             </a:extLst>
-          </p:spPr>
-        </p:pic>
-        <p:cxnSp>
-          <p:nvCxnSpPr>
-            <p:cNvPr id="1041" name="Straight Arrow Connector 1040">
-              <a:extLst>
-                <a:ext uri="{FF2B5EF4-FFF2-40B4-BE49-F238E27FC236}">
-                  <a16:creationId xmlns:a16="http://schemas.microsoft.com/office/drawing/2014/main" id="{163AAD59-89FB-4056-9E75-115FECB3814A}"/>
-                </a:ext>
-              </a:extLst>
-            </p:cNvPr>
-            <p:cNvCxnSpPr>
-              <a:cxnSpLocks/>
-              <a:stCxn id="21" idx="0"/>
-              <a:endCxn id="1040" idx="2"/>
-            </p:cNvCxnSpPr>
-            <p:nvPr/>
-          </p:nvCxnSpPr>
-          <p:spPr>
-            <a:xfrm flipH="1" flipV="1">
-              <a:off x="10552530" y="2714922"/>
-              <a:ext cx="7595" cy="763948"/>
-            </a:xfrm>
-            <a:prstGeom prst="straightConnector1">
-              <a:avLst/>
-            </a:prstGeom>
-            <a:ln>
-              <a:tailEnd type="triangle"/>
-            </a:ln>
-          </p:spPr>
-          <p:style>
-            <a:lnRef idx="2">
+          </p:cNvPr>
+          <p:cNvCxnSpPr>
+            <a:cxnSpLocks/>
+            <a:stCxn id="4" idx="2"/>
+            <a:endCxn id="5" idx="0"/>
+          </p:cNvCxnSpPr>
+          <p:nvPr/>
+        </p:nvCxnSpPr>
+        <p:spPr>
+          <a:xfrm flipH="1">
+            <a:off x="931588" y="1512742"/>
+            <a:ext cx="1" cy="692817"/>
+          </a:xfrm>
+          <a:prstGeom prst="straightConnector1">
+            <a:avLst/>
+          </a:prstGeom>
+          <a:ln>
+            <a:tailEnd type="triangle"/>
+          </a:ln>
+        </p:spPr>
+        <p:style>
+          <a:lnRef idx="2">
+            <a:schemeClr val="dk1"/>
+          </a:lnRef>
+          <a:fillRef idx="0">
+            <a:schemeClr val="dk1"/>
+          </a:fillRef>
+          <a:effectRef idx="1">
+            <a:schemeClr val="dk1"/>
+          </a:effectRef>
+          <a:fontRef idx="minor">
+            <a:schemeClr val="tx1"/>
+          </a:fontRef>
+        </p:style>
+      </p:cxnSp>
+      <p:cxnSp>
+        <p:nvCxnSpPr>
+          <p:cNvPr id="12" name="Straight Arrow Connector 11">
+            <a:extLst>
+              <a:ext uri="{FF2B5EF4-FFF2-40B4-BE49-F238E27FC236}">
+                <a16:creationId xmlns:a16="http://schemas.microsoft.com/office/drawing/2014/main" id="{08A46FE7-39BC-2F59-9579-27BCB4C7C890}"/>
+              </a:ext>
+            </a:extLst>
+          </p:cNvPr>
+          <p:cNvCxnSpPr>
+            <a:cxnSpLocks/>
+          </p:cNvCxnSpPr>
+          <p:nvPr/>
+        </p:nvCxnSpPr>
+        <p:spPr>
+          <a:xfrm>
+            <a:off x="931588" y="1889928"/>
+            <a:ext cx="470274" cy="0"/>
+          </a:xfrm>
+          <a:prstGeom prst="straightConnector1">
+            <a:avLst/>
+          </a:prstGeom>
+          <a:ln>
+            <a:tailEnd type="triangle"/>
+          </a:ln>
+        </p:spPr>
+        <p:style>
+          <a:lnRef idx="2">
+            <a:schemeClr val="dk1"/>
+          </a:lnRef>
+          <a:fillRef idx="0">
+            <a:schemeClr val="dk1"/>
+          </a:fillRef>
+          <a:effectRef idx="1">
+            <a:schemeClr val="dk1"/>
+          </a:effectRef>
+          <a:fontRef idx="minor">
+            <a:schemeClr val="tx1"/>
+          </a:fontRef>
+        </p:style>
+      </p:cxnSp>
+      <p:sp>
+        <p:nvSpPr>
+          <p:cNvPr id="15" name="Oval 14">
+            <a:extLst>
+              <a:ext uri="{FF2B5EF4-FFF2-40B4-BE49-F238E27FC236}">
+                <a16:creationId xmlns:a16="http://schemas.microsoft.com/office/drawing/2014/main" id="{97ACAF3A-878C-14B0-66B6-03523A79D0E2}"/>
+              </a:ext>
+            </a:extLst>
+          </p:cNvPr>
+          <p:cNvSpPr/>
+          <p:nvPr/>
+        </p:nvSpPr>
+        <p:spPr>
+          <a:xfrm>
+            <a:off x="1412964" y="1732113"/>
+            <a:ext cx="311007" cy="315630"/>
+          </a:xfrm>
+          <a:prstGeom prst="ellipse">
+            <a:avLst/>
+          </a:prstGeom>
+        </p:spPr>
+        <p:style>
+          <a:lnRef idx="2">
+            <a:schemeClr val="dk1"/>
+          </a:lnRef>
+          <a:fillRef idx="1">
+            <a:schemeClr val="lt1"/>
+          </a:fillRef>
+          <a:effectRef idx="0">
+            <a:schemeClr val="dk1"/>
+          </a:effectRef>
+          <a:fontRef idx="minor">
+            <a:schemeClr val="dk1"/>
+          </a:fontRef>
+        </p:style>
+        <p:txBody>
+          <a:bodyPr rtlCol="0" anchor="ctr"/>
+          <a:lstStyle/>
+          <a:p>
+            <a:pPr algn="ctr"/>
+            <a:r>
+              <a:rPr lang="es-MX" sz="1600" dirty="0"/>
+              <a:t>1</a:t>
+            </a:r>
+          </a:p>
+        </p:txBody>
+      </p:sp>
+      <p:cxnSp>
+        <p:nvCxnSpPr>
+          <p:cNvPr id="16" name="Straight Arrow Connector 15">
+            <a:extLst>
+              <a:ext uri="{FF2B5EF4-FFF2-40B4-BE49-F238E27FC236}">
+                <a16:creationId xmlns:a16="http://schemas.microsoft.com/office/drawing/2014/main" id="{DCA02EB9-191B-4C86-B71A-61BECD85F093}"/>
+              </a:ext>
+            </a:extLst>
+          </p:cNvPr>
+          <p:cNvCxnSpPr>
+            <a:cxnSpLocks/>
+            <a:stCxn id="15" idx="6"/>
+            <a:endCxn id="7" idx="1"/>
+          </p:cNvCxnSpPr>
+          <p:nvPr/>
+        </p:nvCxnSpPr>
+        <p:spPr>
+          <a:xfrm>
+            <a:off x="1723971" y="1889928"/>
+            <a:ext cx="256327" cy="3465"/>
+          </a:xfrm>
+          <a:prstGeom prst="straightConnector1">
+            <a:avLst/>
+          </a:prstGeom>
+          <a:ln>
+            <a:tailEnd type="triangle"/>
+          </a:ln>
+        </p:spPr>
+        <p:style>
+          <a:lnRef idx="2">
+            <a:schemeClr val="dk1"/>
+          </a:lnRef>
+          <a:fillRef idx="0">
+            <a:schemeClr val="dk1"/>
+          </a:fillRef>
+          <a:effectRef idx="1">
+            <a:schemeClr val="dk1"/>
+          </a:effectRef>
+          <a:fontRef idx="minor">
+            <a:schemeClr val="tx1"/>
+          </a:fontRef>
+        </p:style>
+      </p:cxnSp>
+      <p:cxnSp>
+        <p:nvCxnSpPr>
+          <p:cNvPr id="19" name="Straight Arrow Connector 18">
+            <a:extLst>
+              <a:ext uri="{FF2B5EF4-FFF2-40B4-BE49-F238E27FC236}">
+                <a16:creationId xmlns:a16="http://schemas.microsoft.com/office/drawing/2014/main" id="{1B18E5BC-E539-9FAB-F176-011B0755FAC4}"/>
+              </a:ext>
+            </a:extLst>
+          </p:cNvPr>
+          <p:cNvCxnSpPr>
+            <a:cxnSpLocks/>
+            <a:stCxn id="5" idx="2"/>
+            <a:endCxn id="6" idx="0"/>
+          </p:cNvCxnSpPr>
+          <p:nvPr/>
+        </p:nvCxnSpPr>
+        <p:spPr>
+          <a:xfrm>
+            <a:off x="931588" y="2667224"/>
+            <a:ext cx="1" cy="692817"/>
+          </a:xfrm>
+          <a:prstGeom prst="straightConnector1">
+            <a:avLst/>
+          </a:prstGeom>
+          <a:ln>
+            <a:tailEnd type="triangle"/>
+          </a:ln>
+        </p:spPr>
+        <p:style>
+          <a:lnRef idx="2">
+            <a:schemeClr val="dk1"/>
+          </a:lnRef>
+          <a:fillRef idx="0">
+            <a:schemeClr val="dk1"/>
+          </a:fillRef>
+          <a:effectRef idx="1">
+            <a:schemeClr val="dk1"/>
+          </a:effectRef>
+          <a:fontRef idx="minor">
+            <a:schemeClr val="tx1"/>
+          </a:fontRef>
+        </p:style>
+      </p:cxnSp>
+      <p:cxnSp>
+        <p:nvCxnSpPr>
+          <p:cNvPr id="22" name="Straight Arrow Connector 21">
+            <a:extLst>
+              <a:ext uri="{FF2B5EF4-FFF2-40B4-BE49-F238E27FC236}">
+                <a16:creationId xmlns:a16="http://schemas.microsoft.com/office/drawing/2014/main" id="{965A746C-0142-8871-593F-819808EDA72D}"/>
+              </a:ext>
+            </a:extLst>
+          </p:cNvPr>
+          <p:cNvCxnSpPr>
+            <a:cxnSpLocks/>
+            <a:endCxn id="8" idx="1"/>
+          </p:cNvCxnSpPr>
+          <p:nvPr/>
+        </p:nvCxnSpPr>
+        <p:spPr>
+          <a:xfrm>
+            <a:off x="931588" y="3045839"/>
+            <a:ext cx="1231383" cy="0"/>
+          </a:xfrm>
+          <a:prstGeom prst="straightConnector1">
+            <a:avLst/>
+          </a:prstGeom>
+          <a:ln>
+            <a:tailEnd type="triangle"/>
+          </a:ln>
+        </p:spPr>
+        <p:style>
+          <a:lnRef idx="2">
+            <a:schemeClr val="dk1"/>
+          </a:lnRef>
+          <a:fillRef idx="0">
+            <a:schemeClr val="dk1"/>
+          </a:fillRef>
+          <a:effectRef idx="1">
+            <a:schemeClr val="dk1"/>
+          </a:effectRef>
+          <a:fontRef idx="minor">
+            <a:schemeClr val="tx1"/>
+          </a:fontRef>
+        </p:style>
+      </p:cxnSp>
+      <p:sp>
+        <p:nvSpPr>
+          <p:cNvPr id="26" name="TextBox 25">
+            <a:extLst>
+              <a:ext uri="{FF2B5EF4-FFF2-40B4-BE49-F238E27FC236}">
+                <a16:creationId xmlns:a16="http://schemas.microsoft.com/office/drawing/2014/main" id="{FCE50836-28D0-DC56-2E00-715E6422073F}"/>
+              </a:ext>
+            </a:extLst>
+          </p:cNvPr>
+          <p:cNvSpPr txBox="1"/>
+          <p:nvPr/>
+        </p:nvSpPr>
+        <p:spPr>
+          <a:xfrm>
+            <a:off x="3599155" y="998485"/>
+            <a:ext cx="1394741" cy="461665"/>
+          </a:xfrm>
+          <a:prstGeom prst="rect">
+            <a:avLst/>
+          </a:prstGeom>
+        </p:spPr>
+        <p:style>
+          <a:lnRef idx="2">
+            <a:schemeClr val="dk1"/>
+          </a:lnRef>
+          <a:fillRef idx="1">
+            <a:schemeClr val="lt1"/>
+          </a:fillRef>
+          <a:effectRef idx="0">
+            <a:schemeClr val="dk1"/>
+          </a:effectRef>
+          <a:fontRef idx="minor">
+            <a:schemeClr val="dk1"/>
+          </a:fontRef>
+        </p:style>
+        <p:txBody>
+          <a:bodyPr wrap="none" rtlCol="0">
+            <a:spAutoFit/>
+          </a:bodyPr>
+          <a:lstStyle/>
+          <a:p>
+            <a:pPr algn="ctr"/>
+            <a:r>
+              <a:rPr lang="en-US" sz="1200"/>
+              <a:t>1907</a:t>
+            </a:r>
+          </a:p>
+          <a:p>
+            <a:pPr algn="ctr"/>
+            <a:r>
+              <a:rPr lang="en-US" sz="1200" dirty="0"/>
+              <a:t>Features/columns</a:t>
+            </a:r>
+          </a:p>
+        </p:txBody>
+      </p:sp>
+      <p:sp>
+        <p:nvSpPr>
+          <p:cNvPr id="27" name="TextBox 26">
+            <a:extLst>
+              <a:ext uri="{FF2B5EF4-FFF2-40B4-BE49-F238E27FC236}">
+                <a16:creationId xmlns:a16="http://schemas.microsoft.com/office/drawing/2014/main" id="{A43E1EB8-BE27-D073-4875-DB21D8DC212A}"/>
+              </a:ext>
+            </a:extLst>
+          </p:cNvPr>
+          <p:cNvSpPr txBox="1"/>
+          <p:nvPr/>
+        </p:nvSpPr>
+        <p:spPr>
+          <a:xfrm>
+            <a:off x="3912732" y="2269416"/>
+            <a:ext cx="767582" cy="461665"/>
+          </a:xfrm>
+          <a:prstGeom prst="rect">
+            <a:avLst/>
+          </a:prstGeom>
+        </p:spPr>
+        <p:style>
+          <a:lnRef idx="2">
+            <a:schemeClr val="dk1"/>
+          </a:lnRef>
+          <a:fillRef idx="1">
+            <a:schemeClr val="lt1"/>
+          </a:fillRef>
+          <a:effectRef idx="0">
+            <a:schemeClr val="dk1"/>
+          </a:effectRef>
+          <a:fontRef idx="minor">
+            <a:schemeClr val="dk1"/>
+          </a:fontRef>
+        </p:style>
+        <p:txBody>
+          <a:bodyPr wrap="none" rtlCol="0">
+            <a:spAutoFit/>
+          </a:bodyPr>
+          <a:lstStyle/>
+          <a:p>
+            <a:pPr algn="ctr"/>
+            <a:r>
+              <a:rPr lang="es-MX" sz="1200" dirty="0"/>
+              <a:t>385</a:t>
+            </a:r>
+          </a:p>
+          <a:p>
+            <a:pPr algn="ctr"/>
+            <a:r>
+              <a:rPr lang="es-MX" sz="1200" dirty="0"/>
+              <a:t>Features</a:t>
+            </a:r>
+          </a:p>
+        </p:txBody>
+      </p:sp>
+      <p:sp>
+        <p:nvSpPr>
+          <p:cNvPr id="28" name="TextBox 27">
+            <a:extLst>
+              <a:ext uri="{FF2B5EF4-FFF2-40B4-BE49-F238E27FC236}">
+                <a16:creationId xmlns:a16="http://schemas.microsoft.com/office/drawing/2014/main" id="{D40DBD81-0439-439D-FFEC-BD0A4A72B940}"/>
+              </a:ext>
+            </a:extLst>
+          </p:cNvPr>
+          <p:cNvSpPr txBox="1"/>
+          <p:nvPr/>
+        </p:nvSpPr>
+        <p:spPr>
+          <a:xfrm>
+            <a:off x="3912733" y="3307449"/>
+            <a:ext cx="767582" cy="461665"/>
+          </a:xfrm>
+          <a:prstGeom prst="rect">
+            <a:avLst/>
+          </a:prstGeom>
+        </p:spPr>
+        <p:style>
+          <a:lnRef idx="2">
+            <a:schemeClr val="dk1"/>
+          </a:lnRef>
+          <a:fillRef idx="1">
+            <a:schemeClr val="lt1"/>
+          </a:fillRef>
+          <a:effectRef idx="0">
+            <a:schemeClr val="dk1"/>
+          </a:effectRef>
+          <a:fontRef idx="minor">
+            <a:schemeClr val="dk1"/>
+          </a:fontRef>
+        </p:style>
+        <p:txBody>
+          <a:bodyPr wrap="none" rtlCol="0">
+            <a:spAutoFit/>
+          </a:bodyPr>
+          <a:lstStyle/>
+          <a:p>
+            <a:pPr algn="ctr"/>
+            <a:r>
+              <a:rPr lang="es-MX" sz="1200" dirty="0"/>
+              <a:t>330</a:t>
+            </a:r>
+          </a:p>
+          <a:p>
+            <a:pPr algn="ctr"/>
+            <a:r>
+              <a:rPr lang="es-MX" sz="1200" dirty="0"/>
+              <a:t>Features</a:t>
+            </a:r>
+          </a:p>
+        </p:txBody>
+      </p:sp>
+      <p:sp>
+        <p:nvSpPr>
+          <p:cNvPr id="29" name="TextBox 28">
+            <a:extLst>
+              <a:ext uri="{FF2B5EF4-FFF2-40B4-BE49-F238E27FC236}">
+                <a16:creationId xmlns:a16="http://schemas.microsoft.com/office/drawing/2014/main" id="{25D8D571-666C-956F-FB6D-D2B9129EF395}"/>
+              </a:ext>
+            </a:extLst>
+          </p:cNvPr>
+          <p:cNvSpPr txBox="1"/>
+          <p:nvPr/>
+        </p:nvSpPr>
+        <p:spPr>
+          <a:xfrm>
+            <a:off x="5041437" y="1401321"/>
+            <a:ext cx="1523431" cy="830997"/>
+          </a:xfrm>
+          <a:prstGeom prst="rect">
+            <a:avLst/>
+          </a:prstGeom>
+        </p:spPr>
+        <p:style>
+          <a:lnRef idx="2">
+            <a:schemeClr val="dk1"/>
+          </a:lnRef>
+          <a:fillRef idx="1">
+            <a:schemeClr val="lt1"/>
+          </a:fillRef>
+          <a:effectRef idx="0">
+            <a:schemeClr val="dk1"/>
+          </a:effectRef>
+          <a:fontRef idx="minor">
+            <a:schemeClr val="dk1"/>
+          </a:fontRef>
+        </p:style>
+        <p:txBody>
+          <a:bodyPr wrap="square" rtlCol="0">
+            <a:spAutoFit/>
+          </a:bodyPr>
+          <a:lstStyle/>
+          <a:p>
+            <a:pPr algn="ctr"/>
+            <a:r>
+              <a:rPr lang="en-US" sz="1200" dirty="0"/>
+              <a:t>1522</a:t>
+            </a:r>
+          </a:p>
+          <a:p>
+            <a:pPr algn="ctr"/>
+            <a:r>
+              <a:rPr lang="en-US" sz="1200" dirty="0"/>
+              <a:t>PET</a:t>
+            </a:r>
+          </a:p>
+          <a:p>
+            <a:pPr algn="ctr"/>
+            <a:r>
+              <a:rPr lang="en-US" sz="1200" dirty="0"/>
+              <a:t>Longitudinal MRI</a:t>
+            </a:r>
+          </a:p>
+          <a:p>
+            <a:pPr algn="ctr"/>
+            <a:r>
+              <a:rPr lang="en-US" sz="1200" dirty="0"/>
+              <a:t>Strings/UIDS</a:t>
+            </a:r>
+          </a:p>
+        </p:txBody>
+      </p:sp>
+      <p:sp>
+        <p:nvSpPr>
+          <p:cNvPr id="30" name="TextBox 29">
+            <a:extLst>
+              <a:ext uri="{FF2B5EF4-FFF2-40B4-BE49-F238E27FC236}">
+                <a16:creationId xmlns:a16="http://schemas.microsoft.com/office/drawing/2014/main" id="{280A1E34-73EC-0400-48FB-13A410BDD46B}"/>
+              </a:ext>
+            </a:extLst>
+          </p:cNvPr>
+          <p:cNvSpPr txBox="1"/>
+          <p:nvPr/>
+        </p:nvSpPr>
+        <p:spPr>
+          <a:xfrm>
+            <a:off x="4940032" y="2807299"/>
+            <a:ext cx="1726243" cy="461665"/>
+          </a:xfrm>
+          <a:prstGeom prst="rect">
+            <a:avLst/>
+          </a:prstGeom>
+        </p:spPr>
+        <p:style>
+          <a:lnRef idx="2">
+            <a:schemeClr val="dk1"/>
+          </a:lnRef>
+          <a:fillRef idx="1">
+            <a:schemeClr val="lt1"/>
+          </a:fillRef>
+          <a:effectRef idx="0">
+            <a:schemeClr val="dk1"/>
+          </a:effectRef>
+          <a:fontRef idx="minor">
+            <a:schemeClr val="dk1"/>
+          </a:fontRef>
+        </p:style>
+        <p:txBody>
+          <a:bodyPr wrap="none" rtlCol="0">
+            <a:spAutoFit/>
+          </a:bodyPr>
+          <a:lstStyle/>
+          <a:p>
+            <a:pPr algn="ctr"/>
+            <a:r>
+              <a:rPr lang="en-US" sz="1200" dirty="0"/>
+              <a:t>55</a:t>
+            </a:r>
+          </a:p>
+          <a:p>
+            <a:pPr algn="ctr"/>
+            <a:r>
+              <a:rPr lang="en-US" sz="1200" dirty="0"/>
+              <a:t>Missing more than 30%</a:t>
+            </a:r>
+          </a:p>
+        </p:txBody>
+      </p:sp>
+      <p:cxnSp>
+        <p:nvCxnSpPr>
+          <p:cNvPr id="31" name="Straight Arrow Connector 30">
+            <a:extLst>
+              <a:ext uri="{FF2B5EF4-FFF2-40B4-BE49-F238E27FC236}">
+                <a16:creationId xmlns:a16="http://schemas.microsoft.com/office/drawing/2014/main" id="{3033CA03-7A99-F6F2-6D5C-C152E3210735}"/>
+              </a:ext>
+            </a:extLst>
+          </p:cNvPr>
+          <p:cNvCxnSpPr>
+            <a:cxnSpLocks/>
+            <a:stCxn id="26" idx="2"/>
+            <a:endCxn id="27" idx="0"/>
+          </p:cNvCxnSpPr>
+          <p:nvPr/>
+        </p:nvCxnSpPr>
+        <p:spPr>
+          <a:xfrm flipH="1">
+            <a:off x="4296523" y="1460150"/>
+            <a:ext cx="3" cy="809266"/>
+          </a:xfrm>
+          <a:prstGeom prst="straightConnector1">
+            <a:avLst/>
+          </a:prstGeom>
+          <a:ln>
+            <a:tailEnd type="triangle"/>
+          </a:ln>
+        </p:spPr>
+        <p:style>
+          <a:lnRef idx="2">
+            <a:schemeClr val="dk1"/>
+          </a:lnRef>
+          <a:fillRef idx="0">
+            <a:schemeClr val="dk1"/>
+          </a:fillRef>
+          <a:effectRef idx="1">
+            <a:schemeClr val="dk1"/>
+          </a:effectRef>
+          <a:fontRef idx="minor">
+            <a:schemeClr val="tx1"/>
+          </a:fontRef>
+        </p:style>
+      </p:cxnSp>
+      <p:cxnSp>
+        <p:nvCxnSpPr>
+          <p:cNvPr id="32" name="Straight Arrow Connector 31">
+            <a:extLst>
+              <a:ext uri="{FF2B5EF4-FFF2-40B4-BE49-F238E27FC236}">
+                <a16:creationId xmlns:a16="http://schemas.microsoft.com/office/drawing/2014/main" id="{FAE82F36-FBAD-1062-A35F-4773166D0422}"/>
+              </a:ext>
+            </a:extLst>
+          </p:cNvPr>
+          <p:cNvCxnSpPr>
+            <a:cxnSpLocks/>
+            <a:endCxn id="29" idx="1"/>
+          </p:cNvCxnSpPr>
+          <p:nvPr/>
+        </p:nvCxnSpPr>
+        <p:spPr>
+          <a:xfrm>
+            <a:off x="4296523" y="1807751"/>
+            <a:ext cx="744914" cy="9069"/>
+          </a:xfrm>
+          <a:prstGeom prst="straightConnector1">
+            <a:avLst/>
+          </a:prstGeom>
+          <a:ln>
+            <a:tailEnd type="triangle"/>
+          </a:ln>
+        </p:spPr>
+        <p:style>
+          <a:lnRef idx="2">
+            <a:schemeClr val="dk1"/>
+          </a:lnRef>
+          <a:fillRef idx="0">
+            <a:schemeClr val="dk1"/>
+          </a:fillRef>
+          <a:effectRef idx="1">
+            <a:schemeClr val="dk1"/>
+          </a:effectRef>
+          <a:fontRef idx="minor">
+            <a:schemeClr val="tx1"/>
+          </a:fontRef>
+        </p:style>
+      </p:cxnSp>
+      <p:cxnSp>
+        <p:nvCxnSpPr>
+          <p:cNvPr id="35" name="Straight Arrow Connector 34">
+            <a:extLst>
+              <a:ext uri="{FF2B5EF4-FFF2-40B4-BE49-F238E27FC236}">
+                <a16:creationId xmlns:a16="http://schemas.microsoft.com/office/drawing/2014/main" id="{F786EF33-5192-049E-A045-9CD1CD3DCCAF}"/>
+              </a:ext>
+            </a:extLst>
+          </p:cNvPr>
+          <p:cNvCxnSpPr>
+            <a:cxnSpLocks/>
+            <a:stCxn id="27" idx="2"/>
+            <a:endCxn id="28" idx="0"/>
+          </p:cNvCxnSpPr>
+          <p:nvPr/>
+        </p:nvCxnSpPr>
+        <p:spPr>
+          <a:xfrm>
+            <a:off x="4296523" y="2731081"/>
+            <a:ext cx="1" cy="576368"/>
+          </a:xfrm>
+          <a:prstGeom prst="straightConnector1">
+            <a:avLst/>
+          </a:prstGeom>
+          <a:ln>
+            <a:tailEnd type="triangle"/>
+          </a:ln>
+        </p:spPr>
+        <p:style>
+          <a:lnRef idx="2">
+            <a:schemeClr val="dk1"/>
+          </a:lnRef>
+          <a:fillRef idx="0">
+            <a:schemeClr val="dk1"/>
+          </a:fillRef>
+          <a:effectRef idx="1">
+            <a:schemeClr val="dk1"/>
+          </a:effectRef>
+          <a:fontRef idx="minor">
+            <a:schemeClr val="tx1"/>
+          </a:fontRef>
+        </p:style>
+      </p:cxnSp>
+      <p:cxnSp>
+        <p:nvCxnSpPr>
+          <p:cNvPr id="36" name="Straight Arrow Connector 35">
+            <a:extLst>
+              <a:ext uri="{FF2B5EF4-FFF2-40B4-BE49-F238E27FC236}">
+                <a16:creationId xmlns:a16="http://schemas.microsoft.com/office/drawing/2014/main" id="{6B6A1089-2B92-6290-24E8-B0073DE912C9}"/>
+              </a:ext>
+            </a:extLst>
+          </p:cNvPr>
+          <p:cNvCxnSpPr>
+            <a:cxnSpLocks/>
+            <a:endCxn id="30" idx="1"/>
+          </p:cNvCxnSpPr>
+          <p:nvPr/>
+        </p:nvCxnSpPr>
+        <p:spPr>
+          <a:xfrm>
+            <a:off x="4296523" y="3038132"/>
+            <a:ext cx="643509" cy="0"/>
+          </a:xfrm>
+          <a:prstGeom prst="straightConnector1">
+            <a:avLst/>
+          </a:prstGeom>
+          <a:ln>
+            <a:tailEnd type="triangle"/>
+          </a:ln>
+        </p:spPr>
+        <p:style>
+          <a:lnRef idx="2">
+            <a:schemeClr val="dk1"/>
+          </a:lnRef>
+          <a:fillRef idx="0">
+            <a:schemeClr val="dk1"/>
+          </a:fillRef>
+          <a:effectRef idx="1">
+            <a:schemeClr val="dk1"/>
+          </a:effectRef>
+          <a:fontRef idx="minor">
+            <a:schemeClr val="tx1"/>
+          </a:fontRef>
+        </p:style>
+      </p:cxnSp>
+      <p:sp>
+        <p:nvSpPr>
+          <p:cNvPr id="45" name="Oval 44">
+            <a:extLst>
+              <a:ext uri="{FF2B5EF4-FFF2-40B4-BE49-F238E27FC236}">
+                <a16:creationId xmlns:a16="http://schemas.microsoft.com/office/drawing/2014/main" id="{95321654-FF78-0972-6B3F-463B6FA9DA73}"/>
+              </a:ext>
+            </a:extLst>
+          </p:cNvPr>
+          <p:cNvSpPr/>
+          <p:nvPr/>
+        </p:nvSpPr>
+        <p:spPr>
+          <a:xfrm>
+            <a:off x="4141019" y="4029852"/>
+            <a:ext cx="311007" cy="315630"/>
+          </a:xfrm>
+          <a:prstGeom prst="ellipse">
+            <a:avLst/>
+          </a:prstGeom>
+        </p:spPr>
+        <p:style>
+          <a:lnRef idx="2">
+            <a:schemeClr val="dk1"/>
+          </a:lnRef>
+          <a:fillRef idx="1">
+            <a:schemeClr val="lt1"/>
+          </a:fillRef>
+          <a:effectRef idx="0">
+            <a:schemeClr val="dk1"/>
+          </a:effectRef>
+          <a:fontRef idx="minor">
+            <a:schemeClr val="dk1"/>
+          </a:fontRef>
+        </p:style>
+        <p:txBody>
+          <a:bodyPr rtlCol="0" anchor="ctr"/>
+          <a:lstStyle/>
+          <a:p>
+            <a:pPr algn="ctr"/>
+            <a:r>
+              <a:rPr lang="es-MX" sz="1600" dirty="0"/>
+              <a:t>1</a:t>
+            </a:r>
+          </a:p>
+        </p:txBody>
+      </p:sp>
+      <p:cxnSp>
+        <p:nvCxnSpPr>
+          <p:cNvPr id="46" name="Straight Arrow Connector 45">
+            <a:extLst>
+              <a:ext uri="{FF2B5EF4-FFF2-40B4-BE49-F238E27FC236}">
+                <a16:creationId xmlns:a16="http://schemas.microsoft.com/office/drawing/2014/main" id="{E91D588C-3B8A-7774-78FC-98A38F778C1F}"/>
+              </a:ext>
+            </a:extLst>
+          </p:cNvPr>
+          <p:cNvCxnSpPr>
+            <a:cxnSpLocks/>
+            <a:stCxn id="28" idx="2"/>
+            <a:endCxn id="45" idx="0"/>
+          </p:cNvCxnSpPr>
+          <p:nvPr/>
+        </p:nvCxnSpPr>
+        <p:spPr>
+          <a:xfrm flipH="1">
+            <a:off x="4296523" y="3769114"/>
+            <a:ext cx="1" cy="260738"/>
+          </a:xfrm>
+          <a:prstGeom prst="straightConnector1">
+            <a:avLst/>
+          </a:prstGeom>
+          <a:ln>
+            <a:tailEnd type="triangle"/>
+          </a:ln>
+        </p:spPr>
+        <p:style>
+          <a:lnRef idx="2">
+            <a:schemeClr val="dk1"/>
+          </a:lnRef>
+          <a:fillRef idx="0">
+            <a:schemeClr val="dk1"/>
+          </a:fillRef>
+          <a:effectRef idx="1">
+            <a:schemeClr val="dk1"/>
+          </a:effectRef>
+          <a:fontRef idx="minor">
+            <a:schemeClr val="tx1"/>
+          </a:fontRef>
+        </p:style>
+      </p:cxnSp>
+      <p:sp>
+        <p:nvSpPr>
+          <p:cNvPr id="50" name="TextBox 49">
+            <a:extLst>
+              <a:ext uri="{FF2B5EF4-FFF2-40B4-BE49-F238E27FC236}">
+                <a16:creationId xmlns:a16="http://schemas.microsoft.com/office/drawing/2014/main" id="{97DA215E-0DDD-6DED-CB24-FC615001B612}"/>
+              </a:ext>
+            </a:extLst>
+          </p:cNvPr>
+          <p:cNvSpPr txBox="1"/>
+          <p:nvPr/>
+        </p:nvSpPr>
+        <p:spPr>
+          <a:xfrm>
+            <a:off x="1039764" y="408880"/>
+            <a:ext cx="1057405" cy="369332"/>
+          </a:xfrm>
+          <a:prstGeom prst="rect">
+            <a:avLst/>
+          </a:prstGeom>
+          <a:noFill/>
+        </p:spPr>
+        <p:txBody>
+          <a:bodyPr wrap="none" rtlCol="0">
+            <a:spAutoFit/>
+          </a:bodyPr>
+          <a:lstStyle/>
+          <a:p>
+            <a:r>
+              <a:rPr lang="es-MX" dirty="0"/>
+              <a:t>Subjects</a:t>
+            </a:r>
+          </a:p>
+        </p:txBody>
+      </p:sp>
+      <p:sp>
+        <p:nvSpPr>
+          <p:cNvPr id="51" name="TextBox 50">
+            <a:extLst>
+              <a:ext uri="{FF2B5EF4-FFF2-40B4-BE49-F238E27FC236}">
+                <a16:creationId xmlns:a16="http://schemas.microsoft.com/office/drawing/2014/main" id="{6E2B5AA0-0C04-7C92-0770-3AB667E5139E}"/>
+              </a:ext>
+            </a:extLst>
+          </p:cNvPr>
+          <p:cNvSpPr txBox="1"/>
+          <p:nvPr/>
+        </p:nvSpPr>
+        <p:spPr>
+          <a:xfrm>
+            <a:off x="4410944" y="408880"/>
+            <a:ext cx="1058175" cy="369332"/>
+          </a:xfrm>
+          <a:prstGeom prst="rect">
+            <a:avLst/>
+          </a:prstGeom>
+          <a:noFill/>
+        </p:spPr>
+        <p:txBody>
+          <a:bodyPr wrap="none" rtlCol="0">
+            <a:spAutoFit/>
+          </a:bodyPr>
+          <a:lstStyle/>
+          <a:p>
+            <a:r>
+              <a:rPr lang="es-MX" dirty="0"/>
+              <a:t>Features</a:t>
+            </a:r>
+          </a:p>
+        </p:txBody>
+      </p:sp>
+      <p:cxnSp>
+        <p:nvCxnSpPr>
+          <p:cNvPr id="53" name="Straight Connector 52">
+            <a:extLst>
+              <a:ext uri="{FF2B5EF4-FFF2-40B4-BE49-F238E27FC236}">
+                <a16:creationId xmlns:a16="http://schemas.microsoft.com/office/drawing/2014/main" id="{EDC6E230-768F-E682-2571-E87A370D33E2}"/>
+              </a:ext>
+            </a:extLst>
+          </p:cNvPr>
+          <p:cNvCxnSpPr/>
+          <p:nvPr/>
+        </p:nvCxnSpPr>
+        <p:spPr>
+          <a:xfrm>
+            <a:off x="3305175" y="514350"/>
+            <a:ext cx="0" cy="4057650"/>
+          </a:xfrm>
+          <a:prstGeom prst="line">
+            <a:avLst/>
+          </a:prstGeom>
+          <a:ln w="19050" cap="flat" cmpd="sng" algn="ctr">
+            <a:solidFill>
               <a:schemeClr val="dk1"/>
-            </a:lnRef>
-            <a:fillRef idx="0">
-              <a:schemeClr val="dk1"/>
-            </a:fillRef>
-            <a:effectRef idx="1">
-              <a:schemeClr val="dk1"/>
-            </a:effectRef>
-            <a:fontRef idx="minor">
-              <a:schemeClr val="tx1"/>
-            </a:fontRef>
-          </p:style>
-        </p:cxnSp>
-      </p:grpSp>
+            </a:solidFill>
+            <a:prstDash val="dash"/>
+            <a:round/>
+            <a:headEnd type="none" w="med" len="med"/>
+            <a:tailEnd type="none" w="med" len="med"/>
+          </a:ln>
+        </p:spPr>
+        <p:style>
+          <a:lnRef idx="0">
+            <a:scrgbClr r="0" g="0" b="0"/>
+          </a:lnRef>
+          <a:fillRef idx="0">
+            <a:scrgbClr r="0" g="0" b="0"/>
+          </a:fillRef>
+          <a:effectRef idx="0">
+            <a:scrgbClr r="0" g="0" b="0"/>
+          </a:effectRef>
+          <a:fontRef idx="minor">
+            <a:schemeClr val="tx1"/>
+          </a:fontRef>
+        </p:style>
+      </p:cxnSp>
     </p:spTree>
     <p:extLst>
       <p:ext uri="{BB962C8B-B14F-4D97-AF65-F5344CB8AC3E}">
-        <p14:creationId xmlns:p14="http://schemas.microsoft.com/office/powerpoint/2010/main" val="3395803773"/>
+        <p14:creationId xmlns:p14="http://schemas.microsoft.com/office/powerpoint/2010/main" val="748458637"/>
       </p:ext>
     </p:extLst>
   </p:cSld>
@@ -4387,7 +4199,7 @@
 <file path=ppt/theme/theme1.xml><?xml version="1.0" encoding="utf-8"?>
 <a:theme xmlns:a="http://schemas.openxmlformats.org/drawingml/2006/main" name="Office Theme">
   <a:themeElements>
-    <a:clrScheme name="Office">
+    <a:clrScheme name="Office Theme">
       <a:dk1>
         <a:sysClr val="windowText" lastClr="000000"/>
       </a:dk1>
@@ -4425,7 +4237,7 @@
         <a:srgbClr val="96607D"/>
       </a:folHlink>
     </a:clrScheme>
-    <a:fontScheme name="Office">
+    <a:fontScheme name="Office Theme">
       <a:majorFont>
         <a:latin typeface="Aptos Display" panose="02110004020202020204"/>
         <a:ea typeface=""/>
@@ -4531,7 +4343,7 @@
         <a:font script="Tfng" typeface="Ebrima"/>
       </a:minorFont>
     </a:fontScheme>
-    <a:fmtScheme name="Office">
+    <a:fmtScheme name="Office Theme">
       <a:fillStyleLst>
         <a:solidFill>
           <a:schemeClr val="phClr"/>
